--- a/nfcore_template.pptx
+++ b/nfcore_template.pptx
@@ -5,7 +5,7 @@
     <p:sldMasterId id="2147483648" r:id="rId1"/>
   </p:sldMasterIdLst>
   <p:notesMasterIdLst>
-    <p:notesMasterId r:id="rId14"/>
+    <p:notesMasterId r:id="rId21"/>
   </p:notesMasterIdLst>
   <p:sldIdLst>
     <p:sldId id="256" r:id="rId2"/>
@@ -16,10 +16,17 @@
     <p:sldId id="264" r:id="rId7"/>
     <p:sldId id="265" r:id="rId8"/>
     <p:sldId id="267" r:id="rId9"/>
-    <p:sldId id="266" r:id="rId10"/>
-    <p:sldId id="262" r:id="rId11"/>
-    <p:sldId id="263" r:id="rId12"/>
-    <p:sldId id="260" r:id="rId13"/>
+    <p:sldId id="268" r:id="rId10"/>
+    <p:sldId id="269" r:id="rId11"/>
+    <p:sldId id="270" r:id="rId12"/>
+    <p:sldId id="271" r:id="rId13"/>
+    <p:sldId id="272" r:id="rId14"/>
+    <p:sldId id="274" r:id="rId15"/>
+    <p:sldId id="273" r:id="rId16"/>
+    <p:sldId id="266" r:id="rId17"/>
+    <p:sldId id="262" r:id="rId18"/>
+    <p:sldId id="263" r:id="rId19"/>
+    <p:sldId id="260" r:id="rId20"/>
   </p:sldIdLst>
   <p:sldSz cx="12192000" cy="6858000"/>
   <p:notesSz cx="6858000" cy="9144000"/>
@@ -562,6 +569,762 @@
         <p:cNvPr id="1" name="">
           <a:extLst>
             <a:ext uri="{FF2B5EF4-FFF2-40B4-BE49-F238E27FC236}">
+              <a16:creationId xmlns:a16="http://schemas.microsoft.com/office/drawing/2014/main" id="{1A714987-C65F-2B9E-A9E9-F3AFAC03B1D1}"/>
+            </a:ext>
+          </a:extLst>
+        </p:cNvPr>
+        <p:cNvGrpSpPr/>
+        <p:nvPr/>
+      </p:nvGrpSpPr>
+      <p:grpSpPr>
+        <a:xfrm>
+          <a:off x="0" y="0"/>
+          <a:ext cx="0" cy="0"/>
+          <a:chOff x="0" y="0"/>
+          <a:chExt cx="0" cy="0"/>
+        </a:xfrm>
+      </p:grpSpPr>
+      <p:sp>
+        <p:nvSpPr>
+          <p:cNvPr id="2" name="Slide Image Placeholder 1">
+            <a:extLst>
+              <a:ext uri="{FF2B5EF4-FFF2-40B4-BE49-F238E27FC236}">
+                <a16:creationId xmlns:a16="http://schemas.microsoft.com/office/drawing/2014/main" id="{FB458CAC-75B0-A5DD-E901-E376EEED034F}"/>
+              </a:ext>
+            </a:extLst>
+          </p:cNvPr>
+          <p:cNvSpPr>
+            <a:spLocks noGrp="1" noRot="1" noChangeAspect="1"/>
+          </p:cNvSpPr>
+          <p:nvPr>
+            <p:ph type="sldImg"/>
+          </p:nvPr>
+        </p:nvSpPr>
+        <p:spPr/>
+      </p:sp>
+      <p:sp>
+        <p:nvSpPr>
+          <p:cNvPr id="3" name="Notes Placeholder 2">
+            <a:extLst>
+              <a:ext uri="{FF2B5EF4-FFF2-40B4-BE49-F238E27FC236}">
+                <a16:creationId xmlns:a16="http://schemas.microsoft.com/office/drawing/2014/main" id="{0B274430-E4C8-A919-3C3F-9B2CA2549265}"/>
+              </a:ext>
+            </a:extLst>
+          </p:cNvPr>
+          <p:cNvSpPr>
+            <a:spLocks noGrp="1"/>
+          </p:cNvSpPr>
+          <p:nvPr>
+            <p:ph type="body" idx="1"/>
+          </p:nvPr>
+        </p:nvSpPr>
+        <p:spPr/>
+        <p:txBody>
+          <a:bodyPr/>
+          <a:lstStyle/>
+          <a:p>
+            <a:endParaRPr lang="en-US" dirty="0"/>
+          </a:p>
+        </p:txBody>
+      </p:sp>
+      <p:sp>
+        <p:nvSpPr>
+          <p:cNvPr id="4" name="Slide Number Placeholder 3">
+            <a:extLst>
+              <a:ext uri="{FF2B5EF4-FFF2-40B4-BE49-F238E27FC236}">
+                <a16:creationId xmlns:a16="http://schemas.microsoft.com/office/drawing/2014/main" id="{BFF4D0DC-4C62-CBC4-A662-3FC5B79BD5C0}"/>
+              </a:ext>
+            </a:extLst>
+          </p:cNvPr>
+          <p:cNvSpPr>
+            <a:spLocks noGrp="1"/>
+          </p:cNvSpPr>
+          <p:nvPr>
+            <p:ph type="sldNum" sz="quarter" idx="5"/>
+          </p:nvPr>
+        </p:nvSpPr>
+        <p:spPr/>
+        <p:txBody>
+          <a:bodyPr/>
+          <a:lstStyle/>
+          <a:p>
+            <a:fld id="{629B2FD9-4971-7F46-8C2A-9BDAB78084B9}" type="slidenum">
+              <a:rPr lang="en-US" smtClean="0"/>
+              <a:t>12</a:t>
+            </a:fld>
+            <a:endParaRPr lang="en-US"/>
+          </a:p>
+        </p:txBody>
+      </p:sp>
+    </p:spTree>
+    <p:extLst>
+      <p:ext uri="{BB962C8B-B14F-4D97-AF65-F5344CB8AC3E}">
+        <p14:creationId xmlns:p14="http://schemas.microsoft.com/office/powerpoint/2010/main" val="3264008636"/>
+      </p:ext>
+    </p:extLst>
+  </p:cSld>
+  <p:clrMapOvr>
+    <a:masterClrMapping/>
+  </p:clrMapOvr>
+</p:notes>
+</file>
+
+<file path=ppt/notesSlides/notesSlide11.xml><?xml version="1.0" encoding="utf-8"?>
+<p:notes xmlns:a="http://schemas.openxmlformats.org/drawingml/2006/main" xmlns:r="http://schemas.openxmlformats.org/officeDocument/2006/relationships" xmlns:p="http://schemas.openxmlformats.org/presentationml/2006/main">
+  <p:cSld>
+    <p:spTree>
+      <p:nvGrpSpPr>
+        <p:cNvPr id="1" name="">
+          <a:extLst>
+            <a:ext uri="{FF2B5EF4-FFF2-40B4-BE49-F238E27FC236}">
+              <a16:creationId xmlns:a16="http://schemas.microsoft.com/office/drawing/2014/main" id="{4EC7917B-0F42-FAC0-614B-5418D853BDE8}"/>
+            </a:ext>
+          </a:extLst>
+        </p:cNvPr>
+        <p:cNvGrpSpPr/>
+        <p:nvPr/>
+      </p:nvGrpSpPr>
+      <p:grpSpPr>
+        <a:xfrm>
+          <a:off x="0" y="0"/>
+          <a:ext cx="0" cy="0"/>
+          <a:chOff x="0" y="0"/>
+          <a:chExt cx="0" cy="0"/>
+        </a:xfrm>
+      </p:grpSpPr>
+      <p:sp>
+        <p:nvSpPr>
+          <p:cNvPr id="2" name="Slide Image Placeholder 1">
+            <a:extLst>
+              <a:ext uri="{FF2B5EF4-FFF2-40B4-BE49-F238E27FC236}">
+                <a16:creationId xmlns:a16="http://schemas.microsoft.com/office/drawing/2014/main" id="{50BF60FC-4EA0-9C8C-3E0E-86DE15E6F81F}"/>
+              </a:ext>
+            </a:extLst>
+          </p:cNvPr>
+          <p:cNvSpPr>
+            <a:spLocks noGrp="1" noRot="1" noChangeAspect="1"/>
+          </p:cNvSpPr>
+          <p:nvPr>
+            <p:ph type="sldImg"/>
+          </p:nvPr>
+        </p:nvSpPr>
+        <p:spPr/>
+      </p:sp>
+      <p:sp>
+        <p:nvSpPr>
+          <p:cNvPr id="3" name="Notes Placeholder 2">
+            <a:extLst>
+              <a:ext uri="{FF2B5EF4-FFF2-40B4-BE49-F238E27FC236}">
+                <a16:creationId xmlns:a16="http://schemas.microsoft.com/office/drawing/2014/main" id="{82725601-3AB7-AE17-7C8A-2CB0636CC556}"/>
+              </a:ext>
+            </a:extLst>
+          </p:cNvPr>
+          <p:cNvSpPr>
+            <a:spLocks noGrp="1"/>
+          </p:cNvSpPr>
+          <p:nvPr>
+            <p:ph type="body" idx="1"/>
+          </p:nvPr>
+        </p:nvSpPr>
+        <p:spPr/>
+        <p:txBody>
+          <a:bodyPr/>
+          <a:lstStyle/>
+          <a:p>
+            <a:endParaRPr lang="en-US" dirty="0"/>
+          </a:p>
+        </p:txBody>
+      </p:sp>
+      <p:sp>
+        <p:nvSpPr>
+          <p:cNvPr id="4" name="Slide Number Placeholder 3">
+            <a:extLst>
+              <a:ext uri="{FF2B5EF4-FFF2-40B4-BE49-F238E27FC236}">
+                <a16:creationId xmlns:a16="http://schemas.microsoft.com/office/drawing/2014/main" id="{BC378739-5E03-4DE3-E517-A8FCE4B7476D}"/>
+              </a:ext>
+            </a:extLst>
+          </p:cNvPr>
+          <p:cNvSpPr>
+            <a:spLocks noGrp="1"/>
+          </p:cNvSpPr>
+          <p:nvPr>
+            <p:ph type="sldNum" sz="quarter" idx="5"/>
+          </p:nvPr>
+        </p:nvSpPr>
+        <p:spPr/>
+        <p:txBody>
+          <a:bodyPr/>
+          <a:lstStyle/>
+          <a:p>
+            <a:fld id="{629B2FD9-4971-7F46-8C2A-9BDAB78084B9}" type="slidenum">
+              <a:rPr lang="en-US" smtClean="0"/>
+              <a:t>13</a:t>
+            </a:fld>
+            <a:endParaRPr lang="en-US"/>
+          </a:p>
+        </p:txBody>
+      </p:sp>
+    </p:spTree>
+    <p:extLst>
+      <p:ext uri="{BB962C8B-B14F-4D97-AF65-F5344CB8AC3E}">
+        <p14:creationId xmlns:p14="http://schemas.microsoft.com/office/powerpoint/2010/main" val="2383457315"/>
+      </p:ext>
+    </p:extLst>
+  </p:cSld>
+  <p:clrMapOvr>
+    <a:masterClrMapping/>
+  </p:clrMapOvr>
+</p:notes>
+</file>
+
+<file path=ppt/notesSlides/notesSlide12.xml><?xml version="1.0" encoding="utf-8"?>
+<p:notes xmlns:a="http://schemas.openxmlformats.org/drawingml/2006/main" xmlns:r="http://schemas.openxmlformats.org/officeDocument/2006/relationships" xmlns:p="http://schemas.openxmlformats.org/presentationml/2006/main">
+  <p:cSld>
+    <p:spTree>
+      <p:nvGrpSpPr>
+        <p:cNvPr id="1" name="">
+          <a:extLst>
+            <a:ext uri="{FF2B5EF4-FFF2-40B4-BE49-F238E27FC236}">
+              <a16:creationId xmlns:a16="http://schemas.microsoft.com/office/drawing/2014/main" id="{BC80989D-4C05-C3D0-FA58-BE29918966CA}"/>
+            </a:ext>
+          </a:extLst>
+        </p:cNvPr>
+        <p:cNvGrpSpPr/>
+        <p:nvPr/>
+      </p:nvGrpSpPr>
+      <p:grpSpPr>
+        <a:xfrm>
+          <a:off x="0" y="0"/>
+          <a:ext cx="0" cy="0"/>
+          <a:chOff x="0" y="0"/>
+          <a:chExt cx="0" cy="0"/>
+        </a:xfrm>
+      </p:grpSpPr>
+      <p:sp>
+        <p:nvSpPr>
+          <p:cNvPr id="2" name="Slide Image Placeholder 1">
+            <a:extLst>
+              <a:ext uri="{FF2B5EF4-FFF2-40B4-BE49-F238E27FC236}">
+                <a16:creationId xmlns:a16="http://schemas.microsoft.com/office/drawing/2014/main" id="{EEED9A01-79BC-5D40-3D57-11D8BD73A7AC}"/>
+              </a:ext>
+            </a:extLst>
+          </p:cNvPr>
+          <p:cNvSpPr>
+            <a:spLocks noGrp="1" noRot="1" noChangeAspect="1"/>
+          </p:cNvSpPr>
+          <p:nvPr>
+            <p:ph type="sldImg"/>
+          </p:nvPr>
+        </p:nvSpPr>
+        <p:spPr/>
+      </p:sp>
+      <p:sp>
+        <p:nvSpPr>
+          <p:cNvPr id="3" name="Notes Placeholder 2">
+            <a:extLst>
+              <a:ext uri="{FF2B5EF4-FFF2-40B4-BE49-F238E27FC236}">
+                <a16:creationId xmlns:a16="http://schemas.microsoft.com/office/drawing/2014/main" id="{046DA71D-19E2-3E6D-7B53-B6BA7782B50A}"/>
+              </a:ext>
+            </a:extLst>
+          </p:cNvPr>
+          <p:cNvSpPr>
+            <a:spLocks noGrp="1"/>
+          </p:cNvSpPr>
+          <p:nvPr>
+            <p:ph type="body" idx="1"/>
+          </p:nvPr>
+        </p:nvSpPr>
+        <p:spPr/>
+        <p:txBody>
+          <a:bodyPr/>
+          <a:lstStyle/>
+          <a:p>
+            <a:endParaRPr lang="en-US" dirty="0"/>
+          </a:p>
+        </p:txBody>
+      </p:sp>
+      <p:sp>
+        <p:nvSpPr>
+          <p:cNvPr id="4" name="Slide Number Placeholder 3">
+            <a:extLst>
+              <a:ext uri="{FF2B5EF4-FFF2-40B4-BE49-F238E27FC236}">
+                <a16:creationId xmlns:a16="http://schemas.microsoft.com/office/drawing/2014/main" id="{9589401D-6D98-7FBA-75CC-83BCCA9558C7}"/>
+              </a:ext>
+            </a:extLst>
+          </p:cNvPr>
+          <p:cNvSpPr>
+            <a:spLocks noGrp="1"/>
+          </p:cNvSpPr>
+          <p:nvPr>
+            <p:ph type="sldNum" sz="quarter" idx="5"/>
+          </p:nvPr>
+        </p:nvSpPr>
+        <p:spPr/>
+        <p:txBody>
+          <a:bodyPr/>
+          <a:lstStyle/>
+          <a:p>
+            <a:fld id="{629B2FD9-4971-7F46-8C2A-9BDAB78084B9}" type="slidenum">
+              <a:rPr lang="en-US" smtClean="0"/>
+              <a:t>14</a:t>
+            </a:fld>
+            <a:endParaRPr lang="en-US"/>
+          </a:p>
+        </p:txBody>
+      </p:sp>
+    </p:spTree>
+    <p:extLst>
+      <p:ext uri="{BB962C8B-B14F-4D97-AF65-F5344CB8AC3E}">
+        <p14:creationId xmlns:p14="http://schemas.microsoft.com/office/powerpoint/2010/main" val="2451699483"/>
+      </p:ext>
+    </p:extLst>
+  </p:cSld>
+  <p:clrMapOvr>
+    <a:masterClrMapping/>
+  </p:clrMapOvr>
+</p:notes>
+</file>
+
+<file path=ppt/notesSlides/notesSlide13.xml><?xml version="1.0" encoding="utf-8"?>
+<p:notes xmlns:a="http://schemas.openxmlformats.org/drawingml/2006/main" xmlns:r="http://schemas.openxmlformats.org/officeDocument/2006/relationships" xmlns:p="http://schemas.openxmlformats.org/presentationml/2006/main">
+  <p:cSld>
+    <p:spTree>
+      <p:nvGrpSpPr>
+        <p:cNvPr id="1" name="">
+          <a:extLst>
+            <a:ext uri="{FF2B5EF4-FFF2-40B4-BE49-F238E27FC236}">
+              <a16:creationId xmlns:a16="http://schemas.microsoft.com/office/drawing/2014/main" id="{35575CA8-BD51-6C6B-C763-6DA60119AC2E}"/>
+            </a:ext>
+          </a:extLst>
+        </p:cNvPr>
+        <p:cNvGrpSpPr/>
+        <p:nvPr/>
+      </p:nvGrpSpPr>
+      <p:grpSpPr>
+        <a:xfrm>
+          <a:off x="0" y="0"/>
+          <a:ext cx="0" cy="0"/>
+          <a:chOff x="0" y="0"/>
+          <a:chExt cx="0" cy="0"/>
+        </a:xfrm>
+      </p:grpSpPr>
+      <p:sp>
+        <p:nvSpPr>
+          <p:cNvPr id="2" name="Slide Image Placeholder 1">
+            <a:extLst>
+              <a:ext uri="{FF2B5EF4-FFF2-40B4-BE49-F238E27FC236}">
+                <a16:creationId xmlns:a16="http://schemas.microsoft.com/office/drawing/2014/main" id="{BF48DA2A-3432-639C-FA3F-C7922FD857EB}"/>
+              </a:ext>
+            </a:extLst>
+          </p:cNvPr>
+          <p:cNvSpPr>
+            <a:spLocks noGrp="1" noRot="1" noChangeAspect="1"/>
+          </p:cNvSpPr>
+          <p:nvPr>
+            <p:ph type="sldImg"/>
+          </p:nvPr>
+        </p:nvSpPr>
+        <p:spPr/>
+      </p:sp>
+      <p:sp>
+        <p:nvSpPr>
+          <p:cNvPr id="3" name="Notes Placeholder 2">
+            <a:extLst>
+              <a:ext uri="{FF2B5EF4-FFF2-40B4-BE49-F238E27FC236}">
+                <a16:creationId xmlns:a16="http://schemas.microsoft.com/office/drawing/2014/main" id="{5B420BB0-7A98-3BCB-4150-845BA7142DD4}"/>
+              </a:ext>
+            </a:extLst>
+          </p:cNvPr>
+          <p:cNvSpPr>
+            <a:spLocks noGrp="1"/>
+          </p:cNvSpPr>
+          <p:nvPr>
+            <p:ph type="body" idx="1"/>
+          </p:nvPr>
+        </p:nvSpPr>
+        <p:spPr/>
+        <p:txBody>
+          <a:bodyPr/>
+          <a:lstStyle/>
+          <a:p>
+            <a:endParaRPr lang="en-US" dirty="0"/>
+          </a:p>
+        </p:txBody>
+      </p:sp>
+      <p:sp>
+        <p:nvSpPr>
+          <p:cNvPr id="4" name="Slide Number Placeholder 3">
+            <a:extLst>
+              <a:ext uri="{FF2B5EF4-FFF2-40B4-BE49-F238E27FC236}">
+                <a16:creationId xmlns:a16="http://schemas.microsoft.com/office/drawing/2014/main" id="{2964F391-7F97-EFAC-42C6-9E702C5EBC8F}"/>
+              </a:ext>
+            </a:extLst>
+          </p:cNvPr>
+          <p:cNvSpPr>
+            <a:spLocks noGrp="1"/>
+          </p:cNvSpPr>
+          <p:nvPr>
+            <p:ph type="sldNum" sz="quarter" idx="5"/>
+          </p:nvPr>
+        </p:nvSpPr>
+        <p:spPr/>
+        <p:txBody>
+          <a:bodyPr/>
+          <a:lstStyle/>
+          <a:p>
+            <a:fld id="{629B2FD9-4971-7F46-8C2A-9BDAB78084B9}" type="slidenum">
+              <a:rPr lang="en-US" smtClean="0"/>
+              <a:t>15</a:t>
+            </a:fld>
+            <a:endParaRPr lang="en-US"/>
+          </a:p>
+        </p:txBody>
+      </p:sp>
+    </p:spTree>
+    <p:extLst>
+      <p:ext uri="{BB962C8B-B14F-4D97-AF65-F5344CB8AC3E}">
+        <p14:creationId xmlns:p14="http://schemas.microsoft.com/office/powerpoint/2010/main" val="372026739"/>
+      </p:ext>
+    </p:extLst>
+  </p:cSld>
+  <p:clrMapOvr>
+    <a:masterClrMapping/>
+  </p:clrMapOvr>
+</p:notes>
+</file>
+
+<file path=ppt/notesSlides/notesSlide14.xml><?xml version="1.0" encoding="utf-8"?>
+<p:notes xmlns:a="http://schemas.openxmlformats.org/drawingml/2006/main" xmlns:r="http://schemas.openxmlformats.org/officeDocument/2006/relationships" xmlns:p="http://schemas.openxmlformats.org/presentationml/2006/main">
+  <p:cSld>
+    <p:spTree>
+      <p:nvGrpSpPr>
+        <p:cNvPr id="1" name="">
+          <a:extLst>
+            <a:ext uri="{FF2B5EF4-FFF2-40B4-BE49-F238E27FC236}">
+              <a16:creationId xmlns:a16="http://schemas.microsoft.com/office/drawing/2014/main" id="{7F410179-061E-66C8-153F-32B978C59E6A}"/>
+            </a:ext>
+          </a:extLst>
+        </p:cNvPr>
+        <p:cNvGrpSpPr/>
+        <p:nvPr/>
+      </p:nvGrpSpPr>
+      <p:grpSpPr>
+        <a:xfrm>
+          <a:off x="0" y="0"/>
+          <a:ext cx="0" cy="0"/>
+          <a:chOff x="0" y="0"/>
+          <a:chExt cx="0" cy="0"/>
+        </a:xfrm>
+      </p:grpSpPr>
+      <p:sp>
+        <p:nvSpPr>
+          <p:cNvPr id="2" name="Slide Image Placeholder 1">
+            <a:extLst>
+              <a:ext uri="{FF2B5EF4-FFF2-40B4-BE49-F238E27FC236}">
+                <a16:creationId xmlns:a16="http://schemas.microsoft.com/office/drawing/2014/main" id="{CC031113-7CF1-DD32-9019-24C2D07E61B1}"/>
+              </a:ext>
+            </a:extLst>
+          </p:cNvPr>
+          <p:cNvSpPr>
+            <a:spLocks noGrp="1" noRot="1" noChangeAspect="1"/>
+          </p:cNvSpPr>
+          <p:nvPr>
+            <p:ph type="sldImg"/>
+          </p:nvPr>
+        </p:nvSpPr>
+        <p:spPr/>
+      </p:sp>
+      <p:sp>
+        <p:nvSpPr>
+          <p:cNvPr id="3" name="Notes Placeholder 2">
+            <a:extLst>
+              <a:ext uri="{FF2B5EF4-FFF2-40B4-BE49-F238E27FC236}">
+                <a16:creationId xmlns:a16="http://schemas.microsoft.com/office/drawing/2014/main" id="{BC19961C-7CE2-E329-30FF-91D5ECCB564C}"/>
+              </a:ext>
+            </a:extLst>
+          </p:cNvPr>
+          <p:cNvSpPr>
+            <a:spLocks noGrp="1"/>
+          </p:cNvSpPr>
+          <p:nvPr>
+            <p:ph type="body" idx="1"/>
+          </p:nvPr>
+        </p:nvSpPr>
+        <p:spPr/>
+        <p:txBody>
+          <a:bodyPr/>
+          <a:lstStyle/>
+          <a:p>
+            <a:endParaRPr lang="en-US" dirty="0"/>
+          </a:p>
+        </p:txBody>
+      </p:sp>
+      <p:sp>
+        <p:nvSpPr>
+          <p:cNvPr id="4" name="Slide Number Placeholder 3">
+            <a:extLst>
+              <a:ext uri="{FF2B5EF4-FFF2-40B4-BE49-F238E27FC236}">
+                <a16:creationId xmlns:a16="http://schemas.microsoft.com/office/drawing/2014/main" id="{33C83B18-08DD-DF56-1A3E-111E5EA859BE}"/>
+              </a:ext>
+            </a:extLst>
+          </p:cNvPr>
+          <p:cNvSpPr>
+            <a:spLocks noGrp="1"/>
+          </p:cNvSpPr>
+          <p:nvPr>
+            <p:ph type="sldNum" sz="quarter" idx="5"/>
+          </p:nvPr>
+        </p:nvSpPr>
+        <p:spPr/>
+        <p:txBody>
+          <a:bodyPr/>
+          <a:lstStyle/>
+          <a:p>
+            <a:fld id="{629B2FD9-4971-7F46-8C2A-9BDAB78084B9}" type="slidenum">
+              <a:rPr lang="en-US" smtClean="0"/>
+              <a:t>16</a:t>
+            </a:fld>
+            <a:endParaRPr lang="en-US"/>
+          </a:p>
+        </p:txBody>
+      </p:sp>
+    </p:spTree>
+    <p:extLst>
+      <p:ext uri="{BB962C8B-B14F-4D97-AF65-F5344CB8AC3E}">
+        <p14:creationId xmlns:p14="http://schemas.microsoft.com/office/powerpoint/2010/main" val="2868554800"/>
+      </p:ext>
+    </p:extLst>
+  </p:cSld>
+  <p:clrMapOvr>
+    <a:masterClrMapping/>
+  </p:clrMapOvr>
+</p:notes>
+</file>
+
+<file path=ppt/notesSlides/notesSlide15.xml><?xml version="1.0" encoding="utf-8"?>
+<p:notes xmlns:a="http://schemas.openxmlformats.org/drawingml/2006/main" xmlns:r="http://schemas.openxmlformats.org/officeDocument/2006/relationships" xmlns:p="http://schemas.openxmlformats.org/presentationml/2006/main">
+  <p:cSld>
+    <p:spTree>
+      <p:nvGrpSpPr>
+        <p:cNvPr id="1" name="">
+          <a:extLst>
+            <a:ext uri="{FF2B5EF4-FFF2-40B4-BE49-F238E27FC236}">
+              <a16:creationId xmlns:a16="http://schemas.microsoft.com/office/drawing/2014/main" id="{D39F5307-6AE8-1A3E-E47C-959D201C953B}"/>
+            </a:ext>
+          </a:extLst>
+        </p:cNvPr>
+        <p:cNvGrpSpPr/>
+        <p:nvPr/>
+      </p:nvGrpSpPr>
+      <p:grpSpPr>
+        <a:xfrm>
+          <a:off x="0" y="0"/>
+          <a:ext cx="0" cy="0"/>
+          <a:chOff x="0" y="0"/>
+          <a:chExt cx="0" cy="0"/>
+        </a:xfrm>
+      </p:grpSpPr>
+      <p:sp>
+        <p:nvSpPr>
+          <p:cNvPr id="2" name="Slide Image Placeholder 1">
+            <a:extLst>
+              <a:ext uri="{FF2B5EF4-FFF2-40B4-BE49-F238E27FC236}">
+                <a16:creationId xmlns:a16="http://schemas.microsoft.com/office/drawing/2014/main" id="{A2D22D65-5EA0-621D-45AF-08E3E7A20019}"/>
+              </a:ext>
+            </a:extLst>
+          </p:cNvPr>
+          <p:cNvSpPr>
+            <a:spLocks noGrp="1" noRot="1" noChangeAspect="1"/>
+          </p:cNvSpPr>
+          <p:nvPr>
+            <p:ph type="sldImg"/>
+          </p:nvPr>
+        </p:nvSpPr>
+        <p:spPr/>
+      </p:sp>
+      <p:sp>
+        <p:nvSpPr>
+          <p:cNvPr id="3" name="Notes Placeholder 2">
+            <a:extLst>
+              <a:ext uri="{FF2B5EF4-FFF2-40B4-BE49-F238E27FC236}">
+                <a16:creationId xmlns:a16="http://schemas.microsoft.com/office/drawing/2014/main" id="{B7551B6E-6688-6461-4548-D0F63936F05A}"/>
+              </a:ext>
+            </a:extLst>
+          </p:cNvPr>
+          <p:cNvSpPr>
+            <a:spLocks noGrp="1"/>
+          </p:cNvSpPr>
+          <p:nvPr>
+            <p:ph type="body" idx="1"/>
+          </p:nvPr>
+        </p:nvSpPr>
+        <p:spPr/>
+        <p:txBody>
+          <a:bodyPr/>
+          <a:lstStyle/>
+          <a:p>
+            <a:endParaRPr lang="en-US" dirty="0"/>
+          </a:p>
+        </p:txBody>
+      </p:sp>
+      <p:sp>
+        <p:nvSpPr>
+          <p:cNvPr id="4" name="Slide Number Placeholder 3">
+            <a:extLst>
+              <a:ext uri="{FF2B5EF4-FFF2-40B4-BE49-F238E27FC236}">
+                <a16:creationId xmlns:a16="http://schemas.microsoft.com/office/drawing/2014/main" id="{C3C18ED9-8199-B85B-B8B2-0087120EC4D7}"/>
+              </a:ext>
+            </a:extLst>
+          </p:cNvPr>
+          <p:cNvSpPr>
+            <a:spLocks noGrp="1"/>
+          </p:cNvSpPr>
+          <p:nvPr>
+            <p:ph type="sldNum" sz="quarter" idx="5"/>
+          </p:nvPr>
+        </p:nvSpPr>
+        <p:spPr/>
+        <p:txBody>
+          <a:bodyPr/>
+          <a:lstStyle/>
+          <a:p>
+            <a:fld id="{629B2FD9-4971-7F46-8C2A-9BDAB78084B9}" type="slidenum">
+              <a:rPr lang="en-US" smtClean="0"/>
+              <a:t>17</a:t>
+            </a:fld>
+            <a:endParaRPr lang="en-US"/>
+          </a:p>
+        </p:txBody>
+      </p:sp>
+    </p:spTree>
+    <p:extLst>
+      <p:ext uri="{BB962C8B-B14F-4D97-AF65-F5344CB8AC3E}">
+        <p14:creationId xmlns:p14="http://schemas.microsoft.com/office/powerpoint/2010/main" val="3072430158"/>
+      </p:ext>
+    </p:extLst>
+  </p:cSld>
+  <p:clrMapOvr>
+    <a:masterClrMapping/>
+  </p:clrMapOvr>
+</p:notes>
+</file>
+
+<file path=ppt/notesSlides/notesSlide16.xml><?xml version="1.0" encoding="utf-8"?>
+<p:notes xmlns:a="http://schemas.openxmlformats.org/drawingml/2006/main" xmlns:r="http://schemas.openxmlformats.org/officeDocument/2006/relationships" xmlns:p="http://schemas.openxmlformats.org/presentationml/2006/main">
+  <p:cSld>
+    <p:spTree>
+      <p:nvGrpSpPr>
+        <p:cNvPr id="1" name="">
+          <a:extLst>
+            <a:ext uri="{FF2B5EF4-FFF2-40B4-BE49-F238E27FC236}">
+              <a16:creationId xmlns:a16="http://schemas.microsoft.com/office/drawing/2014/main" id="{26515669-400C-86D4-0EBF-F5D7B02701DF}"/>
+            </a:ext>
+          </a:extLst>
+        </p:cNvPr>
+        <p:cNvGrpSpPr/>
+        <p:nvPr/>
+      </p:nvGrpSpPr>
+      <p:grpSpPr>
+        <a:xfrm>
+          <a:off x="0" y="0"/>
+          <a:ext cx="0" cy="0"/>
+          <a:chOff x="0" y="0"/>
+          <a:chExt cx="0" cy="0"/>
+        </a:xfrm>
+      </p:grpSpPr>
+      <p:sp>
+        <p:nvSpPr>
+          <p:cNvPr id="2" name="Slide Image Placeholder 1">
+            <a:extLst>
+              <a:ext uri="{FF2B5EF4-FFF2-40B4-BE49-F238E27FC236}">
+                <a16:creationId xmlns:a16="http://schemas.microsoft.com/office/drawing/2014/main" id="{5F0C5B5F-5F97-3DF5-FE90-AD54A3BEA361}"/>
+              </a:ext>
+            </a:extLst>
+          </p:cNvPr>
+          <p:cNvSpPr>
+            <a:spLocks noGrp="1" noRot="1" noChangeAspect="1"/>
+          </p:cNvSpPr>
+          <p:nvPr>
+            <p:ph type="sldImg"/>
+          </p:nvPr>
+        </p:nvSpPr>
+        <p:spPr/>
+      </p:sp>
+      <p:sp>
+        <p:nvSpPr>
+          <p:cNvPr id="3" name="Notes Placeholder 2">
+            <a:extLst>
+              <a:ext uri="{FF2B5EF4-FFF2-40B4-BE49-F238E27FC236}">
+                <a16:creationId xmlns:a16="http://schemas.microsoft.com/office/drawing/2014/main" id="{A38C54EE-CEFE-C756-C711-771CAEFEE186}"/>
+              </a:ext>
+            </a:extLst>
+          </p:cNvPr>
+          <p:cNvSpPr>
+            <a:spLocks noGrp="1"/>
+          </p:cNvSpPr>
+          <p:nvPr>
+            <p:ph type="body" idx="1"/>
+          </p:nvPr>
+        </p:nvSpPr>
+        <p:spPr/>
+        <p:txBody>
+          <a:bodyPr/>
+          <a:lstStyle/>
+          <a:p>
+            <a:endParaRPr lang="en-US" dirty="0"/>
+          </a:p>
+        </p:txBody>
+      </p:sp>
+      <p:sp>
+        <p:nvSpPr>
+          <p:cNvPr id="4" name="Slide Number Placeholder 3">
+            <a:extLst>
+              <a:ext uri="{FF2B5EF4-FFF2-40B4-BE49-F238E27FC236}">
+                <a16:creationId xmlns:a16="http://schemas.microsoft.com/office/drawing/2014/main" id="{C558DFB6-259B-EED7-BA58-06D4E12390D7}"/>
+              </a:ext>
+            </a:extLst>
+          </p:cNvPr>
+          <p:cNvSpPr>
+            <a:spLocks noGrp="1"/>
+          </p:cNvSpPr>
+          <p:nvPr>
+            <p:ph type="sldNum" sz="quarter" idx="5"/>
+          </p:nvPr>
+        </p:nvSpPr>
+        <p:spPr/>
+        <p:txBody>
+          <a:bodyPr/>
+          <a:lstStyle/>
+          <a:p>
+            <a:fld id="{629B2FD9-4971-7F46-8C2A-9BDAB78084B9}" type="slidenum">
+              <a:rPr lang="en-US" smtClean="0"/>
+              <a:t>18</a:t>
+            </a:fld>
+            <a:endParaRPr lang="en-US"/>
+          </a:p>
+        </p:txBody>
+      </p:sp>
+    </p:spTree>
+    <p:extLst>
+      <p:ext uri="{BB962C8B-B14F-4D97-AF65-F5344CB8AC3E}">
+        <p14:creationId xmlns:p14="http://schemas.microsoft.com/office/powerpoint/2010/main" val="2335631223"/>
+      </p:ext>
+    </p:extLst>
+  </p:cSld>
+  <p:clrMapOvr>
+    <a:masterClrMapping/>
+  </p:clrMapOvr>
+</p:notes>
+</file>
+
+<file path=ppt/notesSlides/notesSlide17.xml><?xml version="1.0" encoding="utf-8"?>
+<p:notes xmlns:a="http://schemas.openxmlformats.org/drawingml/2006/main" xmlns:r="http://schemas.openxmlformats.org/officeDocument/2006/relationships" xmlns:p="http://schemas.openxmlformats.org/presentationml/2006/main">
+  <p:cSld>
+    <p:spTree>
+      <p:nvGrpSpPr>
+        <p:cNvPr id="1" name="">
+          <a:extLst>
+            <a:ext uri="{FF2B5EF4-FFF2-40B4-BE49-F238E27FC236}">
               <a16:creationId xmlns:a16="http://schemas.microsoft.com/office/drawing/2014/main" id="{648F329B-5633-0A0E-38B0-8F2FF0CAB586}"/>
             </a:ext>
           </a:extLst>
@@ -643,7 +1406,7 @@
           <a:p>
             <a:fld id="{629B2FD9-4971-7F46-8C2A-9BDAB78084B9}" type="slidenum">
               <a:rPr lang="en-US" smtClean="0"/>
-              <a:t>12</a:t>
+              <a:t>19</a:t>
             </a:fld>
             <a:endParaRPr lang="en-US"/>
           </a:p>
@@ -1210,7 +1973,7 @@
         <p:cNvPr id="1" name="">
           <a:extLst>
             <a:ext uri="{FF2B5EF4-FFF2-40B4-BE49-F238E27FC236}">
-              <a16:creationId xmlns:a16="http://schemas.microsoft.com/office/drawing/2014/main" id="{7F410179-061E-66C8-153F-32B978C59E6A}"/>
+              <a16:creationId xmlns:a16="http://schemas.microsoft.com/office/drawing/2014/main" id="{5BFA1492-ADDC-2E71-5010-1820AC288EA5}"/>
             </a:ext>
           </a:extLst>
         </p:cNvPr>
@@ -1230,7 +1993,7 @@
           <p:cNvPr id="2" name="Slide Image Placeholder 1">
             <a:extLst>
               <a:ext uri="{FF2B5EF4-FFF2-40B4-BE49-F238E27FC236}">
-                <a16:creationId xmlns:a16="http://schemas.microsoft.com/office/drawing/2014/main" id="{CC031113-7CF1-DD32-9019-24C2D07E61B1}"/>
+                <a16:creationId xmlns:a16="http://schemas.microsoft.com/office/drawing/2014/main" id="{D91B7703-5424-6E82-DA6A-68F4B1623AB7}"/>
               </a:ext>
             </a:extLst>
           </p:cNvPr>
@@ -1248,7 +2011,7 @@
           <p:cNvPr id="3" name="Notes Placeholder 2">
             <a:extLst>
               <a:ext uri="{FF2B5EF4-FFF2-40B4-BE49-F238E27FC236}">
-                <a16:creationId xmlns:a16="http://schemas.microsoft.com/office/drawing/2014/main" id="{BC19961C-7CE2-E329-30FF-91D5ECCB564C}"/>
+                <a16:creationId xmlns:a16="http://schemas.microsoft.com/office/drawing/2014/main" id="{CDFACF60-D995-22D0-F157-58587BEE0CEF}"/>
               </a:ext>
             </a:extLst>
           </p:cNvPr>
@@ -1273,7 +2036,7 @@
           <p:cNvPr id="4" name="Slide Number Placeholder 3">
             <a:extLst>
               <a:ext uri="{FF2B5EF4-FFF2-40B4-BE49-F238E27FC236}">
-                <a16:creationId xmlns:a16="http://schemas.microsoft.com/office/drawing/2014/main" id="{33C83B18-08DD-DF56-1A3E-111E5EA859BE}"/>
+                <a16:creationId xmlns:a16="http://schemas.microsoft.com/office/drawing/2014/main" id="{0081A080-A50C-7A73-4ED7-ADB45C5C0981}"/>
               </a:ext>
             </a:extLst>
           </p:cNvPr>
@@ -1300,7 +2063,7 @@
     </p:spTree>
     <p:extLst>
       <p:ext uri="{BB962C8B-B14F-4D97-AF65-F5344CB8AC3E}">
-        <p14:creationId xmlns:p14="http://schemas.microsoft.com/office/powerpoint/2010/main" val="2868554800"/>
+        <p14:creationId xmlns:p14="http://schemas.microsoft.com/office/powerpoint/2010/main" val="740098551"/>
       </p:ext>
     </p:extLst>
   </p:cSld>
@@ -1318,7 +2081,7 @@
         <p:cNvPr id="1" name="">
           <a:extLst>
             <a:ext uri="{FF2B5EF4-FFF2-40B4-BE49-F238E27FC236}">
-              <a16:creationId xmlns:a16="http://schemas.microsoft.com/office/drawing/2014/main" id="{D39F5307-6AE8-1A3E-E47C-959D201C953B}"/>
+              <a16:creationId xmlns:a16="http://schemas.microsoft.com/office/drawing/2014/main" id="{E70A5F2F-8443-4293-CE57-A70A37219C0F}"/>
             </a:ext>
           </a:extLst>
         </p:cNvPr>
@@ -1338,7 +2101,7 @@
           <p:cNvPr id="2" name="Slide Image Placeholder 1">
             <a:extLst>
               <a:ext uri="{FF2B5EF4-FFF2-40B4-BE49-F238E27FC236}">
-                <a16:creationId xmlns:a16="http://schemas.microsoft.com/office/drawing/2014/main" id="{A2D22D65-5EA0-621D-45AF-08E3E7A20019}"/>
+                <a16:creationId xmlns:a16="http://schemas.microsoft.com/office/drawing/2014/main" id="{58071280-20BA-4B9B-E094-0216D413A2FB}"/>
               </a:ext>
             </a:extLst>
           </p:cNvPr>
@@ -1356,7 +2119,7 @@
           <p:cNvPr id="3" name="Notes Placeholder 2">
             <a:extLst>
               <a:ext uri="{FF2B5EF4-FFF2-40B4-BE49-F238E27FC236}">
-                <a16:creationId xmlns:a16="http://schemas.microsoft.com/office/drawing/2014/main" id="{B7551B6E-6688-6461-4548-D0F63936F05A}"/>
+                <a16:creationId xmlns:a16="http://schemas.microsoft.com/office/drawing/2014/main" id="{E83D32F5-ECEA-8F1F-822F-996537FF5D44}"/>
               </a:ext>
             </a:extLst>
           </p:cNvPr>
@@ -1381,7 +2144,7 @@
           <p:cNvPr id="4" name="Slide Number Placeholder 3">
             <a:extLst>
               <a:ext uri="{FF2B5EF4-FFF2-40B4-BE49-F238E27FC236}">
-                <a16:creationId xmlns:a16="http://schemas.microsoft.com/office/drawing/2014/main" id="{C3C18ED9-8199-B85B-B8B2-0087120EC4D7}"/>
+                <a16:creationId xmlns:a16="http://schemas.microsoft.com/office/drawing/2014/main" id="{528C5D6C-6497-65ED-06D3-E1BE159BB6FC}"/>
               </a:ext>
             </a:extLst>
           </p:cNvPr>
@@ -1408,7 +2171,7 @@
     </p:spTree>
     <p:extLst>
       <p:ext uri="{BB962C8B-B14F-4D97-AF65-F5344CB8AC3E}">
-        <p14:creationId xmlns:p14="http://schemas.microsoft.com/office/powerpoint/2010/main" val="3072430158"/>
+        <p14:creationId xmlns:p14="http://schemas.microsoft.com/office/powerpoint/2010/main" val="3949804740"/>
       </p:ext>
     </p:extLst>
   </p:cSld>
@@ -1426,7 +2189,7 @@
         <p:cNvPr id="1" name="">
           <a:extLst>
             <a:ext uri="{FF2B5EF4-FFF2-40B4-BE49-F238E27FC236}">
-              <a16:creationId xmlns:a16="http://schemas.microsoft.com/office/drawing/2014/main" id="{26515669-400C-86D4-0EBF-F5D7B02701DF}"/>
+              <a16:creationId xmlns:a16="http://schemas.microsoft.com/office/drawing/2014/main" id="{B41866D2-5FF2-C501-C431-6130D73138A3}"/>
             </a:ext>
           </a:extLst>
         </p:cNvPr>
@@ -1446,7 +2209,7 @@
           <p:cNvPr id="2" name="Slide Image Placeholder 1">
             <a:extLst>
               <a:ext uri="{FF2B5EF4-FFF2-40B4-BE49-F238E27FC236}">
-                <a16:creationId xmlns:a16="http://schemas.microsoft.com/office/drawing/2014/main" id="{5F0C5B5F-5F97-3DF5-FE90-AD54A3BEA361}"/>
+                <a16:creationId xmlns:a16="http://schemas.microsoft.com/office/drawing/2014/main" id="{653EF531-13DF-DB89-18DD-6A88CAA0DAA9}"/>
               </a:ext>
             </a:extLst>
           </p:cNvPr>
@@ -1464,7 +2227,7 @@
           <p:cNvPr id="3" name="Notes Placeholder 2">
             <a:extLst>
               <a:ext uri="{FF2B5EF4-FFF2-40B4-BE49-F238E27FC236}">
-                <a16:creationId xmlns:a16="http://schemas.microsoft.com/office/drawing/2014/main" id="{A38C54EE-CEFE-C756-C711-771CAEFEE186}"/>
+                <a16:creationId xmlns:a16="http://schemas.microsoft.com/office/drawing/2014/main" id="{62708EDC-22B0-DCC8-5378-A1D9ABC64903}"/>
               </a:ext>
             </a:extLst>
           </p:cNvPr>
@@ -1489,7 +2252,7 @@
           <p:cNvPr id="4" name="Slide Number Placeholder 3">
             <a:extLst>
               <a:ext uri="{FF2B5EF4-FFF2-40B4-BE49-F238E27FC236}">
-                <a16:creationId xmlns:a16="http://schemas.microsoft.com/office/drawing/2014/main" id="{C558DFB6-259B-EED7-BA58-06D4E12390D7}"/>
+                <a16:creationId xmlns:a16="http://schemas.microsoft.com/office/drawing/2014/main" id="{F31E0F4D-10B8-A0F7-7C8B-B136AAF83412}"/>
               </a:ext>
             </a:extLst>
           </p:cNvPr>
@@ -1516,7 +2279,7 @@
     </p:spTree>
     <p:extLst>
       <p:ext uri="{BB962C8B-B14F-4D97-AF65-F5344CB8AC3E}">
-        <p14:creationId xmlns:p14="http://schemas.microsoft.com/office/powerpoint/2010/main" val="2335631223"/>
+        <p14:creationId xmlns:p14="http://schemas.microsoft.com/office/powerpoint/2010/main" val="1557313757"/>
       </p:ext>
     </p:extLst>
   </p:cSld>
@@ -4843,6 +5606,2177 @@
         <p:cNvPr id="1" name="">
           <a:extLst>
             <a:ext uri="{FF2B5EF4-FFF2-40B4-BE49-F238E27FC236}">
+              <a16:creationId xmlns:a16="http://schemas.microsoft.com/office/drawing/2014/main" id="{2505E1A6-2DE6-699A-5FFF-49D5131E9E08}"/>
+            </a:ext>
+          </a:extLst>
+        </p:cNvPr>
+        <p:cNvGrpSpPr/>
+        <p:nvPr/>
+      </p:nvGrpSpPr>
+      <p:grpSpPr>
+        <a:xfrm>
+          <a:off x="0" y="0"/>
+          <a:ext cx="0" cy="0"/>
+          <a:chOff x="0" y="0"/>
+          <a:chExt cx="0" cy="0"/>
+        </a:xfrm>
+      </p:grpSpPr>
+      <p:pic>
+        <p:nvPicPr>
+          <p:cNvPr id="21" name="Picture 20">
+            <a:extLst>
+              <a:ext uri="{FF2B5EF4-FFF2-40B4-BE49-F238E27FC236}">
+                <a16:creationId xmlns:a16="http://schemas.microsoft.com/office/drawing/2014/main" id="{198B1B90-2651-4956-EE5E-F73809DC3641}"/>
+              </a:ext>
+            </a:extLst>
+          </p:cNvPr>
+          <p:cNvPicPr>
+            <a:picLocks noChangeAspect="1"/>
+          </p:cNvPicPr>
+          <p:nvPr/>
+        </p:nvPicPr>
+        <p:blipFill>
+          <a:blip r:embed="rId3"/>
+          <a:stretch>
+            <a:fillRect/>
+          </a:stretch>
+        </p:blipFill>
+        <p:spPr>
+          <a:xfrm>
+            <a:off x="838200" y="1690688"/>
+            <a:ext cx="6319788" cy="4670283"/>
+          </a:xfrm>
+          <a:prstGeom prst="rect">
+            <a:avLst/>
+          </a:prstGeom>
+        </p:spPr>
+      </p:pic>
+      <p:sp>
+        <p:nvSpPr>
+          <p:cNvPr id="2" name="Title 1">
+            <a:extLst>
+              <a:ext uri="{FF2B5EF4-FFF2-40B4-BE49-F238E27FC236}">
+                <a16:creationId xmlns:a16="http://schemas.microsoft.com/office/drawing/2014/main" id="{278FF34F-E9F5-376C-9AE9-601BBB6AB057}"/>
+              </a:ext>
+            </a:extLst>
+          </p:cNvPr>
+          <p:cNvSpPr>
+            <a:spLocks noGrp="1"/>
+          </p:cNvSpPr>
+          <p:nvPr>
+            <p:ph type="title"/>
+          </p:nvPr>
+        </p:nvSpPr>
+        <p:spPr/>
+        <p:txBody>
+          <a:bodyPr/>
+          <a:lstStyle/>
+          <a:p>
+            <a:r>
+              <a:rPr lang="en-US" dirty="0"/>
+              <a:t>Toy pipeline: main config file zoom in</a:t>
+            </a:r>
+          </a:p>
+        </p:txBody>
+      </p:sp>
+      <p:sp>
+        <p:nvSpPr>
+          <p:cNvPr id="10" name="Rectangle 9">
+            <a:extLst>
+              <a:ext uri="{FF2B5EF4-FFF2-40B4-BE49-F238E27FC236}">
+                <a16:creationId xmlns:a16="http://schemas.microsoft.com/office/drawing/2014/main" id="{129EC011-0E5A-01DD-4F0A-AAEE05792B94}"/>
+              </a:ext>
+            </a:extLst>
+          </p:cNvPr>
+          <p:cNvSpPr/>
+          <p:nvPr/>
+        </p:nvSpPr>
+        <p:spPr>
+          <a:xfrm>
+            <a:off x="8704384" y="1514843"/>
+            <a:ext cx="2649416" cy="618758"/>
+          </a:xfrm>
+          <a:prstGeom prst="rect">
+            <a:avLst/>
+          </a:prstGeom>
+          <a:ln>
+            <a:solidFill>
+              <a:srgbClr val="FF0000"/>
+            </a:solidFill>
+          </a:ln>
+        </p:spPr>
+        <p:style>
+          <a:lnRef idx="2">
+            <a:schemeClr val="accent2"/>
+          </a:lnRef>
+          <a:fillRef idx="1">
+            <a:schemeClr val="lt1"/>
+          </a:fillRef>
+          <a:effectRef idx="0">
+            <a:schemeClr val="accent2"/>
+          </a:effectRef>
+          <a:fontRef idx="minor">
+            <a:schemeClr val="dk1"/>
+          </a:fontRef>
+        </p:style>
+        <p:txBody>
+          <a:bodyPr rtlCol="0" anchor="ctr"/>
+          <a:lstStyle/>
+          <a:p>
+            <a:pPr algn="ctr"/>
+            <a:r>
+              <a:rPr lang="en-US" dirty="0"/>
+              <a:t>Directory that contains input fastq files</a:t>
+            </a:r>
+          </a:p>
+        </p:txBody>
+      </p:sp>
+      <p:cxnSp>
+        <p:nvCxnSpPr>
+          <p:cNvPr id="12" name="Straight Arrow Connector 11">
+            <a:extLst>
+              <a:ext uri="{FF2B5EF4-FFF2-40B4-BE49-F238E27FC236}">
+                <a16:creationId xmlns:a16="http://schemas.microsoft.com/office/drawing/2014/main" id="{9A7C8831-5CF2-0C18-B799-93703F5C3BAB}"/>
+              </a:ext>
+            </a:extLst>
+          </p:cNvPr>
+          <p:cNvCxnSpPr>
+            <a:cxnSpLocks/>
+            <a:stCxn id="10" idx="1"/>
+          </p:cNvCxnSpPr>
+          <p:nvPr/>
+        </p:nvCxnSpPr>
+        <p:spPr>
+          <a:xfrm flipH="1">
+            <a:off x="4917989" y="1824222"/>
+            <a:ext cx="3786395" cy="309379"/>
+          </a:xfrm>
+          <a:prstGeom prst="straightConnector1">
+            <a:avLst/>
+          </a:prstGeom>
+          <a:ln w="57150">
+            <a:solidFill>
+              <a:srgbClr val="FF0000"/>
+            </a:solidFill>
+            <a:tailEnd type="triangle"/>
+          </a:ln>
+        </p:spPr>
+        <p:style>
+          <a:lnRef idx="3">
+            <a:schemeClr val="accent2"/>
+          </a:lnRef>
+          <a:fillRef idx="0">
+            <a:schemeClr val="accent2"/>
+          </a:fillRef>
+          <a:effectRef idx="2">
+            <a:schemeClr val="accent2"/>
+          </a:effectRef>
+          <a:fontRef idx="minor">
+            <a:schemeClr val="tx1"/>
+          </a:fontRef>
+        </p:style>
+      </p:cxnSp>
+      <p:sp>
+        <p:nvSpPr>
+          <p:cNvPr id="8" name="Rectangle 7">
+            <a:extLst>
+              <a:ext uri="{FF2B5EF4-FFF2-40B4-BE49-F238E27FC236}">
+                <a16:creationId xmlns:a16="http://schemas.microsoft.com/office/drawing/2014/main" id="{D4D072A5-EC35-E516-71A3-0BD08A1999D3}"/>
+              </a:ext>
+            </a:extLst>
+          </p:cNvPr>
+          <p:cNvSpPr/>
+          <p:nvPr/>
+        </p:nvSpPr>
+        <p:spPr>
+          <a:xfrm>
+            <a:off x="8704384" y="2521233"/>
+            <a:ext cx="2649416" cy="618758"/>
+          </a:xfrm>
+          <a:prstGeom prst="rect">
+            <a:avLst/>
+          </a:prstGeom>
+          <a:ln>
+            <a:solidFill>
+              <a:srgbClr val="FF0000"/>
+            </a:solidFill>
+          </a:ln>
+        </p:spPr>
+        <p:style>
+          <a:lnRef idx="2">
+            <a:schemeClr val="accent2"/>
+          </a:lnRef>
+          <a:fillRef idx="1">
+            <a:schemeClr val="lt1"/>
+          </a:fillRef>
+          <a:effectRef idx="0">
+            <a:schemeClr val="accent2"/>
+          </a:effectRef>
+          <a:fontRef idx="minor">
+            <a:schemeClr val="dk1"/>
+          </a:fontRef>
+        </p:style>
+        <p:txBody>
+          <a:bodyPr rtlCol="0" anchor="ctr"/>
+          <a:lstStyle/>
+          <a:p>
+            <a:pPr algn="ctr"/>
+            <a:r>
+              <a:rPr lang="en-US" dirty="0"/>
+              <a:t>Directory that contains output files</a:t>
+            </a:r>
+          </a:p>
+        </p:txBody>
+      </p:sp>
+      <p:cxnSp>
+        <p:nvCxnSpPr>
+          <p:cNvPr id="9" name="Straight Arrow Connector 8">
+            <a:extLst>
+              <a:ext uri="{FF2B5EF4-FFF2-40B4-BE49-F238E27FC236}">
+                <a16:creationId xmlns:a16="http://schemas.microsoft.com/office/drawing/2014/main" id="{FA432DE6-029B-809A-EC62-00D267346577}"/>
+              </a:ext>
+            </a:extLst>
+          </p:cNvPr>
+          <p:cNvCxnSpPr>
+            <a:cxnSpLocks/>
+            <a:stCxn id="8" idx="1"/>
+          </p:cNvCxnSpPr>
+          <p:nvPr/>
+        </p:nvCxnSpPr>
+        <p:spPr>
+          <a:xfrm flipH="1" flipV="1">
+            <a:off x="7018638" y="2489193"/>
+            <a:ext cx="1685746" cy="341419"/>
+          </a:xfrm>
+          <a:prstGeom prst="straightConnector1">
+            <a:avLst/>
+          </a:prstGeom>
+          <a:ln w="57150">
+            <a:solidFill>
+              <a:srgbClr val="FF0000"/>
+            </a:solidFill>
+            <a:tailEnd type="triangle"/>
+          </a:ln>
+        </p:spPr>
+        <p:style>
+          <a:lnRef idx="3">
+            <a:schemeClr val="accent2"/>
+          </a:lnRef>
+          <a:fillRef idx="0">
+            <a:schemeClr val="accent2"/>
+          </a:fillRef>
+          <a:effectRef idx="2">
+            <a:schemeClr val="accent2"/>
+          </a:effectRef>
+          <a:fontRef idx="minor">
+            <a:schemeClr val="tx1"/>
+          </a:fontRef>
+        </p:style>
+      </p:cxnSp>
+      <p:sp>
+        <p:nvSpPr>
+          <p:cNvPr id="13" name="Rectangle 12">
+            <a:extLst>
+              <a:ext uri="{FF2B5EF4-FFF2-40B4-BE49-F238E27FC236}">
+                <a16:creationId xmlns:a16="http://schemas.microsoft.com/office/drawing/2014/main" id="{EE5DA605-52EE-6D02-9577-578C1AE6D621}"/>
+              </a:ext>
+            </a:extLst>
+          </p:cNvPr>
+          <p:cNvSpPr/>
+          <p:nvPr/>
+        </p:nvSpPr>
+        <p:spPr>
+          <a:xfrm>
+            <a:off x="8704384" y="3788775"/>
+            <a:ext cx="2649416" cy="994239"/>
+          </a:xfrm>
+          <a:prstGeom prst="rect">
+            <a:avLst/>
+          </a:prstGeom>
+          <a:ln>
+            <a:solidFill>
+              <a:srgbClr val="FF0000"/>
+            </a:solidFill>
+          </a:ln>
+        </p:spPr>
+        <p:style>
+          <a:lnRef idx="2">
+            <a:schemeClr val="accent2"/>
+          </a:lnRef>
+          <a:fillRef idx="1">
+            <a:schemeClr val="lt1"/>
+          </a:fillRef>
+          <a:effectRef idx="0">
+            <a:schemeClr val="accent2"/>
+          </a:effectRef>
+          <a:fontRef idx="minor">
+            <a:schemeClr val="dk1"/>
+          </a:fontRef>
+        </p:style>
+        <p:txBody>
+          <a:bodyPr rtlCol="0" anchor="ctr"/>
+          <a:lstStyle/>
+          <a:p>
+            <a:pPr algn="ctr"/>
+            <a:r>
+              <a:rPr lang="en-US" dirty="0"/>
+              <a:t>Use “</a:t>
+            </a:r>
+            <a:r>
+              <a:rPr lang="en-US" b="1" i="1" dirty="0"/>
+              <a:t>-profile docker</a:t>
+            </a:r>
+            <a:r>
+              <a:rPr lang="en-US" dirty="0"/>
+              <a:t>” to enable docker related settings</a:t>
+            </a:r>
+          </a:p>
+        </p:txBody>
+      </p:sp>
+      <p:cxnSp>
+        <p:nvCxnSpPr>
+          <p:cNvPr id="14" name="Straight Arrow Connector 13">
+            <a:extLst>
+              <a:ext uri="{FF2B5EF4-FFF2-40B4-BE49-F238E27FC236}">
+                <a16:creationId xmlns:a16="http://schemas.microsoft.com/office/drawing/2014/main" id="{2F899D41-6132-AFD2-0BA1-1F16C7779E32}"/>
+              </a:ext>
+            </a:extLst>
+          </p:cNvPr>
+          <p:cNvCxnSpPr>
+            <a:cxnSpLocks/>
+            <a:stCxn id="13" idx="1"/>
+          </p:cNvCxnSpPr>
+          <p:nvPr/>
+        </p:nvCxnSpPr>
+        <p:spPr>
+          <a:xfrm flipH="1" flipV="1">
+            <a:off x="2965622" y="3459164"/>
+            <a:ext cx="5738762" cy="826731"/>
+          </a:xfrm>
+          <a:prstGeom prst="straightConnector1">
+            <a:avLst/>
+          </a:prstGeom>
+          <a:ln w="57150">
+            <a:solidFill>
+              <a:srgbClr val="FF0000"/>
+            </a:solidFill>
+            <a:tailEnd type="triangle"/>
+          </a:ln>
+        </p:spPr>
+        <p:style>
+          <a:lnRef idx="3">
+            <a:schemeClr val="accent2"/>
+          </a:lnRef>
+          <a:fillRef idx="0">
+            <a:schemeClr val="accent2"/>
+          </a:fillRef>
+          <a:effectRef idx="2">
+            <a:schemeClr val="accent2"/>
+          </a:effectRef>
+          <a:fontRef idx="minor">
+            <a:schemeClr val="tx1"/>
+          </a:fontRef>
+        </p:style>
+      </p:cxnSp>
+      <p:sp>
+        <p:nvSpPr>
+          <p:cNvPr id="25" name="Rectangle 24">
+            <a:extLst>
+              <a:ext uri="{FF2B5EF4-FFF2-40B4-BE49-F238E27FC236}">
+                <a16:creationId xmlns:a16="http://schemas.microsoft.com/office/drawing/2014/main" id="{521F6282-0432-048A-623D-38C200A70973}"/>
+              </a:ext>
+            </a:extLst>
+          </p:cNvPr>
+          <p:cNvSpPr/>
+          <p:nvPr/>
+        </p:nvSpPr>
+        <p:spPr>
+          <a:xfrm>
+            <a:off x="8704384" y="5431798"/>
+            <a:ext cx="2649416" cy="729753"/>
+          </a:xfrm>
+          <a:prstGeom prst="rect">
+            <a:avLst/>
+          </a:prstGeom>
+          <a:ln>
+            <a:solidFill>
+              <a:srgbClr val="FF0000"/>
+            </a:solidFill>
+          </a:ln>
+        </p:spPr>
+        <p:style>
+          <a:lnRef idx="2">
+            <a:schemeClr val="accent2"/>
+          </a:lnRef>
+          <a:fillRef idx="1">
+            <a:schemeClr val="lt1"/>
+          </a:fillRef>
+          <a:effectRef idx="0">
+            <a:schemeClr val="accent2"/>
+          </a:effectRef>
+          <a:fontRef idx="minor">
+            <a:schemeClr val="dk1"/>
+          </a:fontRef>
+        </p:style>
+        <p:txBody>
+          <a:bodyPr rtlCol="0" anchor="ctr"/>
+          <a:lstStyle/>
+          <a:p>
+            <a:pPr algn="ctr"/>
+            <a:r>
+              <a:rPr lang="en-US" dirty="0"/>
+              <a:t>Better turn on this option on M-chip devices</a:t>
+            </a:r>
+          </a:p>
+        </p:txBody>
+      </p:sp>
+      <p:cxnSp>
+        <p:nvCxnSpPr>
+          <p:cNvPr id="26" name="Straight Arrow Connector 25">
+            <a:extLst>
+              <a:ext uri="{FF2B5EF4-FFF2-40B4-BE49-F238E27FC236}">
+                <a16:creationId xmlns:a16="http://schemas.microsoft.com/office/drawing/2014/main" id="{1DBBFFD1-EBB3-26A6-7CD6-4E16E7048947}"/>
+              </a:ext>
+            </a:extLst>
+          </p:cNvPr>
+          <p:cNvCxnSpPr>
+            <a:cxnSpLocks/>
+            <a:stCxn id="25" idx="1"/>
+          </p:cNvCxnSpPr>
+          <p:nvPr/>
+        </p:nvCxnSpPr>
+        <p:spPr>
+          <a:xfrm flipH="1" flipV="1">
+            <a:off x="3737097" y="4028303"/>
+            <a:ext cx="4967287" cy="1768372"/>
+          </a:xfrm>
+          <a:prstGeom prst="straightConnector1">
+            <a:avLst/>
+          </a:prstGeom>
+          <a:ln w="57150">
+            <a:solidFill>
+              <a:srgbClr val="FF0000"/>
+            </a:solidFill>
+            <a:tailEnd type="triangle"/>
+          </a:ln>
+        </p:spPr>
+        <p:style>
+          <a:lnRef idx="3">
+            <a:schemeClr val="accent2"/>
+          </a:lnRef>
+          <a:fillRef idx="0">
+            <a:schemeClr val="accent2"/>
+          </a:fillRef>
+          <a:effectRef idx="2">
+            <a:schemeClr val="accent2"/>
+          </a:effectRef>
+          <a:fontRef idx="minor">
+            <a:schemeClr val="tx1"/>
+          </a:fontRef>
+        </p:style>
+      </p:cxnSp>
+    </p:spTree>
+    <p:extLst>
+      <p:ext uri="{BB962C8B-B14F-4D97-AF65-F5344CB8AC3E}">
+        <p14:creationId xmlns:p14="http://schemas.microsoft.com/office/powerpoint/2010/main" val="883439917"/>
+      </p:ext>
+    </p:extLst>
+  </p:cSld>
+  <p:clrMapOvr>
+    <a:masterClrMapping/>
+  </p:clrMapOvr>
+</p:sld>
+</file>
+
+<file path=ppt/slides/slide11.xml><?xml version="1.0" encoding="utf-8"?>
+<p:sld xmlns:a="http://schemas.openxmlformats.org/drawingml/2006/main" xmlns:r="http://schemas.openxmlformats.org/officeDocument/2006/relationships" xmlns:p="http://schemas.openxmlformats.org/presentationml/2006/main">
+  <p:cSld>
+    <p:spTree>
+      <p:nvGrpSpPr>
+        <p:cNvPr id="1" name="">
+          <a:extLst>
+            <a:ext uri="{FF2B5EF4-FFF2-40B4-BE49-F238E27FC236}">
+              <a16:creationId xmlns:a16="http://schemas.microsoft.com/office/drawing/2014/main" id="{3C012861-AB18-427C-6D3D-5D9EE878441B}"/>
+            </a:ext>
+          </a:extLst>
+        </p:cNvPr>
+        <p:cNvGrpSpPr/>
+        <p:nvPr/>
+      </p:nvGrpSpPr>
+      <p:grpSpPr>
+        <a:xfrm>
+          <a:off x="0" y="0"/>
+          <a:ext cx="0" cy="0"/>
+          <a:chOff x="0" y="0"/>
+          <a:chExt cx="0" cy="0"/>
+        </a:xfrm>
+      </p:grpSpPr>
+      <p:sp>
+        <p:nvSpPr>
+          <p:cNvPr id="2" name="Title 1">
+            <a:extLst>
+              <a:ext uri="{FF2B5EF4-FFF2-40B4-BE49-F238E27FC236}">
+                <a16:creationId xmlns:a16="http://schemas.microsoft.com/office/drawing/2014/main" id="{4F3CFE63-8F42-C5B4-25A0-981146C95598}"/>
+              </a:ext>
+            </a:extLst>
+          </p:cNvPr>
+          <p:cNvSpPr>
+            <a:spLocks noGrp="1"/>
+          </p:cNvSpPr>
+          <p:nvPr>
+            <p:ph type="title"/>
+          </p:nvPr>
+        </p:nvSpPr>
+        <p:spPr/>
+        <p:txBody>
+          <a:bodyPr/>
+          <a:lstStyle/>
+          <a:p>
+            <a:r>
+              <a:rPr lang="en-US" dirty="0"/>
+              <a:t>Toy pipeline: use the TEMPLATE</a:t>
+            </a:r>
+          </a:p>
+        </p:txBody>
+      </p:sp>
+      <p:sp>
+        <p:nvSpPr>
+          <p:cNvPr id="3" name="Content Placeholder 2">
+            <a:extLst>
+              <a:ext uri="{FF2B5EF4-FFF2-40B4-BE49-F238E27FC236}">
+                <a16:creationId xmlns:a16="http://schemas.microsoft.com/office/drawing/2014/main" id="{12A72D10-0ECC-B166-51E7-52680FB7EF4F}"/>
+              </a:ext>
+            </a:extLst>
+          </p:cNvPr>
+          <p:cNvSpPr>
+            <a:spLocks noGrp="1"/>
+          </p:cNvSpPr>
+          <p:nvPr>
+            <p:ph idx="1"/>
+          </p:nvPr>
+        </p:nvSpPr>
+        <p:spPr/>
+        <p:txBody>
+          <a:bodyPr>
+            <a:normAutofit/>
+          </a:bodyPr>
+          <a:lstStyle/>
+          <a:p>
+            <a:r>
+              <a:rPr lang="en-US" dirty="0"/>
+              <a:t>Step1: download the TEMPLATE</a:t>
+            </a:r>
+          </a:p>
+          <a:p>
+            <a:pPr lvl="1"/>
+            <a:r>
+              <a:rPr lang="en-US" b="1" i="1" dirty="0" err="1"/>
+              <a:t>nf</a:t>
+            </a:r>
+            <a:r>
+              <a:rPr lang="en-US" b="1" i="1" dirty="0"/>
+              <a:t>-core create</a:t>
+            </a:r>
+          </a:p>
+          <a:p>
+            <a:r>
+              <a:rPr lang="en-US" dirty="0"/>
+              <a:t>Step2: get familiar with the </a:t>
+            </a:r>
+            <a:r>
+              <a:rPr lang="en-US" dirty="0" err="1">
+                <a:highlight>
+                  <a:srgbClr val="FFFF00"/>
+                </a:highlight>
+              </a:rPr>
+              <a:t>main.nf</a:t>
+            </a:r>
+            <a:endParaRPr lang="en-US" dirty="0">
+              <a:highlight>
+                <a:srgbClr val="FFFF00"/>
+              </a:highlight>
+            </a:endParaRPr>
+          </a:p>
+          <a:p>
+            <a:r>
+              <a:rPr lang="en-US" dirty="0"/>
+              <a:t>Step3: comment out non-essential parts in the </a:t>
+            </a:r>
+            <a:r>
+              <a:rPr lang="en-US" dirty="0" err="1">
+                <a:highlight>
+                  <a:srgbClr val="FFFF00"/>
+                </a:highlight>
+              </a:rPr>
+              <a:t>main.nf</a:t>
+            </a:r>
+            <a:endParaRPr lang="en-US" dirty="0">
+              <a:highlight>
+                <a:srgbClr val="FFFF00"/>
+              </a:highlight>
+            </a:endParaRPr>
+          </a:p>
+          <a:p>
+            <a:r>
+              <a:rPr lang="en-US" dirty="0"/>
+              <a:t>Step4: install needed modules</a:t>
+            </a:r>
+          </a:p>
+          <a:p>
+            <a:pPr lvl="1"/>
+            <a:r>
+              <a:rPr lang="en-US" b="1" i="1" dirty="0" err="1"/>
+              <a:t>nf</a:t>
+            </a:r>
+            <a:r>
+              <a:rPr lang="en-US" b="1" i="1" dirty="0"/>
+              <a:t>-core install </a:t>
+            </a:r>
+            <a:r>
+              <a:rPr lang="en-US" b="1" i="1" dirty="0" err="1"/>
+              <a:t>fastqc</a:t>
+            </a:r>
+            <a:endParaRPr lang="en-US" b="1" i="1" dirty="0"/>
+          </a:p>
+          <a:p>
+            <a:pPr lvl="1"/>
+            <a:r>
+              <a:rPr lang="en-US" b="1" i="1" dirty="0" err="1"/>
+              <a:t>nf</a:t>
+            </a:r>
+            <a:r>
+              <a:rPr lang="en-US" b="1" i="1" dirty="0"/>
+              <a:t>-core install </a:t>
+            </a:r>
+            <a:r>
+              <a:rPr lang="en-US" b="1" i="1" dirty="0" err="1"/>
+              <a:t>cutadapt</a:t>
+            </a:r>
+            <a:endParaRPr lang="en-US" b="1" i="1" dirty="0"/>
+          </a:p>
+          <a:p>
+            <a:pPr lvl="1"/>
+            <a:r>
+              <a:rPr lang="en-US" b="1" i="1" dirty="0" err="1"/>
+              <a:t>nf</a:t>
+            </a:r>
+            <a:r>
+              <a:rPr lang="en-US" b="1" i="1" dirty="0"/>
+              <a:t>-core install </a:t>
+            </a:r>
+            <a:r>
+              <a:rPr lang="en-US" b="1" i="1" dirty="0" err="1"/>
+              <a:t>multiqc</a:t>
+            </a:r>
+            <a:endParaRPr lang="en-US" b="1" i="1" dirty="0"/>
+          </a:p>
+          <a:p>
+            <a:r>
+              <a:rPr lang="en-US" dirty="0"/>
+              <a:t>Step5: put back selected non-essential parts</a:t>
+            </a:r>
+          </a:p>
+          <a:p>
+            <a:pPr marL="0" indent="0">
+              <a:buNone/>
+            </a:pPr>
+            <a:endParaRPr lang="en-US" dirty="0"/>
+          </a:p>
+        </p:txBody>
+      </p:sp>
+    </p:spTree>
+    <p:extLst>
+      <p:ext uri="{BB962C8B-B14F-4D97-AF65-F5344CB8AC3E}">
+        <p14:creationId xmlns:p14="http://schemas.microsoft.com/office/powerpoint/2010/main" val="3772158160"/>
+      </p:ext>
+    </p:extLst>
+  </p:cSld>
+  <p:clrMapOvr>
+    <a:masterClrMapping/>
+  </p:clrMapOvr>
+</p:sld>
+</file>
+
+<file path=ppt/slides/slide12.xml><?xml version="1.0" encoding="utf-8"?>
+<p:sld xmlns:a="http://schemas.openxmlformats.org/drawingml/2006/main" xmlns:r="http://schemas.openxmlformats.org/officeDocument/2006/relationships" xmlns:p="http://schemas.openxmlformats.org/presentationml/2006/main">
+  <p:cSld>
+    <p:spTree>
+      <p:nvGrpSpPr>
+        <p:cNvPr id="1" name="">
+          <a:extLst>
+            <a:ext uri="{FF2B5EF4-FFF2-40B4-BE49-F238E27FC236}">
+              <a16:creationId xmlns:a16="http://schemas.microsoft.com/office/drawing/2014/main" id="{48143F85-0360-68F9-69A5-8004BC0986C3}"/>
+            </a:ext>
+          </a:extLst>
+        </p:cNvPr>
+        <p:cNvGrpSpPr/>
+        <p:nvPr/>
+      </p:nvGrpSpPr>
+      <p:grpSpPr>
+        <a:xfrm>
+          <a:off x="0" y="0"/>
+          <a:ext cx="0" cy="0"/>
+          <a:chOff x="0" y="0"/>
+          <a:chExt cx="0" cy="0"/>
+        </a:xfrm>
+      </p:grpSpPr>
+      <p:sp>
+        <p:nvSpPr>
+          <p:cNvPr id="2" name="Title 1">
+            <a:extLst>
+              <a:ext uri="{FF2B5EF4-FFF2-40B4-BE49-F238E27FC236}">
+                <a16:creationId xmlns:a16="http://schemas.microsoft.com/office/drawing/2014/main" id="{38A18ADE-0E65-9BD9-8B79-84238939B367}"/>
+              </a:ext>
+            </a:extLst>
+          </p:cNvPr>
+          <p:cNvSpPr>
+            <a:spLocks noGrp="1"/>
+          </p:cNvSpPr>
+          <p:nvPr>
+            <p:ph type="title"/>
+          </p:nvPr>
+        </p:nvSpPr>
+        <p:spPr/>
+        <p:txBody>
+          <a:bodyPr/>
+          <a:lstStyle/>
+          <a:p>
+            <a:r>
+              <a:rPr lang="en-US" dirty="0"/>
+              <a:t>Step1: download the TEMPLATE</a:t>
+            </a:r>
+          </a:p>
+        </p:txBody>
+      </p:sp>
+      <p:sp>
+        <p:nvSpPr>
+          <p:cNvPr id="3" name="Content Placeholder 2">
+            <a:extLst>
+              <a:ext uri="{FF2B5EF4-FFF2-40B4-BE49-F238E27FC236}">
+                <a16:creationId xmlns:a16="http://schemas.microsoft.com/office/drawing/2014/main" id="{205FBCD4-228C-3B04-9358-0C5E99F0D7C3}"/>
+              </a:ext>
+            </a:extLst>
+          </p:cNvPr>
+          <p:cNvSpPr>
+            <a:spLocks noGrp="1"/>
+          </p:cNvSpPr>
+          <p:nvPr>
+            <p:ph idx="1"/>
+          </p:nvPr>
+        </p:nvSpPr>
+        <p:spPr/>
+        <p:txBody>
+          <a:bodyPr>
+            <a:normAutofit/>
+          </a:bodyPr>
+          <a:lstStyle/>
+          <a:p>
+            <a:r>
+              <a:rPr lang="en-US" b="1" i="1" dirty="0" err="1"/>
+              <a:t>nf</a:t>
+            </a:r>
+            <a:r>
+              <a:rPr lang="en-US" b="1" i="1" dirty="0"/>
+              <a:t>-core create</a:t>
+            </a:r>
+          </a:p>
+          <a:p>
+            <a:pPr lvl="1"/>
+            <a:r>
+              <a:rPr lang="en-US" dirty="0"/>
+              <a:t>Workflow name: preprocess</a:t>
+            </a:r>
+          </a:p>
+          <a:p>
+            <a:pPr lvl="1"/>
+            <a:r>
+              <a:rPr lang="en-US" dirty="0"/>
+              <a:t>Description: Perform </a:t>
+            </a:r>
+            <a:r>
+              <a:rPr lang="en-US" dirty="0" err="1"/>
+              <a:t>FastQC</a:t>
+            </a:r>
+            <a:r>
+              <a:rPr lang="en-US" dirty="0"/>
+              <a:t>, Cutadapt, etc. and </a:t>
+            </a:r>
+            <a:r>
+              <a:rPr lang="en-US" dirty="0" err="1"/>
+              <a:t>MultiQC</a:t>
+            </a:r>
+            <a:r>
+              <a:rPr lang="en-US" dirty="0"/>
+              <a:t> on fastq files.</a:t>
+            </a:r>
+          </a:p>
+          <a:p>
+            <a:pPr lvl="1"/>
+            <a:r>
+              <a:rPr lang="en-US" dirty="0"/>
+              <a:t>Author: </a:t>
+            </a:r>
+            <a:r>
+              <a:rPr lang="en-US" dirty="0" err="1"/>
+              <a:t>your_name</a:t>
+            </a:r>
+            <a:endParaRPr lang="en-US" dirty="0"/>
+          </a:p>
+          <a:p>
+            <a:pPr lvl="1"/>
+            <a:r>
+              <a:rPr lang="en-US" dirty="0"/>
+              <a:t>Do you want to customize which parts of the template are used? Yes</a:t>
+            </a:r>
+          </a:p>
+          <a:p>
+            <a:pPr lvl="2"/>
+            <a:r>
+              <a:rPr lang="en-US" dirty="0"/>
+              <a:t>Pipeline prefix: test</a:t>
+            </a:r>
+          </a:p>
+          <a:p>
+            <a:pPr lvl="2"/>
+            <a:r>
+              <a:rPr lang="en-US" dirty="0"/>
+              <a:t>Select GitHub hosting: it is HIGHLY recommended to host your repo on GitHub</a:t>
+            </a:r>
+          </a:p>
+          <a:p>
+            <a:pPr marL="914400" lvl="2" indent="0">
+              <a:buNone/>
+            </a:pPr>
+            <a:endParaRPr lang="en-US" dirty="0"/>
+          </a:p>
+          <a:p>
+            <a:r>
+              <a:rPr lang="en-US" dirty="0"/>
+              <a:t>Edit .</a:t>
+            </a:r>
+            <a:r>
+              <a:rPr lang="en-US" dirty="0" err="1"/>
+              <a:t>gitignore</a:t>
+            </a:r>
+            <a:r>
+              <a:rPr lang="en-US" dirty="0"/>
+              <a:t> if needed</a:t>
+            </a:r>
+          </a:p>
+          <a:p>
+            <a:pPr lvl="1"/>
+            <a:endParaRPr lang="en-US" dirty="0"/>
+          </a:p>
+        </p:txBody>
+      </p:sp>
+    </p:spTree>
+    <p:extLst>
+      <p:ext uri="{BB962C8B-B14F-4D97-AF65-F5344CB8AC3E}">
+        <p14:creationId xmlns:p14="http://schemas.microsoft.com/office/powerpoint/2010/main" val="2428265328"/>
+      </p:ext>
+    </p:extLst>
+  </p:cSld>
+  <p:clrMapOvr>
+    <a:masterClrMapping/>
+  </p:clrMapOvr>
+</p:sld>
+</file>
+
+<file path=ppt/slides/slide13.xml><?xml version="1.0" encoding="utf-8"?>
+<p:sld xmlns:a="http://schemas.openxmlformats.org/drawingml/2006/main" xmlns:r="http://schemas.openxmlformats.org/officeDocument/2006/relationships" xmlns:p="http://schemas.openxmlformats.org/presentationml/2006/main">
+  <p:cSld>
+    <p:spTree>
+      <p:nvGrpSpPr>
+        <p:cNvPr id="1" name="">
+          <a:extLst>
+            <a:ext uri="{FF2B5EF4-FFF2-40B4-BE49-F238E27FC236}">
+              <a16:creationId xmlns:a16="http://schemas.microsoft.com/office/drawing/2014/main" id="{8639FCF4-2D9C-37C7-E65F-185D83674820}"/>
+            </a:ext>
+          </a:extLst>
+        </p:cNvPr>
+        <p:cNvGrpSpPr/>
+        <p:nvPr/>
+      </p:nvGrpSpPr>
+      <p:grpSpPr>
+        <a:xfrm>
+          <a:off x="0" y="0"/>
+          <a:ext cx="0" cy="0"/>
+          <a:chOff x="0" y="0"/>
+          <a:chExt cx="0" cy="0"/>
+        </a:xfrm>
+      </p:grpSpPr>
+      <p:sp>
+        <p:nvSpPr>
+          <p:cNvPr id="2" name="Title 1">
+            <a:extLst>
+              <a:ext uri="{FF2B5EF4-FFF2-40B4-BE49-F238E27FC236}">
+                <a16:creationId xmlns:a16="http://schemas.microsoft.com/office/drawing/2014/main" id="{4B54EAF2-CBF5-CE76-09E5-EFA260A3D08F}"/>
+              </a:ext>
+            </a:extLst>
+          </p:cNvPr>
+          <p:cNvSpPr>
+            <a:spLocks noGrp="1"/>
+          </p:cNvSpPr>
+          <p:nvPr>
+            <p:ph type="title"/>
+          </p:nvPr>
+        </p:nvSpPr>
+        <p:spPr/>
+        <p:txBody>
+          <a:bodyPr/>
+          <a:lstStyle/>
+          <a:p>
+            <a:r>
+              <a:rPr lang="en-US" dirty="0"/>
+              <a:t>Step2: get familiar with the </a:t>
+            </a:r>
+            <a:r>
+              <a:rPr lang="en-US" dirty="0" err="1">
+                <a:highlight>
+                  <a:srgbClr val="FFFF00"/>
+                </a:highlight>
+              </a:rPr>
+              <a:t>main.nf</a:t>
+            </a:r>
+            <a:endParaRPr lang="en-US" dirty="0">
+              <a:highlight>
+                <a:srgbClr val="FFFF00"/>
+              </a:highlight>
+            </a:endParaRPr>
+          </a:p>
+        </p:txBody>
+      </p:sp>
+      <p:pic>
+        <p:nvPicPr>
+          <p:cNvPr id="4" name="Picture 3">
+            <a:extLst>
+              <a:ext uri="{FF2B5EF4-FFF2-40B4-BE49-F238E27FC236}">
+                <a16:creationId xmlns:a16="http://schemas.microsoft.com/office/drawing/2014/main" id="{6CF6FC8F-3BBE-E5A1-762F-C88FD8CA6372}"/>
+              </a:ext>
+            </a:extLst>
+          </p:cNvPr>
+          <p:cNvPicPr>
+            <a:picLocks noChangeAspect="1"/>
+          </p:cNvPicPr>
+          <p:nvPr/>
+        </p:nvPicPr>
+        <p:blipFill>
+          <a:blip r:embed="rId3"/>
+          <a:stretch>
+            <a:fillRect/>
+          </a:stretch>
+        </p:blipFill>
+        <p:spPr>
+          <a:xfrm>
+            <a:off x="673240" y="1546802"/>
+            <a:ext cx="4629456" cy="4946073"/>
+          </a:xfrm>
+          <a:prstGeom prst="rect">
+            <a:avLst/>
+          </a:prstGeom>
+        </p:spPr>
+      </p:pic>
+      <p:sp>
+        <p:nvSpPr>
+          <p:cNvPr id="9" name="Rectangle 8">
+            <a:extLst>
+              <a:ext uri="{FF2B5EF4-FFF2-40B4-BE49-F238E27FC236}">
+                <a16:creationId xmlns:a16="http://schemas.microsoft.com/office/drawing/2014/main" id="{0FD5169E-3850-757E-10E9-D389D06644BB}"/>
+              </a:ext>
+            </a:extLst>
+          </p:cNvPr>
+          <p:cNvSpPr/>
+          <p:nvPr/>
+        </p:nvSpPr>
+        <p:spPr>
+          <a:xfrm>
+            <a:off x="7031447" y="1546802"/>
+            <a:ext cx="4408943" cy="1882198"/>
+          </a:xfrm>
+          <a:prstGeom prst="rect">
+            <a:avLst/>
+          </a:prstGeom>
+          <a:ln>
+            <a:solidFill>
+              <a:srgbClr val="FF0000"/>
+            </a:solidFill>
+          </a:ln>
+        </p:spPr>
+        <p:style>
+          <a:lnRef idx="2">
+            <a:schemeClr val="accent2"/>
+          </a:lnRef>
+          <a:fillRef idx="1">
+            <a:schemeClr val="lt1"/>
+          </a:fillRef>
+          <a:effectRef idx="0">
+            <a:schemeClr val="accent2"/>
+          </a:effectRef>
+          <a:fontRef idx="minor">
+            <a:schemeClr val="dk1"/>
+          </a:fontRef>
+        </p:style>
+        <p:txBody>
+          <a:bodyPr rtlCol="0" anchor="ctr"/>
+          <a:lstStyle/>
+          <a:p>
+            <a:r>
+              <a:rPr lang="en-US" dirty="0"/>
+              <a:t>Tasks before running the main pipeline:</a:t>
+            </a:r>
+          </a:p>
+          <a:p>
+            <a:pPr marL="800100" lvl="1" indent="-342900">
+              <a:buAutoNum type="arabicPeriod"/>
+            </a:pPr>
+            <a:r>
+              <a:rPr lang="en-US" sz="1600" dirty="0"/>
+              <a:t>Basic utils: version, check </a:t>
+            </a:r>
+            <a:r>
+              <a:rPr lang="en-US" sz="1600" dirty="0" err="1"/>
+              <a:t>conda</a:t>
+            </a:r>
+            <a:r>
+              <a:rPr lang="en-US" sz="1600" dirty="0"/>
+              <a:t>, etc.</a:t>
+            </a:r>
+          </a:p>
+          <a:p>
+            <a:pPr marL="800100" lvl="1" indent="-342900">
+              <a:buAutoNum type="arabicPeriod"/>
+            </a:pPr>
+            <a:r>
+              <a:rPr lang="en-US" sz="1600" dirty="0"/>
+              <a:t>Parameter validation: against “</a:t>
+            </a:r>
+            <a:r>
+              <a:rPr lang="en-US" sz="1600" i="1" dirty="0" err="1"/>
+              <a:t>nextflow_schema.json</a:t>
+            </a:r>
+            <a:r>
+              <a:rPr lang="en-US" sz="1600" i="1" dirty="0"/>
+              <a:t>”</a:t>
+            </a:r>
+          </a:p>
+          <a:p>
+            <a:pPr marL="800100" lvl="1" indent="-342900">
+              <a:buAutoNum type="arabicPeriod"/>
+            </a:pPr>
+            <a:r>
+              <a:rPr lang="en-US" sz="1600" dirty="0"/>
+              <a:t>Parameter validation: custom</a:t>
+            </a:r>
+          </a:p>
+          <a:p>
+            <a:pPr marL="800100" lvl="1" indent="-342900">
+              <a:buAutoNum type="arabicPeriod"/>
+            </a:pPr>
+            <a:r>
+              <a:rPr lang="en-US" sz="1600" b="1" dirty="0"/>
+              <a:t>Create input channel given input sample sheet</a:t>
+            </a:r>
+          </a:p>
+        </p:txBody>
+      </p:sp>
+      <p:cxnSp>
+        <p:nvCxnSpPr>
+          <p:cNvPr id="10" name="Straight Arrow Connector 9">
+            <a:extLst>
+              <a:ext uri="{FF2B5EF4-FFF2-40B4-BE49-F238E27FC236}">
+                <a16:creationId xmlns:a16="http://schemas.microsoft.com/office/drawing/2014/main" id="{381E4690-E344-AC13-5396-07A93D8717F5}"/>
+              </a:ext>
+            </a:extLst>
+          </p:cNvPr>
+          <p:cNvCxnSpPr>
+            <a:cxnSpLocks/>
+            <a:stCxn id="9" idx="1"/>
+          </p:cNvCxnSpPr>
+          <p:nvPr/>
+        </p:nvCxnSpPr>
+        <p:spPr>
+          <a:xfrm flipH="1">
+            <a:off x="4582391" y="2487901"/>
+            <a:ext cx="2449056" cy="764454"/>
+          </a:xfrm>
+          <a:prstGeom prst="straightConnector1">
+            <a:avLst/>
+          </a:prstGeom>
+          <a:ln w="57150">
+            <a:solidFill>
+              <a:srgbClr val="FF0000"/>
+            </a:solidFill>
+            <a:tailEnd type="triangle"/>
+          </a:ln>
+        </p:spPr>
+        <p:style>
+          <a:lnRef idx="3">
+            <a:schemeClr val="accent2"/>
+          </a:lnRef>
+          <a:fillRef idx="0">
+            <a:schemeClr val="accent2"/>
+          </a:fillRef>
+          <a:effectRef idx="2">
+            <a:schemeClr val="accent2"/>
+          </a:effectRef>
+          <a:fontRef idx="minor">
+            <a:schemeClr val="tx1"/>
+          </a:fontRef>
+        </p:style>
+      </p:cxnSp>
+      <p:sp>
+        <p:nvSpPr>
+          <p:cNvPr id="17" name="Rectangle 16">
+            <a:extLst>
+              <a:ext uri="{FF2B5EF4-FFF2-40B4-BE49-F238E27FC236}">
+                <a16:creationId xmlns:a16="http://schemas.microsoft.com/office/drawing/2014/main" id="{03D257A8-85CF-3C03-BEC2-678DAA35FB0E}"/>
+              </a:ext>
+            </a:extLst>
+          </p:cNvPr>
+          <p:cNvSpPr/>
+          <p:nvPr/>
+        </p:nvSpPr>
+        <p:spPr>
+          <a:xfrm>
+            <a:off x="7031447" y="3581255"/>
+            <a:ext cx="4408943" cy="668627"/>
+          </a:xfrm>
+          <a:prstGeom prst="rect">
+            <a:avLst/>
+          </a:prstGeom>
+          <a:ln>
+            <a:solidFill>
+              <a:srgbClr val="FF0000"/>
+            </a:solidFill>
+          </a:ln>
+        </p:spPr>
+        <p:style>
+          <a:lnRef idx="2">
+            <a:schemeClr val="accent2"/>
+          </a:lnRef>
+          <a:fillRef idx="1">
+            <a:schemeClr val="lt1"/>
+          </a:fillRef>
+          <a:effectRef idx="0">
+            <a:schemeClr val="accent2"/>
+          </a:effectRef>
+          <a:fontRef idx="minor">
+            <a:schemeClr val="dk1"/>
+          </a:fontRef>
+        </p:style>
+        <p:txBody>
+          <a:bodyPr rtlCol="0" anchor="ctr"/>
+          <a:lstStyle/>
+          <a:p>
+            <a:r>
+              <a:rPr lang="en-US" b="1" dirty="0">
+                <a:highlight>
+                  <a:srgbClr val="FFFF00"/>
+                </a:highlight>
+              </a:rPr>
+              <a:t>1. Our main pipeline</a:t>
+            </a:r>
+          </a:p>
+        </p:txBody>
+      </p:sp>
+      <p:cxnSp>
+        <p:nvCxnSpPr>
+          <p:cNvPr id="18" name="Straight Arrow Connector 17">
+            <a:extLst>
+              <a:ext uri="{FF2B5EF4-FFF2-40B4-BE49-F238E27FC236}">
+                <a16:creationId xmlns:a16="http://schemas.microsoft.com/office/drawing/2014/main" id="{DB1E3930-E007-48CB-CFD8-20C35113E5B6}"/>
+              </a:ext>
+            </a:extLst>
+          </p:cNvPr>
+          <p:cNvCxnSpPr>
+            <a:cxnSpLocks/>
+            <a:stCxn id="17" idx="1"/>
+          </p:cNvCxnSpPr>
+          <p:nvPr/>
+        </p:nvCxnSpPr>
+        <p:spPr>
+          <a:xfrm flipH="1">
+            <a:off x="3647209" y="3915569"/>
+            <a:ext cx="3384238" cy="697995"/>
+          </a:xfrm>
+          <a:prstGeom prst="straightConnector1">
+            <a:avLst/>
+          </a:prstGeom>
+          <a:ln w="57150">
+            <a:solidFill>
+              <a:srgbClr val="FF0000"/>
+            </a:solidFill>
+            <a:tailEnd type="triangle"/>
+          </a:ln>
+        </p:spPr>
+        <p:style>
+          <a:lnRef idx="3">
+            <a:schemeClr val="accent2"/>
+          </a:lnRef>
+          <a:fillRef idx="0">
+            <a:schemeClr val="accent2"/>
+          </a:fillRef>
+          <a:effectRef idx="2">
+            <a:schemeClr val="accent2"/>
+          </a:effectRef>
+          <a:fontRef idx="minor">
+            <a:schemeClr val="tx1"/>
+          </a:fontRef>
+        </p:style>
+      </p:cxnSp>
+      <p:sp>
+        <p:nvSpPr>
+          <p:cNvPr id="21" name="Rectangle 20">
+            <a:extLst>
+              <a:ext uri="{FF2B5EF4-FFF2-40B4-BE49-F238E27FC236}">
+                <a16:creationId xmlns:a16="http://schemas.microsoft.com/office/drawing/2014/main" id="{B5C6348D-3F31-E89F-BCA7-6F31C94D7D5E}"/>
+              </a:ext>
+            </a:extLst>
+          </p:cNvPr>
+          <p:cNvSpPr/>
+          <p:nvPr/>
+        </p:nvSpPr>
+        <p:spPr>
+          <a:xfrm>
+            <a:off x="7031447" y="5183909"/>
+            <a:ext cx="4408943" cy="1001135"/>
+          </a:xfrm>
+          <a:prstGeom prst="rect">
+            <a:avLst/>
+          </a:prstGeom>
+          <a:ln>
+            <a:solidFill>
+              <a:srgbClr val="FF0000"/>
+            </a:solidFill>
+          </a:ln>
+        </p:spPr>
+        <p:style>
+          <a:lnRef idx="2">
+            <a:schemeClr val="accent2"/>
+          </a:lnRef>
+          <a:fillRef idx="1">
+            <a:schemeClr val="lt1"/>
+          </a:fillRef>
+          <a:effectRef idx="0">
+            <a:schemeClr val="accent2"/>
+          </a:effectRef>
+          <a:fontRef idx="minor">
+            <a:schemeClr val="dk1"/>
+          </a:fontRef>
+        </p:style>
+        <p:txBody>
+          <a:bodyPr rtlCol="0" anchor="ctr"/>
+          <a:lstStyle/>
+          <a:p>
+            <a:r>
+              <a:rPr lang="en-US" dirty="0"/>
+              <a:t>Tasks after running the main pipeline:</a:t>
+            </a:r>
+          </a:p>
+          <a:p>
+            <a:pPr marL="800100" lvl="1" indent="-342900">
+              <a:buAutoNum type="arabicPeriod"/>
+            </a:pPr>
+            <a:r>
+              <a:rPr lang="en-US" sz="1600" dirty="0"/>
+              <a:t>Construct and sent out completion email and more</a:t>
+            </a:r>
+            <a:endParaRPr lang="en-US" sz="1600" b="1" dirty="0"/>
+          </a:p>
+        </p:txBody>
+      </p:sp>
+      <p:cxnSp>
+        <p:nvCxnSpPr>
+          <p:cNvPr id="22" name="Straight Arrow Connector 21">
+            <a:extLst>
+              <a:ext uri="{FF2B5EF4-FFF2-40B4-BE49-F238E27FC236}">
+                <a16:creationId xmlns:a16="http://schemas.microsoft.com/office/drawing/2014/main" id="{9E11BEF6-3452-C96C-9444-7484FF8ED631}"/>
+              </a:ext>
+            </a:extLst>
+          </p:cNvPr>
+          <p:cNvCxnSpPr>
+            <a:cxnSpLocks/>
+            <a:stCxn id="21" idx="1"/>
+          </p:cNvCxnSpPr>
+          <p:nvPr/>
+        </p:nvCxnSpPr>
+        <p:spPr>
+          <a:xfrm flipH="1">
+            <a:off x="3844636" y="5684477"/>
+            <a:ext cx="3186811" cy="279905"/>
+          </a:xfrm>
+          <a:prstGeom prst="straightConnector1">
+            <a:avLst/>
+          </a:prstGeom>
+          <a:ln w="57150">
+            <a:solidFill>
+              <a:srgbClr val="FF0000"/>
+            </a:solidFill>
+            <a:tailEnd type="triangle"/>
+          </a:ln>
+        </p:spPr>
+        <p:style>
+          <a:lnRef idx="3">
+            <a:schemeClr val="accent2"/>
+          </a:lnRef>
+          <a:fillRef idx="0">
+            <a:schemeClr val="accent2"/>
+          </a:fillRef>
+          <a:effectRef idx="2">
+            <a:schemeClr val="accent2"/>
+          </a:effectRef>
+          <a:fontRef idx="minor">
+            <a:schemeClr val="tx1"/>
+          </a:fontRef>
+        </p:style>
+      </p:cxnSp>
+    </p:spTree>
+    <p:extLst>
+      <p:ext uri="{BB962C8B-B14F-4D97-AF65-F5344CB8AC3E}">
+        <p14:creationId xmlns:p14="http://schemas.microsoft.com/office/powerpoint/2010/main" val="2097098221"/>
+      </p:ext>
+    </p:extLst>
+  </p:cSld>
+  <p:clrMapOvr>
+    <a:masterClrMapping/>
+  </p:clrMapOvr>
+</p:sld>
+</file>
+
+<file path=ppt/slides/slide14.xml><?xml version="1.0" encoding="utf-8"?>
+<p:sld xmlns:a="http://schemas.openxmlformats.org/drawingml/2006/main" xmlns:r="http://schemas.openxmlformats.org/officeDocument/2006/relationships" xmlns:p="http://schemas.openxmlformats.org/presentationml/2006/main">
+  <p:cSld>
+    <p:spTree>
+      <p:nvGrpSpPr>
+        <p:cNvPr id="1" name="">
+          <a:extLst>
+            <a:ext uri="{FF2B5EF4-FFF2-40B4-BE49-F238E27FC236}">
+              <a16:creationId xmlns:a16="http://schemas.microsoft.com/office/drawing/2014/main" id="{2ECEFBF5-1E72-D3E6-4EB2-5404477C373F}"/>
+            </a:ext>
+          </a:extLst>
+        </p:cNvPr>
+        <p:cNvGrpSpPr/>
+        <p:nvPr/>
+      </p:nvGrpSpPr>
+      <p:grpSpPr>
+        <a:xfrm>
+          <a:off x="0" y="0"/>
+          <a:ext cx="0" cy="0"/>
+          <a:chOff x="0" y="0"/>
+          <a:chExt cx="0" cy="0"/>
+        </a:xfrm>
+      </p:grpSpPr>
+      <p:sp>
+        <p:nvSpPr>
+          <p:cNvPr id="2" name="Title 1">
+            <a:extLst>
+              <a:ext uri="{FF2B5EF4-FFF2-40B4-BE49-F238E27FC236}">
+                <a16:creationId xmlns:a16="http://schemas.microsoft.com/office/drawing/2014/main" id="{82D3ED20-FAA3-3343-7301-7F95BDF311AB}"/>
+              </a:ext>
+            </a:extLst>
+          </p:cNvPr>
+          <p:cNvSpPr>
+            <a:spLocks noGrp="1"/>
+          </p:cNvSpPr>
+          <p:nvPr>
+            <p:ph type="title"/>
+          </p:nvPr>
+        </p:nvSpPr>
+        <p:spPr/>
+        <p:txBody>
+          <a:bodyPr/>
+          <a:lstStyle/>
+          <a:p>
+            <a:r>
+              <a:rPr lang="en-US" dirty="0"/>
+              <a:t>Step3: let’s focus on the most essentials first!</a:t>
+            </a:r>
+            <a:endParaRPr lang="en-US" dirty="0">
+              <a:highlight>
+                <a:srgbClr val="FFFF00"/>
+              </a:highlight>
+            </a:endParaRPr>
+          </a:p>
+        </p:txBody>
+      </p:sp>
+      <p:sp>
+        <p:nvSpPr>
+          <p:cNvPr id="3" name="Content Placeholder 2">
+            <a:extLst>
+              <a:ext uri="{FF2B5EF4-FFF2-40B4-BE49-F238E27FC236}">
+                <a16:creationId xmlns:a16="http://schemas.microsoft.com/office/drawing/2014/main" id="{2073E508-4AC1-93F4-361D-5C354604F342}"/>
+              </a:ext>
+            </a:extLst>
+          </p:cNvPr>
+          <p:cNvSpPr>
+            <a:spLocks noGrp="1"/>
+          </p:cNvSpPr>
+          <p:nvPr>
+            <p:ph idx="1"/>
+          </p:nvPr>
+        </p:nvSpPr>
+        <p:spPr>
+          <a:xfrm>
+            <a:off x="838200" y="1825626"/>
+            <a:ext cx="10515600" cy="1208520"/>
+          </a:xfrm>
+        </p:spPr>
+        <p:txBody>
+          <a:bodyPr>
+            <a:normAutofit fontScale="92500" lnSpcReduction="20000"/>
+          </a:bodyPr>
+          <a:lstStyle/>
+          <a:p>
+            <a:r>
+              <a:rPr lang="en-US" dirty="0">
+                <a:solidFill>
+                  <a:schemeClr val="bg2">
+                    <a:lumMod val="75000"/>
+                  </a:schemeClr>
+                </a:solidFill>
+              </a:rPr>
+              <a:t>PIPELINE_INITIALISATION</a:t>
+            </a:r>
+          </a:p>
+          <a:p>
+            <a:r>
+              <a:rPr lang="en-US" dirty="0"/>
+              <a:t>TEST_PREPROCESS</a:t>
+            </a:r>
+          </a:p>
+          <a:p>
+            <a:r>
+              <a:rPr lang="en-US" dirty="0">
+                <a:solidFill>
+                  <a:schemeClr val="bg2">
+                    <a:lumMod val="75000"/>
+                  </a:schemeClr>
+                </a:solidFill>
+              </a:rPr>
+              <a:t>PIPELINE_COMPLETION</a:t>
+            </a:r>
+          </a:p>
+        </p:txBody>
+      </p:sp>
+      <p:sp>
+        <p:nvSpPr>
+          <p:cNvPr id="5" name="Rectangle 4">
+            <a:extLst>
+              <a:ext uri="{FF2B5EF4-FFF2-40B4-BE49-F238E27FC236}">
+                <a16:creationId xmlns:a16="http://schemas.microsoft.com/office/drawing/2014/main" id="{76E7D5D9-7545-F3F9-8FE6-5998EE5BC946}"/>
+              </a:ext>
+            </a:extLst>
+          </p:cNvPr>
+          <p:cNvSpPr/>
+          <p:nvPr/>
+        </p:nvSpPr>
+        <p:spPr>
+          <a:xfrm>
+            <a:off x="370875" y="4518602"/>
+            <a:ext cx="4408943" cy="1882198"/>
+          </a:xfrm>
+          <a:prstGeom prst="rect">
+            <a:avLst/>
+          </a:prstGeom>
+          <a:ln>
+            <a:solidFill>
+              <a:srgbClr val="FF0000"/>
+            </a:solidFill>
+          </a:ln>
+        </p:spPr>
+        <p:style>
+          <a:lnRef idx="2">
+            <a:schemeClr val="accent2"/>
+          </a:lnRef>
+          <a:fillRef idx="1">
+            <a:schemeClr val="lt1"/>
+          </a:fillRef>
+          <a:effectRef idx="0">
+            <a:schemeClr val="accent2"/>
+          </a:effectRef>
+          <a:fontRef idx="minor">
+            <a:schemeClr val="dk1"/>
+          </a:fontRef>
+        </p:style>
+        <p:txBody>
+          <a:bodyPr rtlCol="0" anchor="ctr"/>
+          <a:lstStyle/>
+          <a:p>
+            <a:pPr marL="342900" indent="-342900">
+              <a:buAutoNum type="arabicPeriod"/>
+            </a:pPr>
+            <a:r>
+              <a:rPr lang="en-US" dirty="0"/>
+              <a:t>update </a:t>
+            </a:r>
+            <a:r>
+              <a:rPr lang="en-US" dirty="0" err="1"/>
+              <a:t>max_cpus</a:t>
+            </a:r>
+            <a:r>
+              <a:rPr lang="en-US" dirty="0"/>
+              <a:t>. </a:t>
+            </a:r>
+            <a:r>
+              <a:rPr lang="en-US" dirty="0" err="1"/>
+              <a:t>etc</a:t>
+            </a:r>
+            <a:r>
+              <a:rPr lang="en-US" dirty="0"/>
+              <a:t> in </a:t>
+            </a:r>
+            <a:r>
+              <a:rPr lang="en-US" dirty="0" err="1"/>
+              <a:t>nextflow.config</a:t>
+            </a:r>
+            <a:endParaRPr lang="en-US" dirty="0"/>
+          </a:p>
+          <a:p>
+            <a:pPr marL="342900" indent="-342900">
+              <a:buAutoNum type="arabicPeriod"/>
+            </a:pPr>
+            <a:r>
+              <a:rPr lang="en-US" sz="1600" b="1" dirty="0"/>
+              <a:t>input, </a:t>
+            </a:r>
+            <a:r>
+              <a:rPr lang="en-US" sz="1600" b="1" dirty="0" err="1"/>
+              <a:t>outdir</a:t>
+            </a:r>
+            <a:endParaRPr lang="en-US" sz="1600" b="1" dirty="0"/>
+          </a:p>
+          <a:p>
+            <a:pPr marL="342900" indent="-342900">
+              <a:buAutoNum type="arabicPeriod"/>
+            </a:pPr>
+            <a:r>
+              <a:rPr lang="en-US" sz="1600" b="1" dirty="0" err="1"/>
+              <a:t>outDir</a:t>
+            </a:r>
+            <a:r>
+              <a:rPr lang="en-US" sz="1600" b="1" dirty="0"/>
+              <a:t> to results</a:t>
+            </a:r>
+          </a:p>
+          <a:p>
+            <a:pPr marL="342900" indent="-342900">
+              <a:buAutoNum type="arabicPeriod"/>
+            </a:pPr>
+            <a:r>
+              <a:rPr lang="en-US" sz="1600" b="1" dirty="0"/>
+              <a:t>turn off </a:t>
+            </a:r>
+            <a:r>
+              <a:rPr lang="en-US" sz="1600" b="1" dirty="0" err="1"/>
+              <a:t>validateParameter</a:t>
+            </a:r>
+            <a:r>
+              <a:rPr lang="en-US" sz="1600" b="1" dirty="0"/>
+              <a:t> in </a:t>
+            </a:r>
+            <a:r>
+              <a:rPr lang="en-US" sz="1600" b="1" dirty="0" err="1"/>
+              <a:t>nextflow.config</a:t>
+            </a:r>
+            <a:r>
+              <a:rPr lang="en-US" sz="1600" b="1" dirty="0"/>
+              <a:t> as there seems to be a bug there.</a:t>
+            </a:r>
+          </a:p>
+          <a:p>
+            <a:pPr marL="342900" indent="-342900">
+              <a:buAutoNum type="arabicPeriod"/>
+            </a:pPr>
+            <a:r>
+              <a:rPr lang="en-US" sz="1600" b="1" dirty="0"/>
+              <a:t>plugin folder: /Users/</a:t>
+            </a:r>
+            <a:r>
+              <a:rPr lang="en-US" sz="1600" b="1" dirty="0" err="1"/>
+              <a:t>kaihu</a:t>
+            </a:r>
+            <a:r>
+              <a:rPr lang="en-US" sz="1600" b="1" dirty="0"/>
+              <a:t>/.</a:t>
+            </a:r>
+            <a:r>
+              <a:rPr lang="en-US" sz="1600" b="1" dirty="0" err="1"/>
+              <a:t>nextflow</a:t>
+            </a:r>
+            <a:r>
+              <a:rPr lang="en-US" sz="1600" b="1" dirty="0"/>
+              <a:t>/plugins/nf-schema-2.1.1/classes/</a:t>
+            </a:r>
+            <a:r>
+              <a:rPr lang="en-US" sz="1600" b="1" dirty="0" err="1"/>
+              <a:t>nextflow</a:t>
+            </a:r>
+            <a:r>
+              <a:rPr lang="en-US" sz="1600" b="1" dirty="0"/>
+              <a:t>/validation</a:t>
+            </a:r>
+          </a:p>
+          <a:p>
+            <a:pPr marL="342900" indent="-342900">
+              <a:buAutoNum type="arabicPeriod"/>
+            </a:pPr>
+            <a:r>
+              <a:rPr lang="en-US" sz="1600" b="1" dirty="0"/>
+              <a:t>Turn on profile arm if running on M chip</a:t>
+            </a:r>
+          </a:p>
+          <a:p>
+            <a:pPr marL="342900" indent="-342900">
+              <a:buAutoNum type="arabicPeriod"/>
+            </a:pPr>
+            <a:endParaRPr lang="en-US" sz="1600" b="1" dirty="0"/>
+          </a:p>
+          <a:p>
+            <a:r>
+              <a:rPr lang="en-US" sz="1600" b="1" dirty="0"/>
+              <a:t>More on meta map: </a:t>
+            </a:r>
+            <a:r>
+              <a:rPr lang="en-US" sz="1600" b="1" dirty="0">
+                <a:hlinkClick r:id="rId3"/>
+              </a:rPr>
+              <a:t>https://nf-co.re/docs/contributing/components/meta_map</a:t>
+            </a:r>
+            <a:endParaRPr lang="en-US" sz="1600" b="1" dirty="0"/>
+          </a:p>
+          <a:p>
+            <a:endParaRPr lang="en-US" sz="1600" b="1" dirty="0"/>
+          </a:p>
+        </p:txBody>
+      </p:sp>
+    </p:spTree>
+    <p:extLst>
+      <p:ext uri="{BB962C8B-B14F-4D97-AF65-F5344CB8AC3E}">
+        <p14:creationId xmlns:p14="http://schemas.microsoft.com/office/powerpoint/2010/main" val="1585601705"/>
+      </p:ext>
+    </p:extLst>
+  </p:cSld>
+  <p:clrMapOvr>
+    <a:masterClrMapping/>
+  </p:clrMapOvr>
+</p:sld>
+</file>
+
+<file path=ppt/slides/slide15.xml><?xml version="1.0" encoding="utf-8"?>
+<p:sld xmlns:a="http://schemas.openxmlformats.org/drawingml/2006/main" xmlns:r="http://schemas.openxmlformats.org/officeDocument/2006/relationships" xmlns:p="http://schemas.openxmlformats.org/presentationml/2006/main">
+  <p:cSld>
+    <p:spTree>
+      <p:nvGrpSpPr>
+        <p:cNvPr id="1" name="">
+          <a:extLst>
+            <a:ext uri="{FF2B5EF4-FFF2-40B4-BE49-F238E27FC236}">
+              <a16:creationId xmlns:a16="http://schemas.microsoft.com/office/drawing/2014/main" id="{D5C2CECE-E2B2-32DC-A76D-E7B1DFF063A1}"/>
+            </a:ext>
+          </a:extLst>
+        </p:cNvPr>
+        <p:cNvGrpSpPr/>
+        <p:nvPr/>
+      </p:nvGrpSpPr>
+      <p:grpSpPr>
+        <a:xfrm>
+          <a:off x="0" y="0"/>
+          <a:ext cx="0" cy="0"/>
+          <a:chOff x="0" y="0"/>
+          <a:chExt cx="0" cy="0"/>
+        </a:xfrm>
+      </p:grpSpPr>
+      <p:sp>
+        <p:nvSpPr>
+          <p:cNvPr id="2" name="Title 1">
+            <a:extLst>
+              <a:ext uri="{FF2B5EF4-FFF2-40B4-BE49-F238E27FC236}">
+                <a16:creationId xmlns:a16="http://schemas.microsoft.com/office/drawing/2014/main" id="{D1607E04-0D18-03C2-0F56-020230A0FC98}"/>
+              </a:ext>
+            </a:extLst>
+          </p:cNvPr>
+          <p:cNvSpPr>
+            <a:spLocks noGrp="1"/>
+          </p:cNvSpPr>
+          <p:nvPr>
+            <p:ph type="title"/>
+          </p:nvPr>
+        </p:nvSpPr>
+        <p:spPr/>
+        <p:txBody>
+          <a:bodyPr/>
+          <a:lstStyle/>
+          <a:p>
+            <a:r>
+              <a:rPr lang="en-US" dirty="0"/>
+              <a:t>Step3: let’s focus on the most essentials first!</a:t>
+            </a:r>
+            <a:endParaRPr lang="en-US" dirty="0">
+              <a:highlight>
+                <a:srgbClr val="FFFF00"/>
+              </a:highlight>
+            </a:endParaRPr>
+          </a:p>
+        </p:txBody>
+      </p:sp>
+      <p:sp>
+        <p:nvSpPr>
+          <p:cNvPr id="3" name="Content Placeholder 2">
+            <a:extLst>
+              <a:ext uri="{FF2B5EF4-FFF2-40B4-BE49-F238E27FC236}">
+                <a16:creationId xmlns:a16="http://schemas.microsoft.com/office/drawing/2014/main" id="{C5E51768-F7EF-CE82-DFA8-6EC30F2EF966}"/>
+              </a:ext>
+            </a:extLst>
+          </p:cNvPr>
+          <p:cNvSpPr>
+            <a:spLocks noGrp="1"/>
+          </p:cNvSpPr>
+          <p:nvPr>
+            <p:ph idx="1"/>
+          </p:nvPr>
+        </p:nvSpPr>
+        <p:spPr>
+          <a:xfrm>
+            <a:off x="838200" y="1825626"/>
+            <a:ext cx="10515600" cy="1208520"/>
+          </a:xfrm>
+        </p:spPr>
+        <p:txBody>
+          <a:bodyPr>
+            <a:normAutofit fontScale="92500" lnSpcReduction="20000"/>
+          </a:bodyPr>
+          <a:lstStyle/>
+          <a:p>
+            <a:r>
+              <a:rPr lang="en-US" dirty="0">
+                <a:solidFill>
+                  <a:schemeClr val="bg2">
+                    <a:lumMod val="75000"/>
+                  </a:schemeClr>
+                </a:solidFill>
+              </a:rPr>
+              <a:t>PIPELINE_INITIALISATION</a:t>
+            </a:r>
+          </a:p>
+          <a:p>
+            <a:r>
+              <a:rPr lang="en-US" dirty="0"/>
+              <a:t>TEST_PREPROCESS</a:t>
+            </a:r>
+          </a:p>
+          <a:p>
+            <a:r>
+              <a:rPr lang="en-US" dirty="0">
+                <a:solidFill>
+                  <a:schemeClr val="bg2">
+                    <a:lumMod val="75000"/>
+                  </a:schemeClr>
+                </a:solidFill>
+              </a:rPr>
+              <a:t>PIPELINE_COMPLETION</a:t>
+            </a:r>
+          </a:p>
+        </p:txBody>
+      </p:sp>
+      <p:sp>
+        <p:nvSpPr>
+          <p:cNvPr id="5" name="Rectangle 4">
+            <a:extLst>
+              <a:ext uri="{FF2B5EF4-FFF2-40B4-BE49-F238E27FC236}">
+                <a16:creationId xmlns:a16="http://schemas.microsoft.com/office/drawing/2014/main" id="{38E78DD2-DA98-F406-1453-4187536FB90E}"/>
+              </a:ext>
+            </a:extLst>
+          </p:cNvPr>
+          <p:cNvSpPr/>
+          <p:nvPr/>
+        </p:nvSpPr>
+        <p:spPr>
+          <a:xfrm>
+            <a:off x="370875" y="4518602"/>
+            <a:ext cx="4408943" cy="1882198"/>
+          </a:xfrm>
+          <a:prstGeom prst="rect">
+            <a:avLst/>
+          </a:prstGeom>
+          <a:ln>
+            <a:solidFill>
+              <a:srgbClr val="FF0000"/>
+            </a:solidFill>
+          </a:ln>
+        </p:spPr>
+        <p:style>
+          <a:lnRef idx="2">
+            <a:schemeClr val="accent2"/>
+          </a:lnRef>
+          <a:fillRef idx="1">
+            <a:schemeClr val="lt1"/>
+          </a:fillRef>
+          <a:effectRef idx="0">
+            <a:schemeClr val="accent2"/>
+          </a:effectRef>
+          <a:fontRef idx="minor">
+            <a:schemeClr val="dk1"/>
+          </a:fontRef>
+        </p:style>
+        <p:txBody>
+          <a:bodyPr rtlCol="0" anchor="ctr"/>
+          <a:lstStyle/>
+          <a:p>
+            <a:pPr marL="342900" indent="-342900">
+              <a:buAutoNum type="arabicPeriod"/>
+            </a:pPr>
+            <a:r>
+              <a:rPr lang="en-US" dirty="0"/>
+              <a:t>update </a:t>
+            </a:r>
+            <a:r>
+              <a:rPr lang="en-US" dirty="0" err="1"/>
+              <a:t>max_cpus</a:t>
+            </a:r>
+            <a:r>
+              <a:rPr lang="en-US" dirty="0"/>
+              <a:t>. </a:t>
+            </a:r>
+            <a:r>
+              <a:rPr lang="en-US" dirty="0" err="1"/>
+              <a:t>etc</a:t>
+            </a:r>
+            <a:r>
+              <a:rPr lang="en-US" dirty="0"/>
+              <a:t> in </a:t>
+            </a:r>
+            <a:r>
+              <a:rPr lang="en-US" dirty="0" err="1"/>
+              <a:t>nextflow.config</a:t>
+            </a:r>
+            <a:endParaRPr lang="en-US" dirty="0"/>
+          </a:p>
+          <a:p>
+            <a:pPr marL="342900" indent="-342900">
+              <a:buAutoNum type="arabicPeriod"/>
+            </a:pPr>
+            <a:r>
+              <a:rPr lang="en-US" sz="1600" b="1" dirty="0"/>
+              <a:t>input, </a:t>
+            </a:r>
+            <a:r>
+              <a:rPr lang="en-US" sz="1600" b="1" dirty="0" err="1"/>
+              <a:t>outdir</a:t>
+            </a:r>
+            <a:endParaRPr lang="en-US" sz="1600" b="1" dirty="0"/>
+          </a:p>
+          <a:p>
+            <a:pPr marL="342900" indent="-342900">
+              <a:buAutoNum type="arabicPeriod"/>
+            </a:pPr>
+            <a:r>
+              <a:rPr lang="en-US" sz="1600" b="1" dirty="0" err="1"/>
+              <a:t>outDir</a:t>
+            </a:r>
+            <a:r>
+              <a:rPr lang="en-US" sz="1600" b="1" dirty="0"/>
+              <a:t> to results</a:t>
+            </a:r>
+          </a:p>
+          <a:p>
+            <a:pPr marL="342900" indent="-342900">
+              <a:buAutoNum type="arabicPeriod"/>
+            </a:pPr>
+            <a:r>
+              <a:rPr lang="en-US" sz="1600" b="1" dirty="0"/>
+              <a:t>turn off </a:t>
+            </a:r>
+            <a:r>
+              <a:rPr lang="en-US" sz="1600" b="1" dirty="0" err="1"/>
+              <a:t>validateParameter</a:t>
+            </a:r>
+            <a:r>
+              <a:rPr lang="en-US" sz="1600" b="1" dirty="0"/>
+              <a:t> in </a:t>
+            </a:r>
+            <a:r>
+              <a:rPr lang="en-US" sz="1600" b="1" dirty="0" err="1"/>
+              <a:t>nextflow.config</a:t>
+            </a:r>
+            <a:r>
+              <a:rPr lang="en-US" sz="1600" b="1" dirty="0"/>
+              <a:t> as there seems to be a bug there.</a:t>
+            </a:r>
+          </a:p>
+          <a:p>
+            <a:pPr marL="342900" indent="-342900">
+              <a:buAutoNum type="arabicPeriod"/>
+            </a:pPr>
+            <a:r>
+              <a:rPr lang="en-US" sz="1600" b="1" dirty="0"/>
+              <a:t>plugin folder: /Users/</a:t>
+            </a:r>
+            <a:r>
+              <a:rPr lang="en-US" sz="1600" b="1" dirty="0" err="1"/>
+              <a:t>kaihu</a:t>
+            </a:r>
+            <a:r>
+              <a:rPr lang="en-US" sz="1600" b="1" dirty="0"/>
+              <a:t>/.</a:t>
+            </a:r>
+            <a:r>
+              <a:rPr lang="en-US" sz="1600" b="1" dirty="0" err="1"/>
+              <a:t>nextflow</a:t>
+            </a:r>
+            <a:r>
+              <a:rPr lang="en-US" sz="1600" b="1" dirty="0"/>
+              <a:t>/plugins/nf-schema-2.1.1/classes/</a:t>
+            </a:r>
+            <a:r>
+              <a:rPr lang="en-US" sz="1600" b="1" dirty="0" err="1"/>
+              <a:t>nextflow</a:t>
+            </a:r>
+            <a:r>
+              <a:rPr lang="en-US" sz="1600" b="1" dirty="0"/>
+              <a:t>/validation</a:t>
+            </a:r>
+          </a:p>
+          <a:p>
+            <a:pPr marL="342900" indent="-342900">
+              <a:buAutoNum type="arabicPeriod"/>
+            </a:pPr>
+            <a:r>
+              <a:rPr lang="en-US" sz="1600" b="1" dirty="0"/>
+              <a:t>Turn on profile arm if running on M chip</a:t>
+            </a:r>
+          </a:p>
+          <a:p>
+            <a:pPr marL="342900" indent="-342900">
+              <a:buAutoNum type="arabicPeriod"/>
+            </a:pPr>
+            <a:endParaRPr lang="en-US" sz="1600" b="1" dirty="0"/>
+          </a:p>
+          <a:p>
+            <a:r>
+              <a:rPr lang="en-US" sz="1600" b="1" dirty="0"/>
+              <a:t>More on meta map: </a:t>
+            </a:r>
+            <a:r>
+              <a:rPr lang="en-US" sz="1600" b="1" dirty="0">
+                <a:hlinkClick r:id="rId3"/>
+              </a:rPr>
+              <a:t>https://nf-co.re/docs/contributing/components/meta_map</a:t>
+            </a:r>
+            <a:endParaRPr lang="en-US" sz="1600" b="1" dirty="0"/>
+          </a:p>
+          <a:p>
+            <a:endParaRPr lang="en-US" sz="1600" b="1" dirty="0"/>
+          </a:p>
+        </p:txBody>
+      </p:sp>
+    </p:spTree>
+    <p:extLst>
+      <p:ext uri="{BB962C8B-B14F-4D97-AF65-F5344CB8AC3E}">
+        <p14:creationId xmlns:p14="http://schemas.microsoft.com/office/powerpoint/2010/main" val="2944826318"/>
+      </p:ext>
+    </p:extLst>
+  </p:cSld>
+  <p:clrMapOvr>
+    <a:masterClrMapping/>
+  </p:clrMapOvr>
+</p:sld>
+</file>
+
+<file path=ppt/slides/slide16.xml><?xml version="1.0" encoding="utf-8"?>
+<p:sld xmlns:a="http://schemas.openxmlformats.org/drawingml/2006/main" xmlns:r="http://schemas.openxmlformats.org/officeDocument/2006/relationships" xmlns:p="http://schemas.openxmlformats.org/presentationml/2006/main">
+  <p:cSld>
+    <p:spTree>
+      <p:nvGrpSpPr>
+        <p:cNvPr id="1" name="">
+          <a:extLst>
+            <a:ext uri="{FF2B5EF4-FFF2-40B4-BE49-F238E27FC236}">
+              <a16:creationId xmlns:a16="http://schemas.microsoft.com/office/drawing/2014/main" id="{D62E697A-1AAB-E120-9D55-A3F331CA49C8}"/>
+            </a:ext>
+          </a:extLst>
+        </p:cNvPr>
+        <p:cNvGrpSpPr/>
+        <p:nvPr/>
+      </p:nvGrpSpPr>
+      <p:grpSpPr>
+        <a:xfrm>
+          <a:off x="0" y="0"/>
+          <a:ext cx="0" cy="0"/>
+          <a:chOff x="0" y="0"/>
+          <a:chExt cx="0" cy="0"/>
+        </a:xfrm>
+      </p:grpSpPr>
+      <p:sp>
+        <p:nvSpPr>
+          <p:cNvPr id="2" name="Title 1">
+            <a:extLst>
+              <a:ext uri="{FF2B5EF4-FFF2-40B4-BE49-F238E27FC236}">
+                <a16:creationId xmlns:a16="http://schemas.microsoft.com/office/drawing/2014/main" id="{90E174EA-9B71-6568-8AEA-7147BD99346C}"/>
+              </a:ext>
+            </a:extLst>
+          </p:cNvPr>
+          <p:cNvSpPr>
+            <a:spLocks noGrp="1"/>
+          </p:cNvSpPr>
+          <p:nvPr>
+            <p:ph type="title"/>
+          </p:nvPr>
+        </p:nvSpPr>
+        <p:spPr/>
+        <p:txBody>
+          <a:bodyPr/>
+          <a:lstStyle/>
+          <a:p>
+            <a:r>
+              <a:rPr lang="en-US" dirty="0"/>
+              <a:t>Agenda</a:t>
+            </a:r>
+          </a:p>
+        </p:txBody>
+      </p:sp>
+      <p:sp>
+        <p:nvSpPr>
+          <p:cNvPr id="3" name="Content Placeholder 2">
+            <a:extLst>
+              <a:ext uri="{FF2B5EF4-FFF2-40B4-BE49-F238E27FC236}">
+                <a16:creationId xmlns:a16="http://schemas.microsoft.com/office/drawing/2014/main" id="{3C394E21-7DC4-1858-3042-238E35E01793}"/>
+              </a:ext>
+            </a:extLst>
+          </p:cNvPr>
+          <p:cNvSpPr>
+            <a:spLocks noGrp="1"/>
+          </p:cNvSpPr>
+          <p:nvPr>
+            <p:ph idx="1"/>
+          </p:nvPr>
+        </p:nvSpPr>
+        <p:spPr/>
+        <p:txBody>
+          <a:bodyPr/>
+          <a:lstStyle/>
+          <a:p>
+            <a:r>
+              <a:rPr lang="en-US" dirty="0"/>
+              <a:t>Review of core </a:t>
+            </a:r>
+            <a:r>
+              <a:rPr lang="en-US" dirty="0" err="1"/>
+              <a:t>nf</a:t>
+            </a:r>
+            <a:r>
+              <a:rPr lang="en-US" dirty="0"/>
+              <a:t>-core commands</a:t>
+            </a:r>
+          </a:p>
+          <a:p>
+            <a:r>
+              <a:rPr lang="en-US" dirty="0" err="1"/>
+              <a:t>nf</a:t>
+            </a:r>
+            <a:r>
+              <a:rPr lang="en-US" dirty="0"/>
+              <a:t>-core TEMPLATE architecture</a:t>
+            </a:r>
+          </a:p>
+          <a:p>
+            <a:endParaRPr lang="en-US" dirty="0"/>
+          </a:p>
+          <a:p>
+            <a:r>
+              <a:rPr lang="en-US" dirty="0"/>
+              <a:t>Building a toy pipeline by leveraging the </a:t>
+            </a:r>
+            <a:r>
+              <a:rPr lang="en-US" dirty="0" err="1"/>
+              <a:t>nf</a:t>
+            </a:r>
+            <a:r>
+              <a:rPr lang="en-US" dirty="0"/>
+              <a:t>-core facilities</a:t>
+            </a:r>
+          </a:p>
+          <a:p>
+            <a:pPr lvl="1"/>
+            <a:r>
+              <a:rPr lang="en-US" dirty="0"/>
+              <a:t>Environment setup </a:t>
+            </a:r>
+          </a:p>
+          <a:p>
+            <a:pPr lvl="1"/>
+            <a:r>
+              <a:rPr lang="en-US" dirty="0"/>
+              <a:t>Toy pipeline outline: from </a:t>
+            </a:r>
+            <a:r>
+              <a:rPr lang="en-US" dirty="0" err="1"/>
+              <a:t>FastQ</a:t>
+            </a:r>
+            <a:r>
+              <a:rPr lang="en-US" dirty="0"/>
+              <a:t> files -&gt; </a:t>
+            </a:r>
+            <a:r>
+              <a:rPr lang="en-US" dirty="0" err="1"/>
+              <a:t>FastQC</a:t>
+            </a:r>
+            <a:r>
+              <a:rPr lang="en-US" dirty="0"/>
+              <a:t>, </a:t>
+            </a:r>
+            <a:r>
+              <a:rPr lang="en-US" dirty="0" err="1"/>
+              <a:t>cutadat</a:t>
+            </a:r>
+            <a:r>
+              <a:rPr lang="en-US" dirty="0"/>
+              <a:t>, </a:t>
+            </a:r>
+            <a:r>
+              <a:rPr lang="en-US" dirty="0" err="1"/>
+              <a:t>MultiQC</a:t>
+            </a:r>
+            <a:endParaRPr lang="en-US" dirty="0"/>
+          </a:p>
+          <a:p>
+            <a:pPr lvl="1"/>
+            <a:r>
+              <a:rPr lang="en-US" dirty="0"/>
+              <a:t>Practical tips of using the TEMPLATE and the “</a:t>
+            </a:r>
+            <a:r>
+              <a:rPr lang="en-US" dirty="0" err="1"/>
+              <a:t>nf</a:t>
+            </a:r>
+            <a:r>
+              <a:rPr lang="en-US" dirty="0"/>
+              <a:t>-core install” command</a:t>
+            </a:r>
+          </a:p>
+          <a:p>
+            <a:endParaRPr lang="en-US" dirty="0"/>
+          </a:p>
+        </p:txBody>
+      </p:sp>
+    </p:spTree>
+    <p:extLst>
+      <p:ext uri="{BB962C8B-B14F-4D97-AF65-F5344CB8AC3E}">
+        <p14:creationId xmlns:p14="http://schemas.microsoft.com/office/powerpoint/2010/main" val="3290798399"/>
+      </p:ext>
+    </p:extLst>
+  </p:cSld>
+  <p:clrMapOvr>
+    <a:masterClrMapping/>
+  </p:clrMapOvr>
+</p:sld>
+</file>
+
+<file path=ppt/slides/slide17.xml><?xml version="1.0" encoding="utf-8"?>
+<p:sld xmlns:a="http://schemas.openxmlformats.org/drawingml/2006/main" xmlns:r="http://schemas.openxmlformats.org/officeDocument/2006/relationships" xmlns:p="http://schemas.openxmlformats.org/presentationml/2006/main">
+  <p:cSld>
+    <p:spTree>
+      <p:nvGrpSpPr>
+        <p:cNvPr id="1" name="">
+          <a:extLst>
+            <a:ext uri="{FF2B5EF4-FFF2-40B4-BE49-F238E27FC236}">
               <a16:creationId xmlns:a16="http://schemas.microsoft.com/office/drawing/2014/main" id="{3FAB085D-705C-2EDB-7DE6-AF34895B4E49}"/>
             </a:ext>
           </a:extLst>
@@ -5023,7 +7957,7 @@
 </p:sld>
 </file>
 
-<file path=ppt/slides/slide11.xml><?xml version="1.0" encoding="utf-8"?>
+<file path=ppt/slides/slide18.xml><?xml version="1.0" encoding="utf-8"?>
 <p:sld xmlns:a="http://schemas.openxmlformats.org/drawingml/2006/main" xmlns:r="http://schemas.openxmlformats.org/officeDocument/2006/relationships" xmlns:p="http://schemas.openxmlformats.org/presentationml/2006/main">
   <p:cSld>
     <p:spTree>
@@ -5211,7 +8145,7 @@
 </p:sld>
 </file>
 
-<file path=ppt/slides/slide12.xml><?xml version="1.0" encoding="utf-8"?>
+<file path=ppt/slides/slide19.xml><?xml version="1.0" encoding="utf-8"?>
 <p:sld xmlns:a="http://schemas.openxmlformats.org/drawingml/2006/main" xmlns:r="http://schemas.openxmlformats.org/officeDocument/2006/relationships" xmlns:p="http://schemas.openxmlformats.org/presentationml/2006/main">
   <p:cSld>
     <p:spTree>
@@ -5493,7 +8427,7 @@
             <a:pPr lvl="1"/>
             <a:r>
               <a:rPr lang="en-US" dirty="0"/>
-              <a:t>Process, channel, configuration file, Docker/container</a:t>
+              <a:t>Process/module, channel, channel factory, configuration file, Docker/container</a:t>
             </a:r>
           </a:p>
           <a:p>
@@ -5510,35 +8444,43 @@
           <a:p>
             <a:pPr lvl="2"/>
             <a:r>
+              <a:rPr lang="en-US" i="1" dirty="0" err="1"/>
+              <a:t>nf</a:t>
+            </a:r>
+            <a:r>
+              <a:rPr lang="en-US" i="1" dirty="0"/>
+              <a:t>-core create</a:t>
+            </a:r>
+            <a:r>
+              <a:rPr lang="en-US" dirty="0"/>
+              <a:t>, </a:t>
+            </a:r>
+            <a:r>
+              <a:rPr lang="en-US" i="1" dirty="0" err="1"/>
+              <a:t>nf</a:t>
+            </a:r>
+            <a:r>
+              <a:rPr lang="en-US" i="1" dirty="0"/>
+              <a:t>-core install</a:t>
+            </a:r>
+            <a:r>
+              <a:rPr lang="en-US" dirty="0"/>
+              <a:t>, etc.</a:t>
+            </a:r>
+          </a:p>
+          <a:p>
+            <a:pPr lvl="1"/>
+            <a:r>
+              <a:rPr lang="en-US" dirty="0"/>
+              <a:t>Familiar with </a:t>
+            </a:r>
+            <a:r>
               <a:rPr lang="en-US" dirty="0" err="1"/>
               <a:t>nf</a:t>
             </a:r>
             <a:r>
               <a:rPr lang="en-US" dirty="0"/>
-              <a:t>-core create, </a:t>
-            </a:r>
-            <a:r>
-              <a:rPr lang="en-US" dirty="0" err="1"/>
-              <a:t>nf</a:t>
-            </a:r>
-            <a:r>
-              <a:rPr lang="en-US" dirty="0"/>
-              <a:t>-core install, etc.</a:t>
-            </a:r>
-          </a:p>
-          <a:p>
-            <a:pPr lvl="1"/>
-            <a:r>
-              <a:rPr lang="en-US" dirty="0"/>
-              <a:t>Familiar with </a:t>
-            </a:r>
-            <a:r>
-              <a:rPr lang="en-US" dirty="0" err="1"/>
-              <a:t>nf</a:t>
-            </a:r>
-            <a:r>
-              <a:rPr lang="en-US" dirty="0"/>
-              <a:t>-core base template (referred to as </a:t>
+              <a:t>-core base template (termed </a:t>
             </a:r>
             <a:r>
               <a:rPr lang="en-US" b="1" dirty="0"/>
@@ -5546,7 +8488,7 @@
             </a:r>
             <a:r>
               <a:rPr lang="en-US" dirty="0"/>
-              <a:t>hereafter) architecture (optional but preferred)</a:t>
+              <a:t>hereafter) architecture (optional)</a:t>
             </a:r>
           </a:p>
           <a:p>
@@ -5570,28 +8512,40 @@
           <a:p>
             <a:pPr lvl="1"/>
             <a:r>
-              <a:rPr lang="en-US" dirty="0" err="1"/>
+              <a:rPr lang="en-US" i="1" dirty="0" err="1"/>
               <a:t>conda</a:t>
             </a:r>
             <a:r>
-              <a:rPr lang="en-US" dirty="0"/>
-              <a:t> create, </a:t>
-            </a:r>
-            <a:r>
-              <a:rPr lang="en-US" dirty="0" err="1"/>
+              <a:rPr lang="en-US" i="1" dirty="0"/>
+              <a:t> create</a:t>
+            </a:r>
+            <a:r>
+              <a:rPr lang="en-US" dirty="0"/>
+              <a:t>, </a:t>
+            </a:r>
+            <a:r>
+              <a:rPr lang="en-US" i="1" dirty="0" err="1"/>
               <a:t>conda</a:t>
             </a:r>
             <a:r>
-              <a:rPr lang="en-US" dirty="0"/>
-              <a:t> activate, </a:t>
-            </a:r>
-            <a:r>
-              <a:rPr lang="en-US" dirty="0" err="1"/>
+              <a:rPr lang="en-US" i="1" dirty="0"/>
+              <a:t> activate</a:t>
+            </a:r>
+            <a:r>
+              <a:rPr lang="en-US" dirty="0"/>
+              <a:t>, </a:t>
+            </a:r>
+            <a:r>
+              <a:rPr lang="en-US" i="1" dirty="0" err="1"/>
               <a:t>conda</a:t>
             </a:r>
             <a:r>
-              <a:rPr lang="en-US" dirty="0"/>
-              <a:t> install, etc.</a:t>
+              <a:rPr lang="en-US" i="1" dirty="0"/>
+              <a:t> install</a:t>
+            </a:r>
+            <a:r>
+              <a:rPr lang="en-US" dirty="0"/>
+              <a:t>, etc.</a:t>
             </a:r>
           </a:p>
         </p:txBody>
@@ -5677,7 +8631,7 @@
           <a:p>
             <a:r>
               <a:rPr lang="en-US" dirty="0"/>
-              <a:t>Review of core </a:t>
+              <a:t>Review of the core </a:t>
             </a:r>
             <a:r>
               <a:rPr lang="en-US" dirty="0" err="1"/>
@@ -6260,15 +9214,7 @@
             </a:r>
             <a:r>
               <a:rPr lang="en-US" dirty="0"/>
-              <a:t>-core TEMPLATE file </a:t>
-            </a:r>
-            <a:r>
-              <a:rPr lang="en-US" dirty="0" err="1"/>
-              <a:t>strucuture</a:t>
-            </a:r>
-            <a:r>
-              <a:rPr lang="en-US" dirty="0"/>
-              <a:t> </a:t>
+              <a:t>-core TEMPLATE file structure </a:t>
             </a:r>
           </a:p>
         </p:txBody>
@@ -6524,7 +9470,7 @@
                   </a:schemeClr>
                 </a:solidFill>
               </a:rPr>
-              <a:t>Review of core </a:t>
+              <a:t>Review of the core </a:t>
             </a:r>
             <a:r>
               <a:rPr lang="en-US" dirty="0" err="1">
@@ -6630,18 +9576,36 @@
             <a:endParaRPr lang="en-US" dirty="0"/>
           </a:p>
           <a:p>
+            <a:pPr lvl="2"/>
+            <a:r>
+              <a:rPr lang="en-US" dirty="0"/>
+              <a:t>if written manually</a:t>
+            </a:r>
+          </a:p>
+          <a:p>
+            <a:pPr lvl="2"/>
+            <a:r>
+              <a:rPr lang="en-US" dirty="0"/>
+              <a:t>if written by using the TEMPLATE</a:t>
+            </a:r>
+          </a:p>
+          <a:p>
             <a:pPr lvl="1"/>
             <a:r>
               <a:rPr lang="en-US" dirty="0"/>
               <a:t>Practical tips of using the TEMPLATE and the “</a:t>
             </a:r>
             <a:r>
-              <a:rPr lang="en-US" dirty="0" err="1"/>
+              <a:rPr lang="en-US" b="1" i="1" dirty="0" err="1"/>
               <a:t>nf</a:t>
             </a:r>
             <a:r>
-              <a:rPr lang="en-US" dirty="0"/>
-              <a:t>-core install” command</a:t>
+              <a:rPr lang="en-US" b="1" i="1" dirty="0"/>
+              <a:t>-core install</a:t>
+            </a:r>
+            <a:r>
+              <a:rPr lang="en-US" dirty="0"/>
+              <a:t>” command</a:t>
             </a:r>
           </a:p>
           <a:p>
@@ -6762,8 +9726,16 @@
           </a:p>
           <a:p>
             <a:r>
-              <a:rPr lang="en-US" dirty="0"/>
-              <a:t>Method1 (recommended): use </a:t>
+              <a:rPr lang="en-US" dirty="0">
+                <a:highlight>
+                  <a:srgbClr val="FFFF00"/>
+                </a:highlight>
+              </a:rPr>
+              <a:t>Method1</a:t>
+            </a:r>
+            <a:r>
+              <a:rPr lang="en-US" dirty="0"/>
+              <a:t> (recommended): use </a:t>
             </a:r>
             <a:r>
               <a:rPr lang="en-US" dirty="0" err="1"/>
@@ -6939,8 +9911,16 @@
           </a:p>
           <a:p>
             <a:r>
-              <a:rPr lang="en-US" dirty="0"/>
-              <a:t>Method2 (install Nextflow manually, not recommended)</a:t>
+              <a:rPr lang="en-US" dirty="0">
+                <a:highlight>
+                  <a:srgbClr val="FFFF00"/>
+                </a:highlight>
+              </a:rPr>
+              <a:t>Method2</a:t>
+            </a:r>
+            <a:r>
+              <a:rPr lang="en-US" dirty="0"/>
+              <a:t> (install Nextflow manually, not recommended)</a:t>
             </a:r>
           </a:p>
           <a:p>
@@ -7024,17 +10004,47 @@
           <a:p>
             <a:r>
               <a:rPr lang="en-US" dirty="0"/>
-              <a:t>Toy pipeline: minimal </a:t>
-            </a:r>
-          </a:p>
-        </p:txBody>
-      </p:sp>
-      <p:sp>
-        <p:nvSpPr>
-          <p:cNvPr id="3" name="Content Placeholder 2">
-            <a:extLst>
-              <a:ext uri="{FF2B5EF4-FFF2-40B4-BE49-F238E27FC236}">
-                <a16:creationId xmlns:a16="http://schemas.microsoft.com/office/drawing/2014/main" id="{9159E341-223A-A6DA-7F6F-579D02920730}"/>
+              <a:t>Toy pipeline: if written manually</a:t>
+            </a:r>
+          </a:p>
+        </p:txBody>
+      </p:sp>
+      <p:pic>
+        <p:nvPicPr>
+          <p:cNvPr id="6" name="Picture 5">
+            <a:extLst>
+              <a:ext uri="{FF2B5EF4-FFF2-40B4-BE49-F238E27FC236}">
+                <a16:creationId xmlns:a16="http://schemas.microsoft.com/office/drawing/2014/main" id="{8A92BAC4-A69E-7F5B-A1CE-D5621128CAAA}"/>
+              </a:ext>
+            </a:extLst>
+          </p:cNvPr>
+          <p:cNvPicPr>
+            <a:picLocks noChangeAspect="1"/>
+          </p:cNvPicPr>
+          <p:nvPr/>
+        </p:nvPicPr>
+        <p:blipFill>
+          <a:blip r:embed="rId3"/>
+          <a:stretch>
+            <a:fillRect/>
+          </a:stretch>
+        </p:blipFill>
+        <p:spPr>
+          <a:xfrm>
+            <a:off x="737992" y="1590480"/>
+            <a:ext cx="5612417" cy="5029526"/>
+          </a:xfrm>
+          <a:prstGeom prst="rect">
+            <a:avLst/>
+          </a:prstGeom>
+        </p:spPr>
+      </p:pic>
+      <p:sp>
+        <p:nvSpPr>
+          <p:cNvPr id="7" name="Content Placeholder 2">
+            <a:extLst>
+              <a:ext uri="{FF2B5EF4-FFF2-40B4-BE49-F238E27FC236}">
+                <a16:creationId xmlns:a16="http://schemas.microsoft.com/office/drawing/2014/main" id="{9D5A5EB5-2F30-AEDD-97FF-265212CCB824}"/>
               </a:ext>
             </a:extLst>
           </p:cNvPr>
@@ -7045,206 +10055,186 @@
             <p:ph idx="1"/>
           </p:nvPr>
         </p:nvSpPr>
-        <p:spPr/>
+        <p:spPr>
+          <a:xfrm>
+            <a:off x="6579583" y="1590480"/>
+            <a:ext cx="5612417" cy="4586483"/>
+          </a:xfrm>
+        </p:spPr>
         <p:txBody>
           <a:bodyPr>
-            <a:normAutofit lnSpcReduction="10000"/>
+            <a:normAutofit fontScale="85000" lnSpcReduction="20000"/>
           </a:bodyPr>
           <a:lstStyle/>
           <a:p>
             <a:r>
-              <a:rPr lang="en-US" dirty="0">
-                <a:solidFill>
-                  <a:schemeClr val="bg2">
-                    <a:lumMod val="75000"/>
-                  </a:schemeClr>
-                </a:solidFill>
+              <a:rPr lang="en-US" sz="2200" dirty="0"/>
+              <a:t>A minimal of two files are needed:</a:t>
+            </a:r>
+          </a:p>
+          <a:p>
+            <a:pPr lvl="1"/>
+            <a:r>
+              <a:rPr lang="en-US" sz="1800" dirty="0" err="1">
+                <a:hlinkClick r:id="rId4"/>
               </a:rPr>
-              <a:t>Review of core </a:t>
-            </a:r>
-            <a:r>
-              <a:rPr lang="en-US" dirty="0" err="1">
-                <a:solidFill>
-                  <a:schemeClr val="bg2">
-                    <a:lumMod val="75000"/>
-                  </a:schemeClr>
-                </a:solidFill>
+              <a:t>main_sole_demo.nf</a:t>
+            </a:r>
+            <a:endParaRPr lang="en-US" sz="1800" dirty="0"/>
+          </a:p>
+          <a:p>
+            <a:pPr lvl="1"/>
+            <a:r>
+              <a:rPr lang="en-US" sz="1800" dirty="0">
+                <a:hlinkClick r:id="rId5"/>
               </a:rPr>
-              <a:t>nf</a:t>
-            </a:r>
-            <a:r>
-              <a:rPr lang="en-US" dirty="0">
-                <a:solidFill>
-                  <a:schemeClr val="bg2">
-                    <a:lumMod val="75000"/>
-                  </a:schemeClr>
-                </a:solidFill>
+              <a:t>main_sole_demo.config</a:t>
+            </a:r>
+            <a:endParaRPr lang="en-US" sz="1800" dirty="0"/>
+          </a:p>
+          <a:p>
+            <a:r>
+              <a:rPr lang="en-US" sz="2200" dirty="0"/>
+              <a:t>Command to run:</a:t>
+            </a:r>
+          </a:p>
+          <a:p>
+            <a:pPr marL="457200" lvl="1" indent="0">
+              <a:buNone/>
+            </a:pPr>
+            <a:r>
+              <a:rPr lang="en-US" sz="1800" b="1" i="1" dirty="0" err="1"/>
+              <a:t>nextflow</a:t>
+            </a:r>
+            <a:r>
+              <a:rPr lang="en-US" sz="1800" b="1" i="1" dirty="0"/>
+              <a:t> run </a:t>
+            </a:r>
+            <a:r>
+              <a:rPr lang="en-US" sz="1800" b="1" i="1" dirty="0" err="1"/>
+              <a:t>main_sole_demo.nf</a:t>
+            </a:r>
+            <a:r>
+              <a:rPr lang="en-US" sz="1800" b="1" i="1" dirty="0"/>
+              <a:t> -profile docker -c </a:t>
+            </a:r>
+            <a:r>
+              <a:rPr lang="en-US" sz="1800" b="1" i="1" dirty="0" err="1"/>
+              <a:t>main_sole_demo.config</a:t>
+            </a:r>
+            <a:endParaRPr lang="en-US" sz="1800" b="1" i="1" dirty="0"/>
+          </a:p>
+          <a:p>
+            <a:endParaRPr lang="en-US" sz="2200" dirty="0"/>
+          </a:p>
+          <a:p>
+            <a:r>
+              <a:rPr lang="en-US" sz="2200" dirty="0"/>
+              <a:t>Input is specified with: </a:t>
+            </a:r>
+            <a:r>
+              <a:rPr lang="en-US" sz="2200" dirty="0" err="1">
+                <a:highlight>
+                  <a:srgbClr val="FFFF00"/>
+                </a:highlight>
               </a:rPr>
-              <a:t>-core commands</a:t>
-            </a:r>
-          </a:p>
-          <a:p>
-            <a:r>
-              <a:rPr lang="en-US" dirty="0" err="1">
-                <a:solidFill>
-                  <a:schemeClr val="bg2">
-                    <a:lumMod val="75000"/>
-                  </a:schemeClr>
-                </a:solidFill>
+              <a:t>Channel.fromFilePairs</a:t>
+            </a:r>
+            <a:r>
+              <a:rPr lang="en-US" sz="2200" dirty="0">
+                <a:highlight>
+                  <a:srgbClr val="FFFF00"/>
+                </a:highlight>
               </a:rPr>
-              <a:t>nf</a:t>
-            </a:r>
-            <a:r>
-              <a:rPr lang="en-US" dirty="0">
-                <a:solidFill>
-                  <a:schemeClr val="bg2">
-                    <a:lumMod val="75000"/>
-                  </a:schemeClr>
-                </a:solidFill>
+              <a:t>()</a:t>
+            </a:r>
+            <a:r>
+              <a:rPr lang="en-US" sz="2200" dirty="0"/>
+              <a:t>, which creates a tuple consisting of grouping key and a list of the files, e.g.:</a:t>
+            </a:r>
+          </a:p>
+          <a:p>
+            <a:endParaRPr lang="en-US" sz="2200" dirty="0"/>
+          </a:p>
+          <a:p>
+            <a:endParaRPr lang="en-US" sz="2200" dirty="0"/>
+          </a:p>
+          <a:p>
+            <a:endParaRPr lang="en-US" sz="2200" dirty="0"/>
+          </a:p>
+          <a:p>
+            <a:endParaRPr lang="en-US" sz="2200" dirty="0"/>
+          </a:p>
+          <a:p>
+            <a:r>
+              <a:rPr lang="en-US" sz="2200" dirty="0"/>
+              <a:t>Use </a:t>
+            </a:r>
+            <a:r>
+              <a:rPr lang="en-US" sz="2200" dirty="0" err="1">
+                <a:highlight>
+                  <a:srgbClr val="FFFF00"/>
+                </a:highlight>
               </a:rPr>
-              <a:t>-core TEMPLATE architecture</a:t>
+              <a:t>reads.view</a:t>
+            </a:r>
+            <a:r>
+              <a:rPr lang="en-US" sz="2200" dirty="0">
+                <a:highlight>
+                  <a:srgbClr val="FFFF00"/>
+                </a:highlight>
+              </a:rPr>
+              <a:t>()</a:t>
+            </a:r>
+            <a:r>
+              <a:rPr lang="en-US" sz="2200" dirty="0"/>
+              <a:t> to check if the input format is as expected</a:t>
             </a:r>
           </a:p>
           <a:p>
             <a:endParaRPr lang="en-US" dirty="0"/>
           </a:p>
           <a:p>
-            <a:r>
-              <a:rPr lang="en-US" dirty="0"/>
-              <a:t>Building a toy pipeline by leveraging the </a:t>
-            </a:r>
-            <a:r>
-              <a:rPr lang="en-US" dirty="0" err="1"/>
-              <a:t>nf</a:t>
-            </a:r>
-            <a:r>
-              <a:rPr lang="en-US" dirty="0"/>
-              <a:t>-core facilities</a:t>
-            </a:r>
-          </a:p>
-          <a:p>
-            <a:pPr lvl="1"/>
-            <a:r>
-              <a:rPr lang="en-US" dirty="0">
-                <a:solidFill>
-                  <a:schemeClr val="bg2">
-                    <a:lumMod val="75000"/>
-                  </a:schemeClr>
-                </a:solidFill>
-              </a:rPr>
-              <a:t>Environment setup </a:t>
-            </a:r>
-          </a:p>
-          <a:p>
-            <a:pPr lvl="1"/>
-            <a:r>
-              <a:rPr lang="en-US" dirty="0"/>
-              <a:t>Toy pipeline outline: from </a:t>
-            </a:r>
-            <a:r>
-              <a:rPr lang="en-US" dirty="0" err="1"/>
-              <a:t>FastQ</a:t>
-            </a:r>
-            <a:r>
-              <a:rPr lang="en-US" dirty="0"/>
-              <a:t> files -&gt; </a:t>
-            </a:r>
-            <a:r>
-              <a:rPr lang="en-US" dirty="0" err="1"/>
-              <a:t>FastQC</a:t>
-            </a:r>
-            <a:r>
-              <a:rPr lang="en-US" dirty="0"/>
-              <a:t>, </a:t>
-            </a:r>
-            <a:r>
-              <a:rPr lang="en-US" dirty="0" err="1"/>
-              <a:t>cutadat</a:t>
-            </a:r>
-            <a:r>
-              <a:rPr lang="en-US" dirty="0"/>
-              <a:t>, </a:t>
-            </a:r>
-            <a:r>
-              <a:rPr lang="en-US" dirty="0" err="1"/>
-              <a:t>MultiQC</a:t>
-            </a:r>
             <a:endParaRPr lang="en-US" dirty="0"/>
-          </a:p>
-          <a:p>
-            <a:pPr lvl="1"/>
-            <a:r>
-              <a:rPr lang="en-US" dirty="0">
-                <a:solidFill>
-                  <a:schemeClr val="bg2">
-                    <a:lumMod val="75000"/>
-                  </a:schemeClr>
-                </a:solidFill>
-              </a:rPr>
-              <a:t>Practical tips of using the TEMPLATE and the “</a:t>
-            </a:r>
-            <a:r>
-              <a:rPr lang="en-US" dirty="0" err="1">
-                <a:solidFill>
-                  <a:schemeClr val="bg2">
-                    <a:lumMod val="75000"/>
-                  </a:schemeClr>
-                </a:solidFill>
-              </a:rPr>
-              <a:t>nf</a:t>
-            </a:r>
-            <a:r>
-              <a:rPr lang="en-US" dirty="0">
-                <a:solidFill>
-                  <a:schemeClr val="bg2">
-                    <a:lumMod val="75000"/>
-                  </a:schemeClr>
-                </a:solidFill>
-              </a:rPr>
-              <a:t>-core install” command</a:t>
-            </a:r>
           </a:p>
           <a:p>
             <a:pPr marL="0" indent="0">
               <a:buNone/>
             </a:pPr>
-            <a:r>
-              <a:rPr lang="en-US" dirty="0"/>
-              <a:t>start </a:t>
-            </a:r>
-            <a:r>
-              <a:rPr lang="en-US"/>
-              <a:t>Docker demon</a:t>
-            </a:r>
-          </a:p>
-          <a:p>
-            <a:pPr marL="0" indent="0">
-              <a:buNone/>
-            </a:pPr>
-            <a:r>
-              <a:rPr lang="en-US" dirty="0" err="1"/>
-              <a:t>nextflow</a:t>
-            </a:r>
-            <a:r>
-              <a:rPr lang="en-US" dirty="0"/>
-              <a:t> run </a:t>
-            </a:r>
-            <a:r>
-              <a:rPr lang="en-US" dirty="0" err="1"/>
-              <a:t>main_sole_demo.nf</a:t>
-            </a:r>
-            <a:r>
-              <a:rPr lang="en-US" dirty="0"/>
-              <a:t> -profile docker -c </a:t>
-            </a:r>
-            <a:r>
-              <a:rPr lang="en-US" dirty="0" err="1"/>
-              <a:t>main_sole_demo.config</a:t>
-            </a:r>
             <a:endParaRPr lang="en-US" dirty="0"/>
           </a:p>
         </p:txBody>
       </p:sp>
+      <p:pic>
+        <p:nvPicPr>
+          <p:cNvPr id="8" name="Picture 7">
+            <a:extLst>
+              <a:ext uri="{FF2B5EF4-FFF2-40B4-BE49-F238E27FC236}">
+                <a16:creationId xmlns:a16="http://schemas.microsoft.com/office/drawing/2014/main" id="{111FDF00-E46D-B034-A5D0-4EB38BFF9FD7}"/>
+              </a:ext>
+            </a:extLst>
+          </p:cNvPr>
+          <p:cNvPicPr>
+            <a:picLocks noChangeAspect="1"/>
+          </p:cNvPicPr>
+          <p:nvPr/>
+        </p:nvPicPr>
+        <p:blipFill>
+          <a:blip r:embed="rId6"/>
+          <a:stretch>
+            <a:fillRect/>
+          </a:stretch>
+        </p:blipFill>
+        <p:spPr>
+          <a:xfrm>
+            <a:off x="6897601" y="4114185"/>
+            <a:ext cx="5270953" cy="1187961"/>
+          </a:xfrm>
+          <a:prstGeom prst="rect">
+            <a:avLst/>
+          </a:prstGeom>
+        </p:spPr>
+      </p:pic>
     </p:spTree>
     <p:extLst>
       <p:ext uri="{BB962C8B-B14F-4D97-AF65-F5344CB8AC3E}">
@@ -7266,7 +10256,7 @@
         <p:cNvPr id="1" name="">
           <a:extLst>
             <a:ext uri="{FF2B5EF4-FFF2-40B4-BE49-F238E27FC236}">
-              <a16:creationId xmlns:a16="http://schemas.microsoft.com/office/drawing/2014/main" id="{D62E697A-1AAB-E120-9D55-A3F331CA49C8}"/>
+              <a16:creationId xmlns:a16="http://schemas.microsoft.com/office/drawing/2014/main" id="{F5E8C3EC-E2E4-FF52-EF28-F2397240510B}"/>
             </a:ext>
           </a:extLst>
         </p:cNvPr>
@@ -7286,7 +10276,7 @@
           <p:cNvPr id="2" name="Title 1">
             <a:extLst>
               <a:ext uri="{FF2B5EF4-FFF2-40B4-BE49-F238E27FC236}">
-                <a16:creationId xmlns:a16="http://schemas.microsoft.com/office/drawing/2014/main" id="{90E174EA-9B71-6568-8AEA-7147BD99346C}"/>
+                <a16:creationId xmlns:a16="http://schemas.microsoft.com/office/drawing/2014/main" id="{E098A5C6-ACD1-208E-85D9-E73D4A0880D1}"/>
               </a:ext>
             </a:extLst>
           </p:cNvPr>
@@ -7304,139 +10294,142 @@
           <a:p>
             <a:r>
               <a:rPr lang="en-US" dirty="0"/>
-              <a:t>Agenda</a:t>
-            </a:r>
-          </a:p>
-        </p:txBody>
-      </p:sp>
-      <p:sp>
-        <p:nvSpPr>
-          <p:cNvPr id="3" name="Content Placeholder 2">
-            <a:extLst>
-              <a:ext uri="{FF2B5EF4-FFF2-40B4-BE49-F238E27FC236}">
-                <a16:creationId xmlns:a16="http://schemas.microsoft.com/office/drawing/2014/main" id="{3C394E21-7DC4-1858-3042-238E35E01793}"/>
-              </a:ext>
-            </a:extLst>
-          </p:cNvPr>
-          <p:cNvSpPr>
-            <a:spLocks noGrp="1"/>
-          </p:cNvSpPr>
-          <p:nvPr>
-            <p:ph idx="1"/>
-          </p:nvPr>
-        </p:nvSpPr>
-        <p:spPr/>
-        <p:txBody>
-          <a:bodyPr/>
-          <a:lstStyle/>
-          <a:p>
-            <a:r>
-              <a:rPr lang="en-US" dirty="0"/>
-              <a:t>Review of core </a:t>
-            </a:r>
-            <a:r>
-              <a:rPr lang="en-US" dirty="0" err="1"/>
-              <a:t>nf</a:t>
-            </a:r>
-            <a:r>
-              <a:rPr lang="en-US" dirty="0"/>
-              <a:t>-core commands</a:t>
-            </a:r>
-          </a:p>
-          <a:p>
-            <a:r>
-              <a:rPr lang="en-US" dirty="0" err="1"/>
-              <a:t>nf</a:t>
-            </a:r>
-            <a:r>
-              <a:rPr lang="en-US" dirty="0"/>
-              <a:t>-core TEMPLATE architecture</a:t>
-            </a:r>
-          </a:p>
-          <a:p>
-            <a:endParaRPr lang="en-US" dirty="0"/>
-          </a:p>
-          <a:p>
-            <a:r>
-              <a:rPr lang="en-US" dirty="0"/>
-              <a:t>Building a toy pipeline by leveraging the </a:t>
-            </a:r>
-            <a:r>
-              <a:rPr lang="en-US" dirty="0" err="1"/>
-              <a:t>nf</a:t>
-            </a:r>
-            <a:r>
-              <a:rPr lang="en-US" dirty="0"/>
-              <a:t>-core facilities</a:t>
-            </a:r>
-          </a:p>
-          <a:p>
-            <a:pPr lvl="1"/>
-            <a:r>
-              <a:rPr lang="en-US" dirty="0"/>
-              <a:t>Environment setup </a:t>
-            </a:r>
-          </a:p>
-          <a:p>
-            <a:pPr lvl="1"/>
-            <a:r>
-              <a:rPr lang="en-US" dirty="0"/>
-              <a:t>Toy pipeline outline: from </a:t>
-            </a:r>
-            <a:r>
-              <a:rPr lang="en-US" dirty="0" err="1"/>
-              <a:t>FastQ</a:t>
-            </a:r>
-            <a:r>
-              <a:rPr lang="en-US" dirty="0"/>
-              <a:t> files -&gt; </a:t>
-            </a:r>
-            <a:r>
-              <a:rPr lang="en-US" dirty="0" err="1"/>
-              <a:t>FastQC</a:t>
-            </a:r>
-            <a:r>
-              <a:rPr lang="en-US" dirty="0"/>
-              <a:t>, </a:t>
-            </a:r>
-            <a:r>
-              <a:rPr lang="en-US" dirty="0" err="1"/>
-              <a:t>cutadat</a:t>
-            </a:r>
-            <a:r>
-              <a:rPr lang="en-US" dirty="0"/>
-              <a:t>, </a:t>
-            </a:r>
-            <a:r>
-              <a:rPr lang="en-US" dirty="0" err="1"/>
-              <a:t>MultiQC</a:t>
-            </a:r>
-            <a:endParaRPr lang="en-US" dirty="0"/>
-          </a:p>
-          <a:p>
-            <a:pPr lvl="1"/>
-            <a:r>
-              <a:rPr lang="en-US" dirty="0"/>
-              <a:t>Practical tips of using the TEMPLATE and the “</a:t>
-            </a:r>
-            <a:r>
-              <a:rPr lang="en-US" dirty="0" err="1"/>
-              <a:t>nf</a:t>
-            </a:r>
-            <a:r>
-              <a:rPr lang="en-US" dirty="0"/>
-              <a:t>-core install” command</a:t>
-            </a:r>
-          </a:p>
-          <a:p>
-            <a:endParaRPr lang="en-US" dirty="0"/>
-          </a:p>
-        </p:txBody>
-      </p:sp>
+              <a:t>Toy pipeline: FASTQC module zoom in</a:t>
+            </a:r>
+          </a:p>
+        </p:txBody>
+      </p:sp>
+      <p:pic>
+        <p:nvPicPr>
+          <p:cNvPr id="3" name="Picture 2">
+            <a:extLst>
+              <a:ext uri="{FF2B5EF4-FFF2-40B4-BE49-F238E27FC236}">
+                <a16:creationId xmlns:a16="http://schemas.microsoft.com/office/drawing/2014/main" id="{309E1B6D-2D89-E814-D45A-18B7458A1E44}"/>
+              </a:ext>
+            </a:extLst>
+          </p:cNvPr>
+          <p:cNvPicPr>
+            <a:picLocks noChangeAspect="1"/>
+          </p:cNvPicPr>
+          <p:nvPr/>
+        </p:nvPicPr>
+        <p:blipFill>
+          <a:blip r:embed="rId3"/>
+          <a:stretch>
+            <a:fillRect/>
+          </a:stretch>
+        </p:blipFill>
+        <p:spPr>
+          <a:xfrm>
+            <a:off x="216877" y="1690688"/>
+            <a:ext cx="7772400" cy="4571355"/>
+          </a:xfrm>
+          <a:prstGeom prst="rect">
+            <a:avLst/>
+          </a:prstGeom>
+        </p:spPr>
+      </p:pic>
+      <p:sp>
+        <p:nvSpPr>
+          <p:cNvPr id="10" name="Rectangle 9">
+            <a:extLst>
+              <a:ext uri="{FF2B5EF4-FFF2-40B4-BE49-F238E27FC236}">
+                <a16:creationId xmlns:a16="http://schemas.microsoft.com/office/drawing/2014/main" id="{D03180B7-DB42-621B-4E74-2AE42A05FE3E}"/>
+              </a:ext>
+            </a:extLst>
+          </p:cNvPr>
+          <p:cNvSpPr/>
+          <p:nvPr/>
+        </p:nvSpPr>
+        <p:spPr>
+          <a:xfrm>
+            <a:off x="8704384" y="1514842"/>
+            <a:ext cx="2649416" cy="841497"/>
+          </a:xfrm>
+          <a:prstGeom prst="rect">
+            <a:avLst/>
+          </a:prstGeom>
+          <a:ln>
+            <a:solidFill>
+              <a:srgbClr val="FF0000"/>
+            </a:solidFill>
+          </a:ln>
+        </p:spPr>
+        <p:style>
+          <a:lnRef idx="2">
+            <a:schemeClr val="accent2"/>
+          </a:lnRef>
+          <a:fillRef idx="1">
+            <a:schemeClr val="lt1"/>
+          </a:fillRef>
+          <a:effectRef idx="0">
+            <a:schemeClr val="accent2"/>
+          </a:effectRef>
+          <a:fontRef idx="minor">
+            <a:schemeClr val="dk1"/>
+          </a:fontRef>
+        </p:style>
+        <p:txBody>
+          <a:bodyPr rtlCol="0" anchor="ctr"/>
+          <a:lstStyle/>
+          <a:p>
+            <a:pPr algn="ctr"/>
+            <a:r>
+              <a:rPr lang="en-US" dirty="0"/>
+              <a:t>Can be organized to module config file</a:t>
+            </a:r>
+          </a:p>
+        </p:txBody>
+      </p:sp>
+      <p:cxnSp>
+        <p:nvCxnSpPr>
+          <p:cNvPr id="12" name="Straight Arrow Connector 11">
+            <a:extLst>
+              <a:ext uri="{FF2B5EF4-FFF2-40B4-BE49-F238E27FC236}">
+                <a16:creationId xmlns:a16="http://schemas.microsoft.com/office/drawing/2014/main" id="{72CA4BD6-15EF-1C60-5776-647761A59DC8}"/>
+              </a:ext>
+            </a:extLst>
+          </p:cNvPr>
+          <p:cNvCxnSpPr>
+            <a:cxnSpLocks/>
+            <a:stCxn id="10" idx="1"/>
+          </p:cNvCxnSpPr>
+          <p:nvPr/>
+        </p:nvCxnSpPr>
+        <p:spPr>
+          <a:xfrm flipH="1">
+            <a:off x="5744308" y="1935591"/>
+            <a:ext cx="2960076" cy="221455"/>
+          </a:xfrm>
+          <a:prstGeom prst="straightConnector1">
+            <a:avLst/>
+          </a:prstGeom>
+          <a:ln w="57150">
+            <a:solidFill>
+              <a:srgbClr val="FF0000"/>
+            </a:solidFill>
+            <a:tailEnd type="triangle"/>
+          </a:ln>
+        </p:spPr>
+        <p:style>
+          <a:lnRef idx="3">
+            <a:schemeClr val="accent2"/>
+          </a:lnRef>
+          <a:fillRef idx="0">
+            <a:schemeClr val="accent2"/>
+          </a:fillRef>
+          <a:effectRef idx="2">
+            <a:schemeClr val="accent2"/>
+          </a:effectRef>
+          <a:fontRef idx="minor">
+            <a:schemeClr val="tx1"/>
+          </a:fontRef>
+        </p:style>
+      </p:cxnSp>
     </p:spTree>
     <p:extLst>
       <p:ext uri="{BB962C8B-B14F-4D97-AF65-F5344CB8AC3E}">
-        <p14:creationId xmlns:p14="http://schemas.microsoft.com/office/powerpoint/2010/main" val="3290798399"/>
+        <p14:creationId xmlns:p14="http://schemas.microsoft.com/office/powerpoint/2010/main" val="3056777907"/>
       </p:ext>
     </p:extLst>
   </p:cSld>

--- a/nfcore_template.pptx
+++ b/nfcore_template.pptx
@@ -5,7 +5,7 @@
     <p:sldMasterId id="2147483648" r:id="rId1"/>
   </p:sldMasterIdLst>
   <p:notesMasterIdLst>
-    <p:notesMasterId r:id="rId21"/>
+    <p:notesMasterId r:id="rId24"/>
   </p:notesMasterIdLst>
   <p:sldIdLst>
     <p:sldId id="256" r:id="rId2"/>
@@ -22,11 +22,14 @@
     <p:sldId id="271" r:id="rId13"/>
     <p:sldId id="272" r:id="rId14"/>
     <p:sldId id="274" r:id="rId15"/>
-    <p:sldId id="273" r:id="rId16"/>
-    <p:sldId id="266" r:id="rId17"/>
-    <p:sldId id="262" r:id="rId18"/>
-    <p:sldId id="263" r:id="rId19"/>
-    <p:sldId id="260" r:id="rId20"/>
+    <p:sldId id="276" r:id="rId16"/>
+    <p:sldId id="277" r:id="rId17"/>
+    <p:sldId id="279" r:id="rId18"/>
+    <p:sldId id="280" r:id="rId19"/>
+    <p:sldId id="281" r:id="rId20"/>
+    <p:sldId id="282" r:id="rId21"/>
+    <p:sldId id="283" r:id="rId22"/>
+    <p:sldId id="263" r:id="rId23"/>
   </p:sldIdLst>
   <p:sldSz cx="12192000" cy="6858000"/>
   <p:notesSz cx="6858000" cy="9144000"/>
@@ -893,7 +896,7 @@
         <p:cNvPr id="1" name="">
           <a:extLst>
             <a:ext uri="{FF2B5EF4-FFF2-40B4-BE49-F238E27FC236}">
-              <a16:creationId xmlns:a16="http://schemas.microsoft.com/office/drawing/2014/main" id="{35575CA8-BD51-6C6B-C763-6DA60119AC2E}"/>
+              <a16:creationId xmlns:a16="http://schemas.microsoft.com/office/drawing/2014/main" id="{BC1AF6BB-6A9F-B3C0-EF3D-F801F51537AC}"/>
             </a:ext>
           </a:extLst>
         </p:cNvPr>
@@ -913,7 +916,7 @@
           <p:cNvPr id="2" name="Slide Image Placeholder 1">
             <a:extLst>
               <a:ext uri="{FF2B5EF4-FFF2-40B4-BE49-F238E27FC236}">
-                <a16:creationId xmlns:a16="http://schemas.microsoft.com/office/drawing/2014/main" id="{BF48DA2A-3432-639C-FA3F-C7922FD857EB}"/>
+                <a16:creationId xmlns:a16="http://schemas.microsoft.com/office/drawing/2014/main" id="{6CE0FB89-9571-E0B4-B73E-731015882688}"/>
               </a:ext>
             </a:extLst>
           </p:cNvPr>
@@ -931,7 +934,7 @@
           <p:cNvPr id="3" name="Notes Placeholder 2">
             <a:extLst>
               <a:ext uri="{FF2B5EF4-FFF2-40B4-BE49-F238E27FC236}">
-                <a16:creationId xmlns:a16="http://schemas.microsoft.com/office/drawing/2014/main" id="{5B420BB0-7A98-3BCB-4150-845BA7142DD4}"/>
+                <a16:creationId xmlns:a16="http://schemas.microsoft.com/office/drawing/2014/main" id="{86A7D694-8AFE-0412-18D6-7D6AD571391E}"/>
               </a:ext>
             </a:extLst>
           </p:cNvPr>
@@ -956,7 +959,7 @@
           <p:cNvPr id="4" name="Slide Number Placeholder 3">
             <a:extLst>
               <a:ext uri="{FF2B5EF4-FFF2-40B4-BE49-F238E27FC236}">
-                <a16:creationId xmlns:a16="http://schemas.microsoft.com/office/drawing/2014/main" id="{2964F391-7F97-EFAC-42C6-9E702C5EBC8F}"/>
+                <a16:creationId xmlns:a16="http://schemas.microsoft.com/office/drawing/2014/main" id="{3EBBC30A-A985-57E4-C4DF-64BCB92D7EFF}"/>
               </a:ext>
             </a:extLst>
           </p:cNvPr>
@@ -983,7 +986,7 @@
     </p:spTree>
     <p:extLst>
       <p:ext uri="{BB962C8B-B14F-4D97-AF65-F5344CB8AC3E}">
-        <p14:creationId xmlns:p14="http://schemas.microsoft.com/office/powerpoint/2010/main" val="372026739"/>
+        <p14:creationId xmlns:p14="http://schemas.microsoft.com/office/powerpoint/2010/main" val="2636447624"/>
       </p:ext>
     </p:extLst>
   </p:cSld>
@@ -1001,7 +1004,7 @@
         <p:cNvPr id="1" name="">
           <a:extLst>
             <a:ext uri="{FF2B5EF4-FFF2-40B4-BE49-F238E27FC236}">
-              <a16:creationId xmlns:a16="http://schemas.microsoft.com/office/drawing/2014/main" id="{7F410179-061E-66C8-153F-32B978C59E6A}"/>
+              <a16:creationId xmlns:a16="http://schemas.microsoft.com/office/drawing/2014/main" id="{15CEBCBD-596A-B504-2582-114D9E8B6FF6}"/>
             </a:ext>
           </a:extLst>
         </p:cNvPr>
@@ -1021,7 +1024,7 @@
           <p:cNvPr id="2" name="Slide Image Placeholder 1">
             <a:extLst>
               <a:ext uri="{FF2B5EF4-FFF2-40B4-BE49-F238E27FC236}">
-                <a16:creationId xmlns:a16="http://schemas.microsoft.com/office/drawing/2014/main" id="{CC031113-7CF1-DD32-9019-24C2D07E61B1}"/>
+                <a16:creationId xmlns:a16="http://schemas.microsoft.com/office/drawing/2014/main" id="{4D8852D6-7FDA-A041-694F-8943D9D26BBE}"/>
               </a:ext>
             </a:extLst>
           </p:cNvPr>
@@ -1039,7 +1042,7 @@
           <p:cNvPr id="3" name="Notes Placeholder 2">
             <a:extLst>
               <a:ext uri="{FF2B5EF4-FFF2-40B4-BE49-F238E27FC236}">
-                <a16:creationId xmlns:a16="http://schemas.microsoft.com/office/drawing/2014/main" id="{BC19961C-7CE2-E329-30FF-91D5ECCB564C}"/>
+                <a16:creationId xmlns:a16="http://schemas.microsoft.com/office/drawing/2014/main" id="{11859D64-8C13-BEE3-4D0C-E443AD1CA929}"/>
               </a:ext>
             </a:extLst>
           </p:cNvPr>
@@ -1064,7 +1067,7 @@
           <p:cNvPr id="4" name="Slide Number Placeholder 3">
             <a:extLst>
               <a:ext uri="{FF2B5EF4-FFF2-40B4-BE49-F238E27FC236}">
-                <a16:creationId xmlns:a16="http://schemas.microsoft.com/office/drawing/2014/main" id="{33C83B18-08DD-DF56-1A3E-111E5EA859BE}"/>
+                <a16:creationId xmlns:a16="http://schemas.microsoft.com/office/drawing/2014/main" id="{F214142C-5919-3C74-2EC5-0D46A05C756B}"/>
               </a:ext>
             </a:extLst>
           </p:cNvPr>
@@ -1091,7 +1094,7 @@
     </p:spTree>
     <p:extLst>
       <p:ext uri="{BB962C8B-B14F-4D97-AF65-F5344CB8AC3E}">
-        <p14:creationId xmlns:p14="http://schemas.microsoft.com/office/powerpoint/2010/main" val="2868554800"/>
+        <p14:creationId xmlns:p14="http://schemas.microsoft.com/office/powerpoint/2010/main" val="347810351"/>
       </p:ext>
     </p:extLst>
   </p:cSld>
@@ -1109,7 +1112,7 @@
         <p:cNvPr id="1" name="">
           <a:extLst>
             <a:ext uri="{FF2B5EF4-FFF2-40B4-BE49-F238E27FC236}">
-              <a16:creationId xmlns:a16="http://schemas.microsoft.com/office/drawing/2014/main" id="{D39F5307-6AE8-1A3E-E47C-959D201C953B}"/>
+              <a16:creationId xmlns:a16="http://schemas.microsoft.com/office/drawing/2014/main" id="{928FFBCE-91E5-2F39-9AC3-8FF685CA22D9}"/>
             </a:ext>
           </a:extLst>
         </p:cNvPr>
@@ -1129,7 +1132,7 @@
           <p:cNvPr id="2" name="Slide Image Placeholder 1">
             <a:extLst>
               <a:ext uri="{FF2B5EF4-FFF2-40B4-BE49-F238E27FC236}">
-                <a16:creationId xmlns:a16="http://schemas.microsoft.com/office/drawing/2014/main" id="{A2D22D65-5EA0-621D-45AF-08E3E7A20019}"/>
+                <a16:creationId xmlns:a16="http://schemas.microsoft.com/office/drawing/2014/main" id="{0958074B-B886-EA77-4202-2F7C4039B156}"/>
               </a:ext>
             </a:extLst>
           </p:cNvPr>
@@ -1147,7 +1150,7 @@
           <p:cNvPr id="3" name="Notes Placeholder 2">
             <a:extLst>
               <a:ext uri="{FF2B5EF4-FFF2-40B4-BE49-F238E27FC236}">
-                <a16:creationId xmlns:a16="http://schemas.microsoft.com/office/drawing/2014/main" id="{B7551B6E-6688-6461-4548-D0F63936F05A}"/>
+                <a16:creationId xmlns:a16="http://schemas.microsoft.com/office/drawing/2014/main" id="{BF473506-DB23-F1CF-67BE-0A00D6D26987}"/>
               </a:ext>
             </a:extLst>
           </p:cNvPr>
@@ -1172,7 +1175,7 @@
           <p:cNvPr id="4" name="Slide Number Placeholder 3">
             <a:extLst>
               <a:ext uri="{FF2B5EF4-FFF2-40B4-BE49-F238E27FC236}">
-                <a16:creationId xmlns:a16="http://schemas.microsoft.com/office/drawing/2014/main" id="{C3C18ED9-8199-B85B-B8B2-0087120EC4D7}"/>
+                <a16:creationId xmlns:a16="http://schemas.microsoft.com/office/drawing/2014/main" id="{85479F32-1C3D-81A8-4607-57274C809D13}"/>
               </a:ext>
             </a:extLst>
           </p:cNvPr>
@@ -1199,7 +1202,7 @@
     </p:spTree>
     <p:extLst>
       <p:ext uri="{BB962C8B-B14F-4D97-AF65-F5344CB8AC3E}">
-        <p14:creationId xmlns:p14="http://schemas.microsoft.com/office/powerpoint/2010/main" val="3072430158"/>
+        <p14:creationId xmlns:p14="http://schemas.microsoft.com/office/powerpoint/2010/main" val="509352013"/>
       </p:ext>
     </p:extLst>
   </p:cSld>
@@ -1217,7 +1220,7 @@
         <p:cNvPr id="1" name="">
           <a:extLst>
             <a:ext uri="{FF2B5EF4-FFF2-40B4-BE49-F238E27FC236}">
-              <a16:creationId xmlns:a16="http://schemas.microsoft.com/office/drawing/2014/main" id="{26515669-400C-86D4-0EBF-F5D7B02701DF}"/>
+              <a16:creationId xmlns:a16="http://schemas.microsoft.com/office/drawing/2014/main" id="{3085CEE3-AC72-7CC6-0F9F-F5BD9AA3106F}"/>
             </a:ext>
           </a:extLst>
         </p:cNvPr>
@@ -1237,7 +1240,7 @@
           <p:cNvPr id="2" name="Slide Image Placeholder 1">
             <a:extLst>
               <a:ext uri="{FF2B5EF4-FFF2-40B4-BE49-F238E27FC236}">
-                <a16:creationId xmlns:a16="http://schemas.microsoft.com/office/drawing/2014/main" id="{5F0C5B5F-5F97-3DF5-FE90-AD54A3BEA361}"/>
+                <a16:creationId xmlns:a16="http://schemas.microsoft.com/office/drawing/2014/main" id="{9C4A9B8D-ADD9-7710-4438-3E8C4F03C595}"/>
               </a:ext>
             </a:extLst>
           </p:cNvPr>
@@ -1255,7 +1258,7 @@
           <p:cNvPr id="3" name="Notes Placeholder 2">
             <a:extLst>
               <a:ext uri="{FF2B5EF4-FFF2-40B4-BE49-F238E27FC236}">
-                <a16:creationId xmlns:a16="http://schemas.microsoft.com/office/drawing/2014/main" id="{A38C54EE-CEFE-C756-C711-771CAEFEE186}"/>
+                <a16:creationId xmlns:a16="http://schemas.microsoft.com/office/drawing/2014/main" id="{3F3A8772-33D6-9F62-87F4-3E2CD80AAA53}"/>
               </a:ext>
             </a:extLst>
           </p:cNvPr>
@@ -1280,7 +1283,7 @@
           <p:cNvPr id="4" name="Slide Number Placeholder 3">
             <a:extLst>
               <a:ext uri="{FF2B5EF4-FFF2-40B4-BE49-F238E27FC236}">
-                <a16:creationId xmlns:a16="http://schemas.microsoft.com/office/drawing/2014/main" id="{C558DFB6-259B-EED7-BA58-06D4E12390D7}"/>
+                <a16:creationId xmlns:a16="http://schemas.microsoft.com/office/drawing/2014/main" id="{F3BB4070-8018-1566-B3B5-C005F197BBA9}"/>
               </a:ext>
             </a:extLst>
           </p:cNvPr>
@@ -1307,7 +1310,7 @@
     </p:spTree>
     <p:extLst>
       <p:ext uri="{BB962C8B-B14F-4D97-AF65-F5344CB8AC3E}">
-        <p14:creationId xmlns:p14="http://schemas.microsoft.com/office/powerpoint/2010/main" val="2335631223"/>
+        <p14:creationId xmlns:p14="http://schemas.microsoft.com/office/powerpoint/2010/main" val="3180848098"/>
       </p:ext>
     </p:extLst>
   </p:cSld>
@@ -1325,7 +1328,7 @@
         <p:cNvPr id="1" name="">
           <a:extLst>
             <a:ext uri="{FF2B5EF4-FFF2-40B4-BE49-F238E27FC236}">
-              <a16:creationId xmlns:a16="http://schemas.microsoft.com/office/drawing/2014/main" id="{648F329B-5633-0A0E-38B0-8F2FF0CAB586}"/>
+              <a16:creationId xmlns:a16="http://schemas.microsoft.com/office/drawing/2014/main" id="{18502E5C-A78E-1E40-C0F7-70DDE79784B0}"/>
             </a:ext>
           </a:extLst>
         </p:cNvPr>
@@ -1345,7 +1348,7 @@
           <p:cNvPr id="2" name="Slide Image Placeholder 1">
             <a:extLst>
               <a:ext uri="{FF2B5EF4-FFF2-40B4-BE49-F238E27FC236}">
-                <a16:creationId xmlns:a16="http://schemas.microsoft.com/office/drawing/2014/main" id="{87FF1D45-BA82-B10E-F6C5-F9B51DB8F73F}"/>
+                <a16:creationId xmlns:a16="http://schemas.microsoft.com/office/drawing/2014/main" id="{FC93A2B5-D303-3224-6985-C849C356CCBE}"/>
               </a:ext>
             </a:extLst>
           </p:cNvPr>
@@ -1363,7 +1366,7 @@
           <p:cNvPr id="3" name="Notes Placeholder 2">
             <a:extLst>
               <a:ext uri="{FF2B5EF4-FFF2-40B4-BE49-F238E27FC236}">
-                <a16:creationId xmlns:a16="http://schemas.microsoft.com/office/drawing/2014/main" id="{4B17B39E-3543-1704-16FC-D4783CD626BF}"/>
+                <a16:creationId xmlns:a16="http://schemas.microsoft.com/office/drawing/2014/main" id="{F66891F8-6D17-F840-9BF0-AAA1A7C8AABB}"/>
               </a:ext>
             </a:extLst>
           </p:cNvPr>
@@ -1388,7 +1391,7 @@
           <p:cNvPr id="4" name="Slide Number Placeholder 3">
             <a:extLst>
               <a:ext uri="{FF2B5EF4-FFF2-40B4-BE49-F238E27FC236}">
-                <a16:creationId xmlns:a16="http://schemas.microsoft.com/office/drawing/2014/main" id="{DF9D785B-663A-0B7C-45DB-22DB972C4559}"/>
+                <a16:creationId xmlns:a16="http://schemas.microsoft.com/office/drawing/2014/main" id="{79BA1729-1333-9305-298D-4D7F643FB89C}"/>
               </a:ext>
             </a:extLst>
           </p:cNvPr>
@@ -1415,7 +1418,223 @@
     </p:spTree>
     <p:extLst>
       <p:ext uri="{BB962C8B-B14F-4D97-AF65-F5344CB8AC3E}">
-        <p14:creationId xmlns:p14="http://schemas.microsoft.com/office/powerpoint/2010/main" val="805942371"/>
+        <p14:creationId xmlns:p14="http://schemas.microsoft.com/office/powerpoint/2010/main" val="469562901"/>
+      </p:ext>
+    </p:extLst>
+  </p:cSld>
+  <p:clrMapOvr>
+    <a:masterClrMapping/>
+  </p:clrMapOvr>
+</p:notes>
+</file>
+
+<file path=ppt/notesSlides/notesSlide18.xml><?xml version="1.0" encoding="utf-8"?>
+<p:notes xmlns:a="http://schemas.openxmlformats.org/drawingml/2006/main" xmlns:r="http://schemas.openxmlformats.org/officeDocument/2006/relationships" xmlns:p="http://schemas.openxmlformats.org/presentationml/2006/main">
+  <p:cSld>
+    <p:spTree>
+      <p:nvGrpSpPr>
+        <p:cNvPr id="1" name="">
+          <a:extLst>
+            <a:ext uri="{FF2B5EF4-FFF2-40B4-BE49-F238E27FC236}">
+              <a16:creationId xmlns:a16="http://schemas.microsoft.com/office/drawing/2014/main" id="{CDEEC9B8-208E-C891-1F6F-EF84125C2147}"/>
+            </a:ext>
+          </a:extLst>
+        </p:cNvPr>
+        <p:cNvGrpSpPr/>
+        <p:nvPr/>
+      </p:nvGrpSpPr>
+      <p:grpSpPr>
+        <a:xfrm>
+          <a:off x="0" y="0"/>
+          <a:ext cx="0" cy="0"/>
+          <a:chOff x="0" y="0"/>
+          <a:chExt cx="0" cy="0"/>
+        </a:xfrm>
+      </p:grpSpPr>
+      <p:sp>
+        <p:nvSpPr>
+          <p:cNvPr id="2" name="Slide Image Placeholder 1">
+            <a:extLst>
+              <a:ext uri="{FF2B5EF4-FFF2-40B4-BE49-F238E27FC236}">
+                <a16:creationId xmlns:a16="http://schemas.microsoft.com/office/drawing/2014/main" id="{F1742417-ACC3-AD16-757F-F252D8888E92}"/>
+              </a:ext>
+            </a:extLst>
+          </p:cNvPr>
+          <p:cNvSpPr>
+            <a:spLocks noGrp="1" noRot="1" noChangeAspect="1"/>
+          </p:cNvSpPr>
+          <p:nvPr>
+            <p:ph type="sldImg"/>
+          </p:nvPr>
+        </p:nvSpPr>
+        <p:spPr/>
+      </p:sp>
+      <p:sp>
+        <p:nvSpPr>
+          <p:cNvPr id="3" name="Notes Placeholder 2">
+            <a:extLst>
+              <a:ext uri="{FF2B5EF4-FFF2-40B4-BE49-F238E27FC236}">
+                <a16:creationId xmlns:a16="http://schemas.microsoft.com/office/drawing/2014/main" id="{7A6B23F7-3BD2-98C4-6816-AFB25E045513}"/>
+              </a:ext>
+            </a:extLst>
+          </p:cNvPr>
+          <p:cNvSpPr>
+            <a:spLocks noGrp="1"/>
+          </p:cNvSpPr>
+          <p:nvPr>
+            <p:ph type="body" idx="1"/>
+          </p:nvPr>
+        </p:nvSpPr>
+        <p:spPr/>
+        <p:txBody>
+          <a:bodyPr/>
+          <a:lstStyle/>
+          <a:p>
+            <a:endParaRPr lang="en-US" dirty="0"/>
+          </a:p>
+        </p:txBody>
+      </p:sp>
+      <p:sp>
+        <p:nvSpPr>
+          <p:cNvPr id="4" name="Slide Number Placeholder 3">
+            <a:extLst>
+              <a:ext uri="{FF2B5EF4-FFF2-40B4-BE49-F238E27FC236}">
+                <a16:creationId xmlns:a16="http://schemas.microsoft.com/office/drawing/2014/main" id="{CAB7D511-7179-FE78-BE2F-9F4B37AEACEB}"/>
+              </a:ext>
+            </a:extLst>
+          </p:cNvPr>
+          <p:cNvSpPr>
+            <a:spLocks noGrp="1"/>
+          </p:cNvSpPr>
+          <p:nvPr>
+            <p:ph type="sldNum" sz="quarter" idx="5"/>
+          </p:nvPr>
+        </p:nvSpPr>
+        <p:spPr/>
+        <p:txBody>
+          <a:bodyPr/>
+          <a:lstStyle/>
+          <a:p>
+            <a:fld id="{629B2FD9-4971-7F46-8C2A-9BDAB78084B9}" type="slidenum">
+              <a:rPr lang="en-US" smtClean="0"/>
+              <a:t>20</a:t>
+            </a:fld>
+            <a:endParaRPr lang="en-US"/>
+          </a:p>
+        </p:txBody>
+      </p:sp>
+    </p:spTree>
+    <p:extLst>
+      <p:ext uri="{BB962C8B-B14F-4D97-AF65-F5344CB8AC3E}">
+        <p14:creationId xmlns:p14="http://schemas.microsoft.com/office/powerpoint/2010/main" val="2674162411"/>
+      </p:ext>
+    </p:extLst>
+  </p:cSld>
+  <p:clrMapOvr>
+    <a:masterClrMapping/>
+  </p:clrMapOvr>
+</p:notes>
+</file>
+
+<file path=ppt/notesSlides/notesSlide19.xml><?xml version="1.0" encoding="utf-8"?>
+<p:notes xmlns:a="http://schemas.openxmlformats.org/drawingml/2006/main" xmlns:r="http://schemas.openxmlformats.org/officeDocument/2006/relationships" xmlns:p="http://schemas.openxmlformats.org/presentationml/2006/main">
+  <p:cSld>
+    <p:spTree>
+      <p:nvGrpSpPr>
+        <p:cNvPr id="1" name="">
+          <a:extLst>
+            <a:ext uri="{FF2B5EF4-FFF2-40B4-BE49-F238E27FC236}">
+              <a16:creationId xmlns:a16="http://schemas.microsoft.com/office/drawing/2014/main" id="{3EFA9C9E-4768-F9E1-582E-2F9379D4BB52}"/>
+            </a:ext>
+          </a:extLst>
+        </p:cNvPr>
+        <p:cNvGrpSpPr/>
+        <p:nvPr/>
+      </p:nvGrpSpPr>
+      <p:grpSpPr>
+        <a:xfrm>
+          <a:off x="0" y="0"/>
+          <a:ext cx="0" cy="0"/>
+          <a:chOff x="0" y="0"/>
+          <a:chExt cx="0" cy="0"/>
+        </a:xfrm>
+      </p:grpSpPr>
+      <p:sp>
+        <p:nvSpPr>
+          <p:cNvPr id="2" name="Slide Image Placeholder 1">
+            <a:extLst>
+              <a:ext uri="{FF2B5EF4-FFF2-40B4-BE49-F238E27FC236}">
+                <a16:creationId xmlns:a16="http://schemas.microsoft.com/office/drawing/2014/main" id="{3A85D2D9-E1E2-8707-2E7C-41DDEFABEE5B}"/>
+              </a:ext>
+            </a:extLst>
+          </p:cNvPr>
+          <p:cNvSpPr>
+            <a:spLocks noGrp="1" noRot="1" noChangeAspect="1"/>
+          </p:cNvSpPr>
+          <p:nvPr>
+            <p:ph type="sldImg"/>
+          </p:nvPr>
+        </p:nvSpPr>
+        <p:spPr/>
+      </p:sp>
+      <p:sp>
+        <p:nvSpPr>
+          <p:cNvPr id="3" name="Notes Placeholder 2">
+            <a:extLst>
+              <a:ext uri="{FF2B5EF4-FFF2-40B4-BE49-F238E27FC236}">
+                <a16:creationId xmlns:a16="http://schemas.microsoft.com/office/drawing/2014/main" id="{6BCBC533-FEF9-5EEB-EEC7-06AA7FEE70A4}"/>
+              </a:ext>
+            </a:extLst>
+          </p:cNvPr>
+          <p:cNvSpPr>
+            <a:spLocks noGrp="1"/>
+          </p:cNvSpPr>
+          <p:nvPr>
+            <p:ph type="body" idx="1"/>
+          </p:nvPr>
+        </p:nvSpPr>
+        <p:spPr/>
+        <p:txBody>
+          <a:bodyPr/>
+          <a:lstStyle/>
+          <a:p>
+            <a:endParaRPr lang="en-US" dirty="0"/>
+          </a:p>
+        </p:txBody>
+      </p:sp>
+      <p:sp>
+        <p:nvSpPr>
+          <p:cNvPr id="4" name="Slide Number Placeholder 3">
+            <a:extLst>
+              <a:ext uri="{FF2B5EF4-FFF2-40B4-BE49-F238E27FC236}">
+                <a16:creationId xmlns:a16="http://schemas.microsoft.com/office/drawing/2014/main" id="{B00E235C-7290-FB5B-1C5A-30F767E60494}"/>
+              </a:ext>
+            </a:extLst>
+          </p:cNvPr>
+          <p:cNvSpPr>
+            <a:spLocks noGrp="1"/>
+          </p:cNvSpPr>
+          <p:nvPr>
+            <p:ph type="sldNum" sz="quarter" idx="5"/>
+          </p:nvPr>
+        </p:nvSpPr>
+        <p:spPr/>
+        <p:txBody>
+          <a:bodyPr/>
+          <a:lstStyle/>
+          <a:p>
+            <a:fld id="{629B2FD9-4971-7F46-8C2A-9BDAB78084B9}" type="slidenum">
+              <a:rPr lang="en-US" smtClean="0"/>
+              <a:t>21</a:t>
+            </a:fld>
+            <a:endParaRPr lang="en-US"/>
+          </a:p>
+        </p:txBody>
+      </p:sp>
+    </p:spTree>
+    <p:extLst>
+      <p:ext uri="{BB962C8B-B14F-4D97-AF65-F5344CB8AC3E}">
+        <p14:creationId xmlns:p14="http://schemas.microsoft.com/office/powerpoint/2010/main" val="4261350997"/>
       </p:ext>
     </p:extLst>
   </p:cSld>
@@ -1524,6 +1743,114 @@
     <p:extLst>
       <p:ext uri="{BB962C8B-B14F-4D97-AF65-F5344CB8AC3E}">
         <p14:creationId xmlns:p14="http://schemas.microsoft.com/office/powerpoint/2010/main" val="2849095353"/>
+      </p:ext>
+    </p:extLst>
+  </p:cSld>
+  <p:clrMapOvr>
+    <a:masterClrMapping/>
+  </p:clrMapOvr>
+</p:notes>
+</file>
+
+<file path=ppt/notesSlides/notesSlide20.xml><?xml version="1.0" encoding="utf-8"?>
+<p:notes xmlns:a="http://schemas.openxmlformats.org/drawingml/2006/main" xmlns:r="http://schemas.openxmlformats.org/officeDocument/2006/relationships" xmlns:p="http://schemas.openxmlformats.org/presentationml/2006/main">
+  <p:cSld>
+    <p:spTree>
+      <p:nvGrpSpPr>
+        <p:cNvPr id="1" name="">
+          <a:extLst>
+            <a:ext uri="{FF2B5EF4-FFF2-40B4-BE49-F238E27FC236}">
+              <a16:creationId xmlns:a16="http://schemas.microsoft.com/office/drawing/2014/main" id="{26515669-400C-86D4-0EBF-F5D7B02701DF}"/>
+            </a:ext>
+          </a:extLst>
+        </p:cNvPr>
+        <p:cNvGrpSpPr/>
+        <p:nvPr/>
+      </p:nvGrpSpPr>
+      <p:grpSpPr>
+        <a:xfrm>
+          <a:off x="0" y="0"/>
+          <a:ext cx="0" cy="0"/>
+          <a:chOff x="0" y="0"/>
+          <a:chExt cx="0" cy="0"/>
+        </a:xfrm>
+      </p:grpSpPr>
+      <p:sp>
+        <p:nvSpPr>
+          <p:cNvPr id="2" name="Slide Image Placeholder 1">
+            <a:extLst>
+              <a:ext uri="{FF2B5EF4-FFF2-40B4-BE49-F238E27FC236}">
+                <a16:creationId xmlns:a16="http://schemas.microsoft.com/office/drawing/2014/main" id="{5F0C5B5F-5F97-3DF5-FE90-AD54A3BEA361}"/>
+              </a:ext>
+            </a:extLst>
+          </p:cNvPr>
+          <p:cNvSpPr>
+            <a:spLocks noGrp="1" noRot="1" noChangeAspect="1"/>
+          </p:cNvSpPr>
+          <p:nvPr>
+            <p:ph type="sldImg"/>
+          </p:nvPr>
+        </p:nvSpPr>
+        <p:spPr/>
+      </p:sp>
+      <p:sp>
+        <p:nvSpPr>
+          <p:cNvPr id="3" name="Notes Placeholder 2">
+            <a:extLst>
+              <a:ext uri="{FF2B5EF4-FFF2-40B4-BE49-F238E27FC236}">
+                <a16:creationId xmlns:a16="http://schemas.microsoft.com/office/drawing/2014/main" id="{A38C54EE-CEFE-C756-C711-771CAEFEE186}"/>
+              </a:ext>
+            </a:extLst>
+          </p:cNvPr>
+          <p:cNvSpPr>
+            <a:spLocks noGrp="1"/>
+          </p:cNvSpPr>
+          <p:nvPr>
+            <p:ph type="body" idx="1"/>
+          </p:nvPr>
+        </p:nvSpPr>
+        <p:spPr/>
+        <p:txBody>
+          <a:bodyPr/>
+          <a:lstStyle/>
+          <a:p>
+            <a:endParaRPr lang="en-US" dirty="0"/>
+          </a:p>
+        </p:txBody>
+      </p:sp>
+      <p:sp>
+        <p:nvSpPr>
+          <p:cNvPr id="4" name="Slide Number Placeholder 3">
+            <a:extLst>
+              <a:ext uri="{FF2B5EF4-FFF2-40B4-BE49-F238E27FC236}">
+                <a16:creationId xmlns:a16="http://schemas.microsoft.com/office/drawing/2014/main" id="{C558DFB6-259B-EED7-BA58-06D4E12390D7}"/>
+              </a:ext>
+            </a:extLst>
+          </p:cNvPr>
+          <p:cNvSpPr>
+            <a:spLocks noGrp="1"/>
+          </p:cNvSpPr>
+          <p:nvPr>
+            <p:ph type="sldNum" sz="quarter" idx="5"/>
+          </p:nvPr>
+        </p:nvSpPr>
+        <p:spPr/>
+        <p:txBody>
+          <a:bodyPr/>
+          <a:lstStyle/>
+          <a:p>
+            <a:fld id="{629B2FD9-4971-7F46-8C2A-9BDAB78084B9}" type="slidenum">
+              <a:rPr lang="en-US" smtClean="0"/>
+              <a:t>22</a:t>
+            </a:fld>
+            <a:endParaRPr lang="en-US"/>
+          </a:p>
+        </p:txBody>
+      </p:sp>
+    </p:spTree>
+    <p:extLst>
+      <p:ext uri="{BB962C8B-B14F-4D97-AF65-F5344CB8AC3E}">
+        <p14:creationId xmlns:p14="http://schemas.microsoft.com/office/powerpoint/2010/main" val="2335631223"/>
       </p:ext>
     </p:extLst>
   </p:cSld>
@@ -6158,7 +6485,7 @@
         <p:spPr/>
         <p:txBody>
           <a:bodyPr>
-            <a:normAutofit/>
+            <a:normAutofit lnSpcReduction="10000"/>
           </a:bodyPr>
           <a:lstStyle/>
           <a:p>
@@ -6219,7 +6546,13 @@
           <a:p>
             <a:r>
               <a:rPr lang="en-US" dirty="0"/>
-              <a:t>Step4: install needed modules</a:t>
+              <a:t>Step4: test run by tweaking the input file</a:t>
+            </a:r>
+          </a:p>
+          <a:p>
+            <a:r>
+              <a:rPr lang="en-US" dirty="0"/>
+              <a:t>Step5: install needed modules</a:t>
             </a:r>
           </a:p>
           <a:p>
@@ -6230,12 +6563,20 @@
             </a:r>
             <a:r>
               <a:rPr lang="en-US" b="1" i="1" dirty="0"/>
-              <a:t>-core install </a:t>
+              <a:t>-core modules install </a:t>
             </a:r>
             <a:r>
               <a:rPr lang="en-US" b="1" i="1" dirty="0" err="1"/>
               <a:t>fastqc</a:t>
             </a:r>
+            <a:r>
+              <a:rPr lang="en-US" b="1" i="1" dirty="0"/>
+              <a:t> </a:t>
+            </a:r>
+            <a:r>
+              <a:rPr lang="en-US" dirty="0"/>
+              <a:t>(pre-installed)</a:t>
+            </a:r>
             <a:endParaRPr lang="en-US" b="1" i="1" dirty="0"/>
           </a:p>
           <a:p>
@@ -6246,7 +6587,7 @@
             </a:r>
             <a:r>
               <a:rPr lang="en-US" b="1" i="1" dirty="0"/>
-              <a:t>-core install </a:t>
+              <a:t>-core modules install </a:t>
             </a:r>
             <a:r>
               <a:rPr lang="en-US" b="1" i="1" dirty="0" err="1"/>
@@ -6262,18 +6603,26 @@
             </a:r>
             <a:r>
               <a:rPr lang="en-US" b="1" i="1" dirty="0"/>
-              <a:t>-core install </a:t>
+              <a:t>-core modules install </a:t>
             </a:r>
             <a:r>
               <a:rPr lang="en-US" b="1" i="1" dirty="0" err="1"/>
               <a:t>multiqc</a:t>
             </a:r>
+            <a:r>
+              <a:rPr lang="en-US" b="1" i="1" dirty="0"/>
+              <a:t> </a:t>
+            </a:r>
+            <a:r>
+              <a:rPr lang="en-US" dirty="0"/>
+              <a:t>(pre-installed)</a:t>
+            </a:r>
             <a:endParaRPr lang="en-US" b="1" i="1" dirty="0"/>
           </a:p>
           <a:p>
             <a:r>
               <a:rPr lang="en-US" dirty="0"/>
-              <a:t>Step5: put back selected non-essential parts</a:t>
+              <a:t>Step6: put back selected non-essential parts</a:t>
             </a:r>
           </a:p>
           <a:p>
@@ -6590,8 +6939,8 @@
         </p:nvSpPr>
         <p:spPr>
           <a:xfrm>
-            <a:off x="7031447" y="1546802"/>
-            <a:ext cx="4408943" cy="1882198"/>
+            <a:off x="5943600" y="1552980"/>
+            <a:ext cx="5890054" cy="1882198"/>
           </a:xfrm>
           <a:prstGeom prst="rect">
             <a:avLst/>
@@ -6631,7 +6980,7 @@
             </a:pPr>
             <a:r>
               <a:rPr lang="en-US" sz="1600" dirty="0"/>
-              <a:t>Basic utils: version, check </a:t>
+              <a:t>Basic checks: version, check </a:t>
             </a:r>
             <a:r>
               <a:rPr lang="en-US" sz="1600" dirty="0" err="1"/>
@@ -6651,12 +7000,21 @@
               <a:t>Parameter validation: against “</a:t>
             </a:r>
             <a:r>
-              <a:rPr lang="en-US" sz="1600" i="1" dirty="0" err="1"/>
+              <a:rPr lang="en-US" sz="1600" b="1" i="1" dirty="0" err="1"/>
               <a:t>nextflow_schema.json</a:t>
             </a:r>
             <a:r>
               <a:rPr lang="en-US" sz="1600" i="1" dirty="0"/>
               <a:t>”</a:t>
+            </a:r>
+          </a:p>
+          <a:p>
+            <a:pPr marL="800100" lvl="1" indent="-342900">
+              <a:buAutoNum type="arabicPeriod"/>
+            </a:pPr>
+            <a:r>
+              <a:rPr lang="en-US" sz="1600" dirty="0"/>
+              <a:t>Parameter validation: CLI positional argument format</a:t>
             </a:r>
           </a:p>
           <a:p>
@@ -6696,8 +7054,8 @@
         </p:nvCxnSpPr>
         <p:spPr>
           <a:xfrm flipH="1">
-            <a:off x="4582391" y="2487901"/>
-            <a:ext cx="2449056" cy="764454"/>
+            <a:off x="4224045" y="2494079"/>
+            <a:ext cx="1719555" cy="764454"/>
           </a:xfrm>
           <a:prstGeom prst="straightConnector1">
             <a:avLst/>
@@ -6738,7 +7096,7 @@
         </p:nvSpPr>
         <p:spPr>
           <a:xfrm>
-            <a:off x="7031447" y="3581255"/>
+            <a:off x="7031447" y="3885730"/>
             <a:ext cx="4408943" cy="668627"/>
           </a:xfrm>
           <a:prstGeom prst="rect">
@@ -6796,8 +7154,8 @@
         </p:nvCxnSpPr>
         <p:spPr>
           <a:xfrm flipH="1">
-            <a:off x="3647209" y="3915569"/>
-            <a:ext cx="3384238" cy="697995"/>
+            <a:off x="3844636" y="4220044"/>
+            <a:ext cx="3186811" cy="345254"/>
           </a:xfrm>
           <a:prstGeom prst="straightConnector1">
             <a:avLst/>
@@ -6989,7 +7347,7 @@
           <a:p>
             <a:r>
               <a:rPr lang="en-US" dirty="0"/>
-              <a:t>Step3: let’s focus on the most essentials first!</a:t>
+              <a:t>Step3: comment out non-essential parts !</a:t>
             </a:r>
             <a:endParaRPr lang="en-US" dirty="0">
               <a:highlight>
@@ -7017,8 +7375,8 @@
         </p:nvSpPr>
         <p:spPr>
           <a:xfrm>
-            <a:off x="838200" y="1825626"/>
-            <a:ext cx="10515600" cy="1208520"/>
+            <a:off x="1122407" y="1784496"/>
+            <a:ext cx="4166287" cy="1208520"/>
           </a:xfrm>
         </p:spPr>
         <p:txBody>
@@ -7056,14 +7414,71 @@
               <a:t>PIPELINE_COMPLETION</a:t>
             </a:r>
           </a:p>
-        </p:txBody>
-      </p:sp>
-      <p:sp>
-        <p:nvSpPr>
-          <p:cNvPr id="5" name="Rectangle 4">
-            <a:extLst>
-              <a:ext uri="{FF2B5EF4-FFF2-40B4-BE49-F238E27FC236}">
-                <a16:creationId xmlns:a16="http://schemas.microsoft.com/office/drawing/2014/main" id="{76E7D5D9-7545-F3F9-8FE6-5998EE5BC946}"/>
+          <a:p>
+            <a:endParaRPr lang="en-US" dirty="0">
+              <a:solidFill>
+                <a:schemeClr val="bg2">
+                  <a:lumMod val="75000"/>
+                </a:schemeClr>
+              </a:solidFill>
+            </a:endParaRPr>
+          </a:p>
+          <a:p>
+            <a:endParaRPr lang="en-US" dirty="0">
+              <a:solidFill>
+                <a:schemeClr val="bg2">
+                  <a:lumMod val="75000"/>
+                </a:schemeClr>
+              </a:solidFill>
+            </a:endParaRPr>
+          </a:p>
+          <a:p>
+            <a:endParaRPr lang="en-US" dirty="0">
+              <a:solidFill>
+                <a:schemeClr val="bg2">
+                  <a:lumMod val="75000"/>
+                </a:schemeClr>
+              </a:solidFill>
+            </a:endParaRPr>
+          </a:p>
+        </p:txBody>
+      </p:sp>
+      <p:pic>
+        <p:nvPicPr>
+          <p:cNvPr id="7" name="Picture 6">
+            <a:extLst>
+              <a:ext uri="{FF2B5EF4-FFF2-40B4-BE49-F238E27FC236}">
+                <a16:creationId xmlns:a16="http://schemas.microsoft.com/office/drawing/2014/main" id="{82F67D47-47F1-FFE4-B27D-B024F1678996}"/>
+              </a:ext>
+            </a:extLst>
+          </p:cNvPr>
+          <p:cNvPicPr>
+            <a:picLocks noChangeAspect="1"/>
+          </p:cNvPicPr>
+          <p:nvPr/>
+        </p:nvPicPr>
+        <p:blipFill>
+          <a:blip r:embed="rId3"/>
+          <a:stretch>
+            <a:fillRect/>
+          </a:stretch>
+        </p:blipFill>
+        <p:spPr>
+          <a:xfrm>
+            <a:off x="6180105" y="1554764"/>
+            <a:ext cx="5027477" cy="4961435"/>
+          </a:xfrm>
+          <a:prstGeom prst="rect">
+            <a:avLst/>
+          </a:prstGeom>
+        </p:spPr>
+      </p:pic>
+      <p:sp>
+        <p:nvSpPr>
+          <p:cNvPr id="8" name="Rectangle 7">
+            <a:extLst>
+              <a:ext uri="{FF2B5EF4-FFF2-40B4-BE49-F238E27FC236}">
+                <a16:creationId xmlns:a16="http://schemas.microsoft.com/office/drawing/2014/main" id="{7E56FCED-382E-1028-E09B-98C963B0DBF6}"/>
               </a:ext>
             </a:extLst>
           </p:cNvPr>
@@ -7072,8 +7487,8 @@
         </p:nvSpPr>
         <p:spPr>
           <a:xfrm>
-            <a:off x="370875" y="4518602"/>
-            <a:ext cx="4408943" cy="1882198"/>
+            <a:off x="1122407" y="3450215"/>
+            <a:ext cx="4693150" cy="2820238"/>
           </a:xfrm>
           <a:prstGeom prst="rect">
             <a:avLst/>
@@ -7102,150 +7517,68 @@
           <a:bodyPr rtlCol="0" anchor="ctr"/>
           <a:lstStyle/>
           <a:p>
-            <a:pPr marL="342900" indent="-342900">
-              <a:buAutoNum type="arabicPeriod"/>
-            </a:pPr>
-            <a:r>
-              <a:rPr lang="en-US" dirty="0"/>
-              <a:t>update </a:t>
-            </a:r>
-            <a:r>
-              <a:rPr lang="en-US" dirty="0" err="1"/>
-              <a:t>max_cpus</a:t>
-            </a:r>
-            <a:r>
-              <a:rPr lang="en-US" dirty="0"/>
-              <a:t>. </a:t>
-            </a:r>
-            <a:r>
-              <a:rPr lang="en-US" dirty="0" err="1"/>
-              <a:t>etc</a:t>
-            </a:r>
-            <a:r>
-              <a:rPr lang="en-US" dirty="0"/>
-              <a:t> in </a:t>
-            </a:r>
-            <a:r>
-              <a:rPr lang="en-US" dirty="0" err="1"/>
-              <a:t>nextflow.config</a:t>
-            </a:r>
-            <a:endParaRPr lang="en-US" dirty="0"/>
-          </a:p>
-          <a:p>
-            <a:pPr marL="342900" indent="-342900">
-              <a:buAutoNum type="arabicPeriod"/>
-            </a:pPr>
+            <a:r>
+              <a:rPr lang="en-US" sz="1600" dirty="0"/>
+              <a:t>A practical tip is to comment out non-essential parts in </a:t>
+            </a:r>
+            <a:r>
+              <a:rPr lang="en-US" sz="1600" b="1" dirty="0" err="1"/>
+              <a:t>main.nf</a:t>
+            </a:r>
             <a:r>
               <a:rPr lang="en-US" sz="1600" b="1" dirty="0"/>
-              <a:t>input, </a:t>
-            </a:r>
-            <a:r>
-              <a:rPr lang="en-US" sz="1600" b="1" dirty="0" err="1"/>
-              <a:t>outdir</a:t>
-            </a:r>
-            <a:endParaRPr lang="en-US" sz="1600" b="1" dirty="0"/>
-          </a:p>
-          <a:p>
-            <a:pPr marL="342900" indent="-342900">
-              <a:buAutoNum type="arabicPeriod"/>
-            </a:pPr>
-            <a:r>
-              <a:rPr lang="en-US" sz="1600" b="1" dirty="0" err="1"/>
-              <a:t>outDir</a:t>
+              <a:t> </a:t>
+            </a:r>
+            <a:r>
+              <a:rPr lang="en-US" sz="1600" dirty="0"/>
+              <a:t>and focus solely on the main workflow logic (</a:t>
             </a:r>
             <a:r>
               <a:rPr lang="en-US" sz="1600" b="1" dirty="0"/>
-              <a:t> to results</a:t>
-            </a:r>
-          </a:p>
-          <a:p>
-            <a:pPr marL="342900" indent="-342900">
-              <a:buAutoNum type="arabicPeriod"/>
-            </a:pPr>
+              <a:t>TEST_PREPROCESS</a:t>
+            </a:r>
+            <a:r>
+              <a:rPr lang="en-US" sz="1600" dirty="0"/>
+              <a:t>). </a:t>
+            </a:r>
+          </a:p>
+          <a:p>
+            <a:endParaRPr lang="en-US" sz="1600" dirty="0"/>
+          </a:p>
+          <a:p>
+            <a:r>
+              <a:rPr lang="en-US" sz="1600" dirty="0"/>
+              <a:t>This approach minimizes distractions and enables quicker turnaround.</a:t>
+            </a:r>
+          </a:p>
+          <a:p>
+            <a:endParaRPr lang="en-US" sz="1600" dirty="0"/>
+          </a:p>
+          <a:p>
             <a:r>
               <a:rPr lang="en-US" sz="1600" b="1" dirty="0"/>
-              <a:t>turn off </a:t>
-            </a:r>
-            <a:r>
-              <a:rPr lang="en-US" sz="1600" b="1" dirty="0" err="1"/>
-              <a:t>validateParameter</a:t>
+              <a:t>TEST_PREOPROCESS </a:t>
+            </a:r>
+            <a:r>
+              <a:rPr lang="en-US" sz="1600" dirty="0"/>
+              <a:t>wraps the </a:t>
             </a:r>
             <a:r>
               <a:rPr lang="en-US" sz="1600" b="1" dirty="0"/>
-              <a:t> in </a:t>
-            </a:r>
-            <a:r>
-              <a:rPr lang="en-US" sz="1600" b="1" dirty="0" err="1"/>
-              <a:t>nextflow.config</a:t>
+              <a:t>PREPROCESS</a:t>
+            </a:r>
+            <a:r>
+              <a:rPr lang="en-US" sz="1600" dirty="0"/>
+              <a:t> workflow. We could replace it with </a:t>
             </a:r>
             <a:r>
               <a:rPr lang="en-US" sz="1600" b="1" dirty="0"/>
-              <a:t> as there seems to be a bug there.</a:t>
-            </a:r>
-          </a:p>
-          <a:p>
-            <a:pPr marL="342900" indent="-342900">
-              <a:buAutoNum type="arabicPeriod"/>
-            </a:pPr>
-            <a:r>
-              <a:rPr lang="en-US" sz="1600" b="1" dirty="0"/>
-              <a:t>plugin folder: /Users/</a:t>
-            </a:r>
-            <a:r>
-              <a:rPr lang="en-US" sz="1600" b="1" dirty="0" err="1"/>
-              <a:t>kaihu</a:t>
-            </a:r>
-            <a:r>
-              <a:rPr lang="en-US" sz="1600" b="1" dirty="0"/>
-              <a:t>/.</a:t>
-            </a:r>
-            <a:r>
-              <a:rPr lang="en-US" sz="1600" b="1" dirty="0" err="1"/>
-              <a:t>nextflow</a:t>
-            </a:r>
-            <a:r>
-              <a:rPr lang="en-US" sz="1600" b="1" dirty="0"/>
-              <a:t>/plugins/nf-schema-2.1.1/classes/</a:t>
-            </a:r>
-            <a:r>
-              <a:rPr lang="en-US" sz="1600" b="1" dirty="0" err="1"/>
-              <a:t>nextflow</a:t>
-            </a:r>
-            <a:r>
-              <a:rPr lang="en-US" sz="1600" b="1" dirty="0"/>
-              <a:t>/validation</a:t>
-            </a:r>
-          </a:p>
-          <a:p>
-            <a:pPr marL="342900" indent="-342900">
-              <a:buAutoNum type="arabicPeriod"/>
-            </a:pPr>
-            <a:r>
-              <a:rPr lang="en-US" sz="1600" b="1" dirty="0"/>
-              <a:t>Turn on profile arm if running on M chip</a:t>
-            </a:r>
-          </a:p>
-          <a:p>
-            <a:pPr marL="342900" indent="-342900">
-              <a:buAutoNum type="arabicPeriod"/>
-            </a:pPr>
-            <a:endParaRPr lang="en-US" sz="1600" b="1" dirty="0"/>
-          </a:p>
-          <a:p>
-            <a:r>
-              <a:rPr lang="en-US" sz="1600" b="1" dirty="0"/>
-              <a:t>More on meta map: </a:t>
-            </a:r>
-            <a:r>
-              <a:rPr lang="en-US" sz="1600" b="1" dirty="0">
-                <a:hlinkClick r:id="rId3"/>
-              </a:rPr>
-              <a:t>https://nf-co.re/docs/contributing/components/meta_map</a:t>
-            </a:r>
-            <a:endParaRPr lang="en-US" sz="1600" b="1" dirty="0"/>
-          </a:p>
-          <a:p>
-            <a:endParaRPr lang="en-US" sz="1600" b="1" dirty="0"/>
+              <a:t>PREPROCESS</a:t>
+            </a:r>
+            <a:r>
+              <a:rPr lang="en-US" sz="1600" dirty="0"/>
+              <a:t>, but let’s stick with the TEMPLATE for now.</a:t>
+            </a:r>
           </a:p>
         </p:txBody>
       </p:sp>
@@ -7270,7 +7603,7 @@
         <p:cNvPr id="1" name="">
           <a:extLst>
             <a:ext uri="{FF2B5EF4-FFF2-40B4-BE49-F238E27FC236}">
-              <a16:creationId xmlns:a16="http://schemas.microsoft.com/office/drawing/2014/main" id="{D5C2CECE-E2B2-32DC-A76D-E7B1DFF063A1}"/>
+              <a16:creationId xmlns:a16="http://schemas.microsoft.com/office/drawing/2014/main" id="{E0B7C77F-AD83-BB6F-6E12-701B9318D859}"/>
             </a:ext>
           </a:extLst>
         </p:cNvPr>
@@ -7290,7 +7623,7 @@
           <p:cNvPr id="2" name="Title 1">
             <a:extLst>
               <a:ext uri="{FF2B5EF4-FFF2-40B4-BE49-F238E27FC236}">
-                <a16:creationId xmlns:a16="http://schemas.microsoft.com/office/drawing/2014/main" id="{D1607E04-0D18-03C2-0F56-020230A0FC98}"/>
+                <a16:creationId xmlns:a16="http://schemas.microsoft.com/office/drawing/2014/main" id="{FC305780-2672-E51A-4DE9-79B3E66235A2}"/>
               </a:ext>
             </a:extLst>
           </p:cNvPr>
@@ -7308,7 +7641,7 @@
           <a:p>
             <a:r>
               <a:rPr lang="en-US" dirty="0"/>
-              <a:t>Step3: let’s focus on the most essentials first!</a:t>
+              <a:t>TEST_PREPROCESS: zoom in</a:t>
             </a:r>
             <a:endParaRPr lang="en-US" dirty="0">
               <a:highlight>
@@ -7318,71 +7651,72 @@
           </a:p>
         </p:txBody>
       </p:sp>
-      <p:sp>
-        <p:nvSpPr>
-          <p:cNvPr id="3" name="Content Placeholder 2">
-            <a:extLst>
-              <a:ext uri="{FF2B5EF4-FFF2-40B4-BE49-F238E27FC236}">
-                <a16:creationId xmlns:a16="http://schemas.microsoft.com/office/drawing/2014/main" id="{C5E51768-F7EF-CE82-DFA8-6EC30F2EF966}"/>
-              </a:ext>
-            </a:extLst>
-          </p:cNvPr>
-          <p:cNvSpPr>
-            <a:spLocks noGrp="1"/>
-          </p:cNvSpPr>
-          <p:nvPr>
-            <p:ph idx="1"/>
-          </p:nvPr>
-        </p:nvSpPr>
+      <p:pic>
+        <p:nvPicPr>
+          <p:cNvPr id="6" name="Picture 5">
+            <a:extLst>
+              <a:ext uri="{FF2B5EF4-FFF2-40B4-BE49-F238E27FC236}">
+                <a16:creationId xmlns:a16="http://schemas.microsoft.com/office/drawing/2014/main" id="{22F16B4B-FACF-E462-DE3B-5F6196AAB74A}"/>
+              </a:ext>
+            </a:extLst>
+          </p:cNvPr>
+          <p:cNvPicPr>
+            <a:picLocks noChangeAspect="1"/>
+          </p:cNvPicPr>
+          <p:nvPr/>
+        </p:nvPicPr>
+        <p:blipFill>
+          <a:blip r:embed="rId3"/>
+          <a:stretch>
+            <a:fillRect/>
+          </a:stretch>
+        </p:blipFill>
         <p:spPr>
           <a:xfrm>
-            <a:off x="838200" y="1825626"/>
-            <a:ext cx="10515600" cy="1208520"/>
+            <a:off x="1405401" y="1438921"/>
+            <a:ext cx="3558747" cy="2417997"/>
           </a:xfrm>
+          <a:prstGeom prst="rect">
+            <a:avLst/>
+          </a:prstGeom>
         </p:spPr>
-        <p:txBody>
-          <a:bodyPr>
-            <a:normAutofit fontScale="92500" lnSpcReduction="20000"/>
-          </a:bodyPr>
-          <a:lstStyle/>
-          <a:p>
-            <a:r>
-              <a:rPr lang="en-US" dirty="0">
-                <a:solidFill>
-                  <a:schemeClr val="bg2">
-                    <a:lumMod val="75000"/>
-                  </a:schemeClr>
-                </a:solidFill>
-              </a:rPr>
-              <a:t>PIPELINE_INITIALISATION</a:t>
-            </a:r>
-          </a:p>
-          <a:p>
-            <a:r>
-              <a:rPr lang="en-US" dirty="0"/>
-              <a:t>TEST_PREPROCESS</a:t>
-            </a:r>
-          </a:p>
-          <a:p>
-            <a:r>
-              <a:rPr lang="en-US" dirty="0">
-                <a:solidFill>
-                  <a:schemeClr val="bg2">
-                    <a:lumMod val="75000"/>
-                  </a:schemeClr>
-                </a:solidFill>
-              </a:rPr>
-              <a:t>PIPELINE_COMPLETION</a:t>
-            </a:r>
-          </a:p>
-        </p:txBody>
-      </p:sp>
-      <p:sp>
-        <p:nvSpPr>
-          <p:cNvPr id="5" name="Rectangle 4">
-            <a:extLst>
-              <a:ext uri="{FF2B5EF4-FFF2-40B4-BE49-F238E27FC236}">
-                <a16:creationId xmlns:a16="http://schemas.microsoft.com/office/drawing/2014/main" id="{38E78DD2-DA98-F406-1453-4187536FB90E}"/>
+      </p:pic>
+      <p:pic>
+        <p:nvPicPr>
+          <p:cNvPr id="9" name="Picture 8">
+            <a:extLst>
+              <a:ext uri="{FF2B5EF4-FFF2-40B4-BE49-F238E27FC236}">
+                <a16:creationId xmlns:a16="http://schemas.microsoft.com/office/drawing/2014/main" id="{D88D46C3-B0B0-536E-9308-462FCBE4F9BF}"/>
+              </a:ext>
+            </a:extLst>
+          </p:cNvPr>
+          <p:cNvPicPr>
+            <a:picLocks noChangeAspect="1"/>
+          </p:cNvPicPr>
+          <p:nvPr/>
+        </p:nvPicPr>
+        <p:blipFill>
+          <a:blip r:embed="rId4"/>
+          <a:stretch>
+            <a:fillRect/>
+          </a:stretch>
+        </p:blipFill>
+        <p:spPr>
+          <a:xfrm>
+            <a:off x="6096000" y="1611608"/>
+            <a:ext cx="4999518" cy="4490619"/>
+          </a:xfrm>
+          <a:prstGeom prst="rect">
+            <a:avLst/>
+          </a:prstGeom>
+        </p:spPr>
+      </p:pic>
+      <p:sp>
+        <p:nvSpPr>
+          <p:cNvPr id="10" name="Rectangle 9">
+            <a:extLst>
+              <a:ext uri="{FF2B5EF4-FFF2-40B4-BE49-F238E27FC236}">
+                <a16:creationId xmlns:a16="http://schemas.microsoft.com/office/drawing/2014/main" id="{C9C2CD5D-D317-ADD9-C281-3F7D20D1FC82}"/>
               </a:ext>
             </a:extLst>
           </p:cNvPr>
@@ -7391,8 +7725,8 @@
         </p:nvSpPr>
         <p:spPr>
           <a:xfrm>
-            <a:off x="370875" y="4518602"/>
-            <a:ext cx="4408943" cy="1882198"/>
+            <a:off x="838200" y="3966520"/>
+            <a:ext cx="4693150" cy="2694678"/>
           </a:xfrm>
           <a:prstGeom prst="rect">
             <a:avLst/>
@@ -7421,157 +7755,95 @@
           <a:bodyPr rtlCol="0" anchor="ctr"/>
           <a:lstStyle/>
           <a:p>
-            <a:pPr marL="342900" indent="-342900">
-              <a:buAutoNum type="arabicPeriod"/>
+            <a:r>
+              <a:rPr lang="en-US" sz="1600" b="1" dirty="0"/>
+              <a:t>TEST_PREPROCESS</a:t>
+            </a:r>
+            <a:r>
+              <a:rPr lang="en-US" sz="1600" dirty="0"/>
+              <a:t> wraps </a:t>
+            </a:r>
+            <a:r>
+              <a:rPr lang="en-US" sz="1600" b="1" dirty="0"/>
+              <a:t>PREPROCESS</a:t>
+            </a:r>
+            <a:r>
+              <a:rPr lang="en-US" sz="1600" dirty="0"/>
+              <a:t>.</a:t>
+            </a:r>
+          </a:p>
+          <a:p>
+            <a:endParaRPr lang="en-US" sz="1600" dirty="0"/>
+          </a:p>
+          <a:p>
+            <a:r>
+              <a:rPr lang="en-US" sz="1600" b="1" dirty="0"/>
+              <a:t>PREPROCESS</a:t>
+            </a:r>
+            <a:r>
+              <a:rPr lang="en-US" sz="1600" dirty="0"/>
+              <a:t> consists of the following default modules from </a:t>
+            </a:r>
+            <a:r>
+              <a:rPr lang="en-US" sz="1600" dirty="0" err="1"/>
+              <a:t>nf</a:t>
+            </a:r>
+            <a:r>
+              <a:rPr lang="en-US" sz="1600" dirty="0"/>
+              <a:t>-core:</a:t>
+            </a:r>
+          </a:p>
+          <a:p>
+            <a:pPr marL="742950" lvl="1" indent="-285750">
+              <a:buFont typeface="Arial" panose="020B0604020202020204" pitchFamily="34" charset="0"/>
+              <a:buChar char="•"/>
             </a:pPr>
             <a:r>
-              <a:rPr lang="en-US" dirty="0"/>
-              <a:t>update </a:t>
-            </a:r>
-            <a:r>
-              <a:rPr lang="en-US" dirty="0" err="1"/>
-              <a:t>max_cpus</a:t>
-            </a:r>
-            <a:r>
-              <a:rPr lang="en-US" dirty="0"/>
-              <a:t>. </a:t>
-            </a:r>
-            <a:r>
-              <a:rPr lang="en-US" dirty="0" err="1"/>
-              <a:t>etc</a:t>
-            </a:r>
-            <a:r>
-              <a:rPr lang="en-US" dirty="0"/>
-              <a:t> in </a:t>
-            </a:r>
-            <a:r>
-              <a:rPr lang="en-US" dirty="0" err="1"/>
-              <a:t>nextflow.config</a:t>
-            </a:r>
-            <a:endParaRPr lang="en-US" dirty="0"/>
-          </a:p>
-          <a:p>
-            <a:pPr marL="342900" indent="-342900">
-              <a:buAutoNum type="arabicPeriod"/>
+              <a:rPr lang="en-US" sz="1600" b="1" dirty="0"/>
+              <a:t>FASTQC</a:t>
+            </a:r>
+          </a:p>
+          <a:p>
+            <a:pPr marL="742950" lvl="1" indent="-285750">
+              <a:buFont typeface="Arial" panose="020B0604020202020204" pitchFamily="34" charset="0"/>
+              <a:buChar char="•"/>
             </a:pPr>
             <a:r>
               <a:rPr lang="en-US" sz="1600" b="1" dirty="0"/>
-              <a:t>input, </a:t>
-            </a:r>
-            <a:r>
-              <a:rPr lang="en-US" sz="1600" b="1" dirty="0" err="1"/>
-              <a:t>outdir</a:t>
-            </a:r>
-            <a:endParaRPr lang="en-US" sz="1600" b="1" dirty="0"/>
-          </a:p>
-          <a:p>
-            <a:pPr marL="342900" indent="-342900">
-              <a:buAutoNum type="arabicPeriod"/>
-            </a:pPr>
-            <a:r>
-              <a:rPr lang="en-US" sz="1600" b="1" dirty="0" err="1"/>
-              <a:t>outDir</a:t>
+              <a:t>MULTIQC</a:t>
+            </a:r>
+          </a:p>
+          <a:p>
+            <a:endParaRPr lang="en-US" sz="1600" dirty="0"/>
+          </a:p>
+          <a:p>
+            <a:r>
+              <a:rPr lang="en-US" sz="1600" dirty="0"/>
+              <a:t>Line 27-28, 42, 53-52 are related to </a:t>
             </a:r>
             <a:r>
               <a:rPr lang="en-US" sz="1600" b="1" dirty="0"/>
-              <a:t> to results</a:t>
-            </a:r>
-          </a:p>
-          <a:p>
-            <a:pPr marL="342900" indent="-342900">
-              <a:buAutoNum type="arabicPeriod"/>
-            </a:pPr>
+              <a:t>MULTIQC</a:t>
+            </a:r>
+            <a:r>
+              <a:rPr lang="en-US" sz="1600" dirty="0"/>
+              <a:t> module: </a:t>
+            </a:r>
             <a:r>
               <a:rPr lang="en-US" sz="1600" b="1" dirty="0"/>
-              <a:t>turn off </a:t>
-            </a:r>
-            <a:r>
-              <a:rPr lang="en-US" sz="1600" b="1" dirty="0" err="1"/>
-              <a:t>validateParameter</a:t>
-            </a:r>
-            <a:r>
-              <a:rPr lang="en-US" sz="1600" b="1" dirty="0"/>
-              <a:t> in </a:t>
-            </a:r>
-            <a:r>
-              <a:rPr lang="en-US" sz="1600" b="1" dirty="0" err="1"/>
-              <a:t>nextflow.config</a:t>
-            </a:r>
-            <a:r>
-              <a:rPr lang="en-US" sz="1600" b="1" dirty="0"/>
-              <a:t> as there seems to be a bug there.</a:t>
-            </a:r>
-          </a:p>
-          <a:p>
-            <a:pPr marL="342900" indent="-342900">
-              <a:buAutoNum type="arabicPeriod"/>
-            </a:pPr>
-            <a:r>
-              <a:rPr lang="en-US" sz="1600" b="1" dirty="0"/>
-              <a:t>plugin folder: /Users/</a:t>
-            </a:r>
-            <a:r>
-              <a:rPr lang="en-US" sz="1600" b="1" dirty="0" err="1"/>
-              <a:t>kaihu</a:t>
-            </a:r>
-            <a:r>
-              <a:rPr lang="en-US" sz="1600" b="1" dirty="0"/>
-              <a:t>/.</a:t>
-            </a:r>
-            <a:r>
-              <a:rPr lang="en-US" sz="1600" b="1" dirty="0" err="1"/>
-              <a:t>nextflow</a:t>
-            </a:r>
-            <a:r>
-              <a:rPr lang="en-US" sz="1600" b="1" dirty="0"/>
-              <a:t>/plugins/nf-schema-2.1.1/classes/</a:t>
-            </a:r>
-            <a:r>
-              <a:rPr lang="en-US" sz="1600" b="1" dirty="0" err="1"/>
-              <a:t>nextflow</a:t>
-            </a:r>
-            <a:r>
-              <a:rPr lang="en-US" sz="1600" b="1" dirty="0"/>
-              <a:t>/validation</a:t>
-            </a:r>
-          </a:p>
-          <a:p>
-            <a:pPr marL="342900" indent="-342900">
-              <a:buAutoNum type="arabicPeriod"/>
-            </a:pPr>
-            <a:r>
-              <a:rPr lang="en-US" sz="1600" b="1" dirty="0"/>
-              <a:t>Turn on profile arm if running on M chip</a:t>
-            </a:r>
-          </a:p>
-          <a:p>
-            <a:pPr marL="342900" indent="-342900">
-              <a:buAutoNum type="arabicPeriod"/>
-            </a:pPr>
-            <a:endParaRPr lang="en-US" sz="1600" b="1" dirty="0"/>
-          </a:p>
-          <a:p>
-            <a:r>
-              <a:rPr lang="en-US" sz="1600" b="1" dirty="0"/>
-              <a:t>More on meta map: </a:t>
-            </a:r>
-            <a:r>
-              <a:rPr lang="en-US" sz="1600" b="1" dirty="0">
-                <a:hlinkClick r:id="rId3"/>
-              </a:rPr>
-              <a:t>https://nf-co.re/docs/contributing/components/meta_map</a:t>
-            </a:r>
-            <a:endParaRPr lang="en-US" sz="1600" b="1" dirty="0"/>
-          </a:p>
-          <a:p>
-            <a:endParaRPr lang="en-US" sz="1600" b="1" dirty="0"/>
+              <a:t>MULTIQC</a:t>
+            </a:r>
+            <a:r>
+              <a:rPr lang="en-US" sz="1600" dirty="0"/>
+              <a:t> needs to be properly configured: worth its own topic.</a:t>
+            </a:r>
           </a:p>
         </p:txBody>
       </p:sp>
     </p:spTree>
     <p:extLst>
       <p:ext uri="{BB962C8B-B14F-4D97-AF65-F5344CB8AC3E}">
-        <p14:creationId xmlns:p14="http://schemas.microsoft.com/office/powerpoint/2010/main" val="2944826318"/>
+        <p14:creationId xmlns:p14="http://schemas.microsoft.com/office/powerpoint/2010/main" val="2591858396"/>
       </p:ext>
     </p:extLst>
   </p:cSld>
@@ -7589,7 +7861,7 @@
         <p:cNvPr id="1" name="">
           <a:extLst>
             <a:ext uri="{FF2B5EF4-FFF2-40B4-BE49-F238E27FC236}">
-              <a16:creationId xmlns:a16="http://schemas.microsoft.com/office/drawing/2014/main" id="{D62E697A-1AAB-E120-9D55-A3F331CA49C8}"/>
+              <a16:creationId xmlns:a16="http://schemas.microsoft.com/office/drawing/2014/main" id="{E433D895-3E4C-970E-6F2D-3EDD5E3BF5BF}"/>
             </a:ext>
           </a:extLst>
         </p:cNvPr>
@@ -7609,7 +7881,7 @@
           <p:cNvPr id="2" name="Title 1">
             <a:extLst>
               <a:ext uri="{FF2B5EF4-FFF2-40B4-BE49-F238E27FC236}">
-                <a16:creationId xmlns:a16="http://schemas.microsoft.com/office/drawing/2014/main" id="{90E174EA-9B71-6568-8AEA-7147BD99346C}"/>
+                <a16:creationId xmlns:a16="http://schemas.microsoft.com/office/drawing/2014/main" id="{550BF929-181B-DA9F-5B7C-551552BC173F}"/>
               </a:ext>
             </a:extLst>
           </p:cNvPr>
@@ -7627,139 +7899,526 @@
           <a:p>
             <a:r>
               <a:rPr lang="en-US" dirty="0"/>
-              <a:t>Agenda</a:t>
-            </a:r>
-          </a:p>
-        </p:txBody>
-      </p:sp>
-      <p:sp>
-        <p:nvSpPr>
-          <p:cNvPr id="3" name="Content Placeholder 2">
-            <a:extLst>
-              <a:ext uri="{FF2B5EF4-FFF2-40B4-BE49-F238E27FC236}">
-                <a16:creationId xmlns:a16="http://schemas.microsoft.com/office/drawing/2014/main" id="{3C394E21-7DC4-1858-3042-238E35E01793}"/>
-              </a:ext>
-            </a:extLst>
-          </p:cNvPr>
-          <p:cNvSpPr>
-            <a:spLocks noGrp="1"/>
-          </p:cNvSpPr>
-          <p:nvPr>
-            <p:ph idx="1"/>
-          </p:nvPr>
-        </p:nvSpPr>
-        <p:spPr/>
-        <p:txBody>
-          <a:bodyPr/>
-          <a:lstStyle/>
-          <a:p>
-            <a:r>
-              <a:rPr lang="en-US" dirty="0"/>
-              <a:t>Review of core </a:t>
+              <a:t>Step4: test run by tweaking the input file</a:t>
+            </a:r>
+          </a:p>
+        </p:txBody>
+      </p:sp>
+      <p:pic>
+        <p:nvPicPr>
+          <p:cNvPr id="6" name="Picture 5">
+            <a:extLst>
+              <a:ext uri="{FF2B5EF4-FFF2-40B4-BE49-F238E27FC236}">
+                <a16:creationId xmlns:a16="http://schemas.microsoft.com/office/drawing/2014/main" id="{D0A59B80-1D41-A822-E618-03A15D0CD873}"/>
+              </a:ext>
+            </a:extLst>
+          </p:cNvPr>
+          <p:cNvPicPr>
+            <a:picLocks noChangeAspect="1"/>
+          </p:cNvPicPr>
+          <p:nvPr/>
+        </p:nvPicPr>
+        <p:blipFill>
+          <a:blip r:embed="rId3"/>
+          <a:stretch>
+            <a:fillRect/>
+          </a:stretch>
+        </p:blipFill>
+        <p:spPr>
+          <a:xfrm>
+            <a:off x="773819" y="1493920"/>
+            <a:ext cx="5043616" cy="1038151"/>
+          </a:xfrm>
+          <a:prstGeom prst="rect">
+            <a:avLst/>
+          </a:prstGeom>
+        </p:spPr>
+      </p:pic>
+      <p:sp>
+        <p:nvSpPr>
+          <p:cNvPr id="7" name="Rectangle 6">
+            <a:extLst>
+              <a:ext uri="{FF2B5EF4-FFF2-40B4-BE49-F238E27FC236}">
+                <a16:creationId xmlns:a16="http://schemas.microsoft.com/office/drawing/2014/main" id="{C45F969A-45F8-9D5B-E945-7268D1B82D10}"/>
+              </a:ext>
+            </a:extLst>
+          </p:cNvPr>
+          <p:cNvSpPr/>
+          <p:nvPr/>
+        </p:nvSpPr>
+        <p:spPr>
+          <a:xfrm>
+            <a:off x="6315917" y="1495876"/>
+            <a:ext cx="4408943" cy="1325563"/>
+          </a:xfrm>
+          <a:prstGeom prst="rect">
+            <a:avLst/>
+          </a:prstGeom>
+          <a:ln>
+            <a:solidFill>
+              <a:srgbClr val="FF0000"/>
+            </a:solidFill>
+          </a:ln>
+        </p:spPr>
+        <p:style>
+          <a:lnRef idx="2">
+            <a:schemeClr val="accent2"/>
+          </a:lnRef>
+          <a:fillRef idx="1">
+            <a:schemeClr val="lt1"/>
+          </a:fillRef>
+          <a:effectRef idx="0">
+            <a:schemeClr val="accent2"/>
+          </a:effectRef>
+          <a:fontRef idx="minor">
+            <a:schemeClr val="dk1"/>
+          </a:fontRef>
+        </p:style>
+        <p:txBody>
+          <a:bodyPr rtlCol="0" anchor="ctr"/>
+          <a:lstStyle/>
+          <a:p>
+            <a:pPr marL="342900" indent="-342900">
+              <a:buFont typeface="+mj-lt"/>
+              <a:buAutoNum type="arabicPeriod"/>
+            </a:pPr>
+            <a:r>
+              <a:rPr lang="en-US" sz="1600" dirty="0"/>
+              <a:t>First download a minimal test </a:t>
+            </a:r>
+            <a:r>
+              <a:rPr lang="en-US" sz="1600" dirty="0" err="1"/>
+              <a:t>fq</a:t>
+            </a:r>
+            <a:r>
+              <a:rPr lang="en-US" sz="1600" dirty="0"/>
+              <a:t> folder:</a:t>
+            </a:r>
+          </a:p>
+          <a:p>
+            <a:pPr marL="800100" lvl="1" indent="-342900">
+              <a:buFont typeface="Arial" panose="020B0604020202020204" pitchFamily="34" charset="0"/>
+              <a:buChar char="•"/>
+            </a:pPr>
+            <a:r>
+              <a:rPr lang="en-US" sz="1600" dirty="0">
+                <a:hlinkClick r:id="rId4"/>
+              </a:rPr>
+              <a:t>https://github.com/hukai916/nextflow_learn/tree/main/fq</a:t>
+            </a:r>
+            <a:endParaRPr lang="en-US" sz="1600" dirty="0"/>
+          </a:p>
+          <a:p>
+            <a:pPr marL="342900" indent="-342900">
+              <a:buFont typeface="+mj-lt"/>
+              <a:buAutoNum type="arabicPeriod"/>
+            </a:pPr>
+            <a:r>
+              <a:rPr lang="en-US" sz="1600" dirty="0"/>
+              <a:t>Test by replacing the default input with </a:t>
+            </a:r>
+            <a:r>
+              <a:rPr lang="en-US" sz="1600" b="1" dirty="0" err="1"/>
+              <a:t>Channel.fromFilePairs</a:t>
+            </a:r>
+            <a:r>
+              <a:rPr lang="en-US" sz="1600" b="1" dirty="0"/>
+              <a:t>()</a:t>
+            </a:r>
+          </a:p>
+        </p:txBody>
+      </p:sp>
+      <p:pic>
+        <p:nvPicPr>
+          <p:cNvPr id="8" name="Picture 7">
+            <a:extLst>
+              <a:ext uri="{FF2B5EF4-FFF2-40B4-BE49-F238E27FC236}">
+                <a16:creationId xmlns:a16="http://schemas.microsoft.com/office/drawing/2014/main" id="{ACD37B81-385D-47F6-E975-A12DDAFEE2D9}"/>
+              </a:ext>
+            </a:extLst>
+          </p:cNvPr>
+          <p:cNvPicPr>
+            <a:picLocks noChangeAspect="1"/>
+          </p:cNvPicPr>
+          <p:nvPr/>
+        </p:nvPicPr>
+        <p:blipFill>
+          <a:blip r:embed="rId5"/>
+          <a:stretch>
+            <a:fillRect/>
+          </a:stretch>
+        </p:blipFill>
+        <p:spPr>
+          <a:xfrm>
+            <a:off x="5641459" y="3298071"/>
+            <a:ext cx="5932258" cy="3380680"/>
+          </a:xfrm>
+          <a:prstGeom prst="rect">
+            <a:avLst/>
+          </a:prstGeom>
+        </p:spPr>
+      </p:pic>
+      <p:sp>
+        <p:nvSpPr>
+          <p:cNvPr id="9" name="Down Arrow 8">
+            <a:extLst>
+              <a:ext uri="{FF2B5EF4-FFF2-40B4-BE49-F238E27FC236}">
+                <a16:creationId xmlns:a16="http://schemas.microsoft.com/office/drawing/2014/main" id="{7578F3A6-A9C2-B5A0-3754-364C743579AB}"/>
+              </a:ext>
+            </a:extLst>
+          </p:cNvPr>
+          <p:cNvSpPr/>
+          <p:nvPr/>
+        </p:nvSpPr>
+        <p:spPr>
+          <a:xfrm>
+            <a:off x="3773850" y="2888522"/>
+            <a:ext cx="667265" cy="451022"/>
+          </a:xfrm>
+          <a:prstGeom prst="downArrow">
+            <a:avLst/>
+          </a:prstGeom>
+        </p:spPr>
+        <p:style>
+          <a:lnRef idx="2">
+            <a:schemeClr val="accent2">
+              <a:shade val="15000"/>
+            </a:schemeClr>
+          </a:lnRef>
+          <a:fillRef idx="1">
+            <a:schemeClr val="accent2"/>
+          </a:fillRef>
+          <a:effectRef idx="0">
+            <a:schemeClr val="accent2"/>
+          </a:effectRef>
+          <a:fontRef idx="minor">
+            <a:schemeClr val="lt1"/>
+          </a:fontRef>
+        </p:style>
+        <p:txBody>
+          <a:bodyPr rtlCol="0" anchor="ctr"/>
+          <a:lstStyle/>
+          <a:p>
+            <a:pPr algn="ctr"/>
+            <a:endParaRPr lang="en-US"/>
+          </a:p>
+        </p:txBody>
+      </p:sp>
+      <p:sp>
+        <p:nvSpPr>
+          <p:cNvPr id="11" name="TextBox 10">
+            <a:extLst>
+              <a:ext uri="{FF2B5EF4-FFF2-40B4-BE49-F238E27FC236}">
+                <a16:creationId xmlns:a16="http://schemas.microsoft.com/office/drawing/2014/main" id="{E3EC2587-A60C-0F40-E906-00004D1B625B}"/>
+              </a:ext>
+            </a:extLst>
+          </p:cNvPr>
+          <p:cNvSpPr txBox="1"/>
+          <p:nvPr/>
+        </p:nvSpPr>
+        <p:spPr>
+          <a:xfrm>
+            <a:off x="875902" y="3700377"/>
+            <a:ext cx="4412024" cy="369332"/>
+          </a:xfrm>
+          <a:prstGeom prst="rect">
+            <a:avLst/>
+          </a:prstGeom>
+          <a:noFill/>
+        </p:spPr>
+        <p:txBody>
+          <a:bodyPr wrap="square">
+            <a:spAutoFit/>
+          </a:bodyPr>
+          <a:lstStyle/>
+          <a:p>
+            <a:r>
+              <a:rPr lang="en-US" b="1" i="1" dirty="0"/>
+              <a:t> </a:t>
+            </a:r>
+            <a:r>
+              <a:rPr lang="en-US" b="1" i="1" dirty="0" err="1"/>
+              <a:t>nextflow</a:t>
+            </a:r>
+            <a:r>
+              <a:rPr lang="en-US" b="1" i="1" dirty="0"/>
+              <a:t> run </a:t>
+            </a:r>
+            <a:r>
+              <a:rPr lang="en-US" b="1" i="1" dirty="0" err="1"/>
+              <a:t>main.nf</a:t>
+            </a:r>
+            <a:r>
+              <a:rPr lang="en-US" b="1" i="1" dirty="0"/>
+              <a:t> -profile </a:t>
+            </a:r>
+            <a:r>
+              <a:rPr lang="en-US" b="1" i="1" dirty="0" err="1"/>
+              <a:t>docker,arm</a:t>
+            </a:r>
+            <a:endParaRPr lang="en-US" b="1" i="1" dirty="0"/>
+          </a:p>
+        </p:txBody>
+      </p:sp>
+      <p:sp>
+        <p:nvSpPr>
+          <p:cNvPr id="12" name="Down Arrow 11">
+            <a:extLst>
+              <a:ext uri="{FF2B5EF4-FFF2-40B4-BE49-F238E27FC236}">
+                <a16:creationId xmlns:a16="http://schemas.microsoft.com/office/drawing/2014/main" id="{F4B017FF-43A4-E2E2-62BA-DBF70F7E5F96}"/>
+              </a:ext>
+            </a:extLst>
+          </p:cNvPr>
+          <p:cNvSpPr/>
+          <p:nvPr/>
+        </p:nvSpPr>
+        <p:spPr>
+          <a:xfrm rot="18228026">
+            <a:off x="4702600" y="3954137"/>
+            <a:ext cx="589149" cy="910562"/>
+          </a:xfrm>
+          <a:prstGeom prst="downArrow">
+            <a:avLst/>
+          </a:prstGeom>
+        </p:spPr>
+        <p:style>
+          <a:lnRef idx="2">
+            <a:schemeClr val="accent2">
+              <a:shade val="15000"/>
+            </a:schemeClr>
+          </a:lnRef>
+          <a:fillRef idx="1">
+            <a:schemeClr val="accent2"/>
+          </a:fillRef>
+          <a:effectRef idx="0">
+            <a:schemeClr val="accent2"/>
+          </a:effectRef>
+          <a:fontRef idx="minor">
+            <a:schemeClr val="lt1"/>
+          </a:fontRef>
+        </p:style>
+        <p:txBody>
+          <a:bodyPr rtlCol="0" anchor="ctr"/>
+          <a:lstStyle/>
+          <a:p>
+            <a:pPr algn="ctr"/>
+            <a:endParaRPr lang="en-US"/>
+          </a:p>
+        </p:txBody>
+      </p:sp>
+      <p:sp>
+        <p:nvSpPr>
+          <p:cNvPr id="13" name="Rectangle 12">
+            <a:extLst>
+              <a:ext uri="{FF2B5EF4-FFF2-40B4-BE49-F238E27FC236}">
+                <a16:creationId xmlns:a16="http://schemas.microsoft.com/office/drawing/2014/main" id="{718BF434-4A1F-F0ED-66D3-B27D6352BC18}"/>
+              </a:ext>
+            </a:extLst>
+          </p:cNvPr>
+          <p:cNvSpPr/>
+          <p:nvPr/>
+        </p:nvSpPr>
+        <p:spPr>
+          <a:xfrm>
+            <a:off x="773819" y="4970544"/>
+            <a:ext cx="4616190" cy="1632919"/>
+          </a:xfrm>
+          <a:prstGeom prst="rect">
+            <a:avLst/>
+          </a:prstGeom>
+          <a:ln>
+            <a:solidFill>
+              <a:srgbClr val="FF0000"/>
+            </a:solidFill>
+          </a:ln>
+        </p:spPr>
+        <p:style>
+          <a:lnRef idx="2">
+            <a:schemeClr val="accent2"/>
+          </a:lnRef>
+          <a:fillRef idx="1">
+            <a:schemeClr val="lt1"/>
+          </a:fillRef>
+          <a:effectRef idx="0">
+            <a:schemeClr val="accent2"/>
+          </a:effectRef>
+          <a:fontRef idx="minor">
+            <a:schemeClr val="dk1"/>
+          </a:fontRef>
+        </p:style>
+        <p:txBody>
+          <a:bodyPr rtlCol="0" anchor="ctr"/>
+          <a:lstStyle/>
+          <a:p>
+            <a:r>
+              <a:rPr lang="en-US" sz="1600" b="1" dirty="0"/>
+              <a:t>FASTQC</a:t>
+            </a:r>
+            <a:r>
+              <a:rPr lang="en-US" sz="1600" dirty="0"/>
+              <a:t> module complains about missing “id”.  To debug: read </a:t>
+            </a:r>
+            <a:r>
+              <a:rPr lang="en-US" sz="1600" b="1" dirty="0"/>
+              <a:t>FASTQC</a:t>
+            </a:r>
+            <a:r>
+              <a:rPr lang="en-US" sz="1600" dirty="0"/>
+              <a:t> input requirements in the module definition file and/or the parameter </a:t>
+            </a:r>
+            <a:r>
+              <a:rPr lang="en-US" sz="1600" dirty="0" err="1"/>
+              <a:t>yaml</a:t>
+            </a:r>
+            <a:r>
+              <a:rPr lang="en-US" sz="1600" dirty="0"/>
+              <a:t> file:</a:t>
+            </a:r>
+          </a:p>
+          <a:p>
+            <a:pPr marL="742950" lvl="1" indent="-285750">
+              <a:buFont typeface="Arial" panose="020B0604020202020204" pitchFamily="34" charset="0"/>
+              <a:buChar char="•"/>
+            </a:pPr>
+            <a:r>
+              <a:rPr lang="en-US" sz="1600" dirty="0"/>
+              <a:t>modules/</a:t>
+            </a:r>
+            <a:r>
+              <a:rPr lang="en-US" sz="1600" dirty="0" err="1"/>
+              <a:t>nf</a:t>
+            </a:r>
+            <a:r>
+              <a:rPr lang="en-US" sz="1600" dirty="0"/>
+              <a:t>-core/</a:t>
+            </a:r>
+            <a:r>
+              <a:rPr lang="en-US" sz="1600" dirty="0" err="1"/>
+              <a:t>fastqc</a:t>
+            </a:r>
+            <a:r>
+              <a:rPr lang="en-US" sz="1600" dirty="0"/>
+              <a:t>/</a:t>
+            </a:r>
+            <a:r>
+              <a:rPr lang="en-US" sz="1600" dirty="0" err="1"/>
+              <a:t>main.nf</a:t>
+            </a:r>
+            <a:endParaRPr lang="en-US" sz="1600" dirty="0"/>
+          </a:p>
+          <a:p>
+            <a:pPr marL="742950" lvl="1" indent="-285750">
+              <a:buFont typeface="Arial" panose="020B0604020202020204" pitchFamily="34" charset="0"/>
+              <a:buChar char="•"/>
+            </a:pPr>
+            <a:r>
+              <a:rPr lang="en-US" sz="1600" dirty="0"/>
+              <a:t>modules/</a:t>
+            </a:r>
+            <a:r>
+              <a:rPr lang="en-US" sz="1600" dirty="0" err="1"/>
+              <a:t>nf</a:t>
+            </a:r>
+            <a:r>
+              <a:rPr lang="en-US" sz="1600" dirty="0"/>
+              <a:t>-core/</a:t>
+            </a:r>
+            <a:r>
+              <a:rPr lang="en-US" sz="1600" dirty="0" err="1"/>
+              <a:t>fastqc</a:t>
+            </a:r>
+            <a:r>
+              <a:rPr lang="en-US" sz="1600" dirty="0"/>
+              <a:t>/</a:t>
+            </a:r>
+            <a:r>
+              <a:rPr lang="en-US" sz="1600" dirty="0" err="1"/>
+              <a:t>meta.yml</a:t>
+            </a:r>
+            <a:endParaRPr lang="en-US" sz="1600" dirty="0"/>
+          </a:p>
+        </p:txBody>
+      </p:sp>
+      <p:sp>
+        <p:nvSpPr>
+          <p:cNvPr id="14" name="TextBox 13">
+            <a:extLst>
+              <a:ext uri="{FF2B5EF4-FFF2-40B4-BE49-F238E27FC236}">
+                <a16:creationId xmlns:a16="http://schemas.microsoft.com/office/drawing/2014/main" id="{12FE9F2A-0EBA-60CA-1B55-45F1A3969BCB}"/>
+              </a:ext>
+            </a:extLst>
+          </p:cNvPr>
+          <p:cNvSpPr txBox="1"/>
+          <p:nvPr/>
+        </p:nvSpPr>
+        <p:spPr>
+          <a:xfrm>
+            <a:off x="511103" y="2711030"/>
+            <a:ext cx="3137022" cy="1200329"/>
+          </a:xfrm>
+          <a:prstGeom prst="rect">
+            <a:avLst/>
+          </a:prstGeom>
+          <a:noFill/>
+        </p:spPr>
+        <p:txBody>
+          <a:bodyPr wrap="square">
+            <a:spAutoFit/>
+          </a:bodyPr>
+          <a:lstStyle/>
+          <a:p>
+            <a:r>
+              <a:rPr lang="en-US" dirty="0"/>
+              <a:t>Also, update </a:t>
             </a:r>
             <a:r>
               <a:rPr lang="en-US" dirty="0" err="1"/>
-              <a:t>nf</a:t>
-            </a:r>
-            <a:r>
-              <a:rPr lang="en-US" dirty="0"/>
-              <a:t>-core commands</a:t>
-            </a:r>
-          </a:p>
-          <a:p>
+              <a:t>nextflow.config</a:t>
+            </a:r>
+            <a:r>
+              <a:rPr lang="en-US" dirty="0"/>
+              <a:t>:</a:t>
+            </a:r>
+          </a:p>
+          <a:p>
+            <a:pPr marL="285750" indent="-285750">
+              <a:buFont typeface="Arial" panose="020B0604020202020204" pitchFamily="34" charset="0"/>
+              <a:buChar char="•"/>
+            </a:pPr>
+            <a:r>
+              <a:rPr lang="en-US" sz="1800" dirty="0" err="1"/>
+              <a:t>outdir</a:t>
+            </a:r>
+            <a:endParaRPr lang="en-US" sz="1800" dirty="0"/>
+          </a:p>
+          <a:p>
+            <a:pPr marL="285750" indent="-285750">
+              <a:buFont typeface="Arial" panose="020B0604020202020204" pitchFamily="34" charset="0"/>
+              <a:buChar char="•"/>
+            </a:pPr>
             <a:r>
               <a:rPr lang="en-US" dirty="0" err="1"/>
-              <a:t>nf</a:t>
-            </a:r>
-            <a:r>
-              <a:rPr lang="en-US" dirty="0"/>
-              <a:t>-core TEMPLATE architecture</a:t>
-            </a:r>
-          </a:p>
-          <a:p>
+              <a:t>max_cpu</a:t>
+            </a:r>
+            <a:r>
+              <a:rPr lang="en-US" dirty="0"/>
+              <a:t>, </a:t>
+            </a:r>
+            <a:r>
+              <a:rPr lang="en-US" dirty="0" err="1"/>
+              <a:t>max_memory</a:t>
+            </a:r>
             <a:endParaRPr lang="en-US" dirty="0"/>
           </a:p>
           <a:p>
-            <a:r>
-              <a:rPr lang="en-US" dirty="0"/>
-              <a:t>Building a toy pipeline by leveraging the </a:t>
-            </a:r>
-            <a:r>
-              <a:rPr lang="en-US" dirty="0" err="1"/>
-              <a:t>nf</a:t>
-            </a:r>
-            <a:r>
-              <a:rPr lang="en-US" dirty="0"/>
-              <a:t>-core facilities</a:t>
-            </a:r>
-          </a:p>
-          <a:p>
-            <a:pPr lvl="1"/>
-            <a:r>
-              <a:rPr lang="en-US" dirty="0"/>
-              <a:t>Environment setup </a:t>
-            </a:r>
-          </a:p>
-          <a:p>
-            <a:pPr lvl="1"/>
-            <a:r>
-              <a:rPr lang="en-US" dirty="0"/>
-              <a:t>Toy pipeline outline: from </a:t>
-            </a:r>
-            <a:r>
-              <a:rPr lang="en-US" dirty="0" err="1"/>
-              <a:t>FastQ</a:t>
-            </a:r>
-            <a:r>
-              <a:rPr lang="en-US" dirty="0"/>
-              <a:t> files -&gt; </a:t>
-            </a:r>
-            <a:r>
-              <a:rPr lang="en-US" dirty="0" err="1"/>
-              <a:t>FastQC</a:t>
-            </a:r>
-            <a:r>
-              <a:rPr lang="en-US" dirty="0"/>
-              <a:t>, </a:t>
-            </a:r>
-            <a:r>
-              <a:rPr lang="en-US" dirty="0" err="1"/>
-              <a:t>cutadat</a:t>
-            </a:r>
-            <a:r>
-              <a:rPr lang="en-US" dirty="0"/>
-              <a:t>, </a:t>
-            </a:r>
-            <a:r>
-              <a:rPr lang="en-US" dirty="0" err="1"/>
-              <a:t>MultiQC</a:t>
-            </a:r>
-            <a:endParaRPr lang="en-US" dirty="0"/>
-          </a:p>
-          <a:p>
-            <a:pPr lvl="1"/>
-            <a:r>
-              <a:rPr lang="en-US" dirty="0"/>
-              <a:t>Practical tips of using the TEMPLATE and the “</a:t>
-            </a:r>
-            <a:r>
-              <a:rPr lang="en-US" dirty="0" err="1"/>
-              <a:t>nf</a:t>
-            </a:r>
-            <a:r>
-              <a:rPr lang="en-US" dirty="0"/>
-              <a:t>-core install” command</a:t>
-            </a:r>
-          </a:p>
-          <a:p>
-            <a:endParaRPr lang="en-US" dirty="0"/>
+            <a:endParaRPr lang="en-US" b="1" i="1" dirty="0"/>
           </a:p>
         </p:txBody>
       </p:sp>
     </p:spTree>
     <p:extLst>
       <p:ext uri="{BB962C8B-B14F-4D97-AF65-F5344CB8AC3E}">
-        <p14:creationId xmlns:p14="http://schemas.microsoft.com/office/powerpoint/2010/main" val="3290798399"/>
+        <p14:creationId xmlns:p14="http://schemas.microsoft.com/office/powerpoint/2010/main" val="2001225665"/>
       </p:ext>
     </p:extLst>
   </p:cSld>
@@ -7777,7 +8436,7 @@
         <p:cNvPr id="1" name="">
           <a:extLst>
             <a:ext uri="{FF2B5EF4-FFF2-40B4-BE49-F238E27FC236}">
-              <a16:creationId xmlns:a16="http://schemas.microsoft.com/office/drawing/2014/main" id="{3FAB085D-705C-2EDB-7DE6-AF34895B4E49}"/>
+              <a16:creationId xmlns:a16="http://schemas.microsoft.com/office/drawing/2014/main" id="{3D231263-B216-9E2C-40CE-25D9775597A7}"/>
             </a:ext>
           </a:extLst>
         </p:cNvPr>
@@ -7797,7 +8456,7 @@
           <p:cNvPr id="2" name="Title 1">
             <a:extLst>
               <a:ext uri="{FF2B5EF4-FFF2-40B4-BE49-F238E27FC236}">
-                <a16:creationId xmlns:a16="http://schemas.microsoft.com/office/drawing/2014/main" id="{13C4B6ED-E3F3-C678-C8BB-C3BDAB3F6A4C}"/>
+                <a16:creationId xmlns:a16="http://schemas.microsoft.com/office/drawing/2014/main" id="{8512BBE0-6D21-7958-E860-08507C64D68C}"/>
               </a:ext>
             </a:extLst>
           </p:cNvPr>
@@ -7815,139 +8474,390 @@
           <a:p>
             <a:r>
               <a:rPr lang="en-US" dirty="0"/>
-              <a:t>Agenda</a:t>
-            </a:r>
-          </a:p>
-        </p:txBody>
-      </p:sp>
-      <p:sp>
-        <p:nvSpPr>
-          <p:cNvPr id="3" name="Content Placeholder 2">
-            <a:extLst>
-              <a:ext uri="{FF2B5EF4-FFF2-40B4-BE49-F238E27FC236}">
-                <a16:creationId xmlns:a16="http://schemas.microsoft.com/office/drawing/2014/main" id="{B27815C2-EB0A-50CF-53BC-A48CD9F22E52}"/>
-              </a:ext>
-            </a:extLst>
-          </p:cNvPr>
-          <p:cNvSpPr>
-            <a:spLocks noGrp="1"/>
-          </p:cNvSpPr>
-          <p:nvPr>
-            <p:ph idx="1"/>
-          </p:nvPr>
-        </p:nvSpPr>
-        <p:spPr/>
-        <p:txBody>
-          <a:bodyPr/>
-          <a:lstStyle/>
-          <a:p>
-            <a:r>
-              <a:rPr lang="en-US" dirty="0"/>
-              <a:t>Review of core </a:t>
-            </a:r>
-            <a:r>
-              <a:rPr lang="en-US" dirty="0" err="1"/>
-              <a:t>nf</a:t>
-            </a:r>
-            <a:r>
-              <a:rPr lang="en-US" dirty="0"/>
-              <a:t>-core commands</a:t>
-            </a:r>
-          </a:p>
-          <a:p>
-            <a:r>
-              <a:rPr lang="en-US" dirty="0" err="1"/>
-              <a:t>nf</a:t>
-            </a:r>
-            <a:r>
-              <a:rPr lang="en-US" dirty="0"/>
-              <a:t>-core TEMPLATE architecture</a:t>
-            </a:r>
-          </a:p>
-          <a:p>
+              <a:t>FASTQC module input requirements</a:t>
+            </a:r>
+          </a:p>
+        </p:txBody>
+      </p:sp>
+      <p:pic>
+        <p:nvPicPr>
+          <p:cNvPr id="3" name="Picture 2">
+            <a:extLst>
+              <a:ext uri="{FF2B5EF4-FFF2-40B4-BE49-F238E27FC236}">
+                <a16:creationId xmlns:a16="http://schemas.microsoft.com/office/drawing/2014/main" id="{D4E36493-E125-6315-5C8E-20F7A7DE360C}"/>
+              </a:ext>
+            </a:extLst>
+          </p:cNvPr>
+          <p:cNvPicPr>
+            <a:picLocks noChangeAspect="1"/>
+          </p:cNvPicPr>
+          <p:nvPr/>
+        </p:nvPicPr>
+        <p:blipFill>
+          <a:blip r:embed="rId3"/>
+          <a:stretch>
+            <a:fillRect/>
+          </a:stretch>
+        </p:blipFill>
+        <p:spPr>
+          <a:xfrm>
+            <a:off x="1122385" y="5096543"/>
+            <a:ext cx="2940908" cy="1591313"/>
+          </a:xfrm>
+          <a:prstGeom prst="rect">
+            <a:avLst/>
+          </a:prstGeom>
+        </p:spPr>
+      </p:pic>
+      <p:pic>
+        <p:nvPicPr>
+          <p:cNvPr id="4" name="Picture 3">
+            <a:extLst>
+              <a:ext uri="{FF2B5EF4-FFF2-40B4-BE49-F238E27FC236}">
+                <a16:creationId xmlns:a16="http://schemas.microsoft.com/office/drawing/2014/main" id="{F13B6D72-620F-2E9D-6D2C-07E2520EEBE7}"/>
+              </a:ext>
+            </a:extLst>
+          </p:cNvPr>
+          <p:cNvPicPr>
+            <a:picLocks noChangeAspect="1"/>
+          </p:cNvPicPr>
+          <p:nvPr/>
+        </p:nvPicPr>
+        <p:blipFill>
+          <a:blip r:embed="rId4"/>
+          <a:stretch>
+            <a:fillRect/>
+          </a:stretch>
+        </p:blipFill>
+        <p:spPr>
+          <a:xfrm>
+            <a:off x="428862" y="1764830"/>
+            <a:ext cx="3991232" cy="2870099"/>
+          </a:xfrm>
+          <a:prstGeom prst="rect">
+            <a:avLst/>
+          </a:prstGeom>
+        </p:spPr>
+      </p:pic>
+      <p:sp>
+        <p:nvSpPr>
+          <p:cNvPr id="5" name="Rectangle 4">
+            <a:extLst>
+              <a:ext uri="{FF2B5EF4-FFF2-40B4-BE49-F238E27FC236}">
+                <a16:creationId xmlns:a16="http://schemas.microsoft.com/office/drawing/2014/main" id="{EBCFC6B9-26FF-05A1-E68C-B3851655E740}"/>
+              </a:ext>
+            </a:extLst>
+          </p:cNvPr>
+          <p:cNvSpPr/>
+          <p:nvPr/>
+        </p:nvSpPr>
+        <p:spPr>
+          <a:xfrm>
+            <a:off x="5852590" y="1408141"/>
+            <a:ext cx="5512927" cy="2758636"/>
+          </a:xfrm>
+          <a:prstGeom prst="rect">
+            <a:avLst/>
+          </a:prstGeom>
+          <a:ln>
+            <a:solidFill>
+              <a:srgbClr val="FF0000"/>
+            </a:solidFill>
+          </a:ln>
+        </p:spPr>
+        <p:style>
+          <a:lnRef idx="2">
+            <a:schemeClr val="accent2"/>
+          </a:lnRef>
+          <a:fillRef idx="1">
+            <a:schemeClr val="lt1"/>
+          </a:fillRef>
+          <a:effectRef idx="0">
+            <a:schemeClr val="accent2"/>
+          </a:effectRef>
+          <a:fontRef idx="minor">
+            <a:schemeClr val="dk1"/>
+          </a:fontRef>
+        </p:style>
+        <p:txBody>
+          <a:bodyPr rtlCol="0" anchor="ctr"/>
+          <a:lstStyle/>
+          <a:p>
+            <a:r>
+              <a:rPr lang="en-US" sz="1600" b="1" dirty="0"/>
+              <a:t>FASTQC </a:t>
+            </a:r>
+            <a:r>
+              <a:rPr lang="en-US" sz="1600" dirty="0"/>
+              <a:t>takes input as a tuple consisting of two elements:</a:t>
+            </a:r>
+          </a:p>
+          <a:p>
+            <a:r>
+              <a:rPr lang="en-US" sz="1600" dirty="0"/>
+              <a:t>[[id:sample1], [reads1, reads2]]</a:t>
+            </a:r>
+          </a:p>
+          <a:p>
+            <a:endParaRPr lang="en-US" sz="1600" dirty="0"/>
+          </a:p>
+          <a:p>
+            <a:r>
+              <a:rPr lang="en-US" sz="1600" dirty="0"/>
+              <a:t>The first element is a groovy map object that should at least contain the “id” key. Whereas </a:t>
+            </a:r>
+            <a:r>
+              <a:rPr lang="en-US" sz="1600" dirty="0" err="1"/>
+              <a:t>Channel.fromFilePairs</a:t>
+            </a:r>
+            <a:r>
+              <a:rPr lang="en-US" sz="1600" dirty="0"/>
+              <a:t>() return a tuple with a single value as its first element:</a:t>
+            </a:r>
+          </a:p>
+          <a:p>
+            <a:r>
+              <a:rPr lang="en-US" sz="1600" dirty="0"/>
+              <a:t>[sample1, [reads1, reads2]]</a:t>
+            </a:r>
+          </a:p>
+          <a:p>
+            <a:endParaRPr lang="en-US" sz="1600" dirty="0"/>
+          </a:p>
+          <a:p>
+            <a:r>
+              <a:rPr lang="en-US" sz="1600" dirty="0"/>
+              <a:t>More on the meta map object: </a:t>
+            </a:r>
+            <a:r>
+              <a:rPr lang="en-US" sz="1600" dirty="0">
+                <a:hlinkClick r:id="rId5"/>
+              </a:rPr>
+              <a:t>https://nf-co.re/docs/contributing/components/meta_map</a:t>
+            </a:r>
+            <a:endParaRPr lang="en-US" sz="1600" dirty="0"/>
+          </a:p>
+        </p:txBody>
+      </p:sp>
+      <p:sp>
+        <p:nvSpPr>
+          <p:cNvPr id="14" name="TextBox 13">
+            <a:extLst>
+              <a:ext uri="{FF2B5EF4-FFF2-40B4-BE49-F238E27FC236}">
+                <a16:creationId xmlns:a16="http://schemas.microsoft.com/office/drawing/2014/main" id="{740FBE26-4F5B-C2A1-D8EA-02F447C391EF}"/>
+              </a:ext>
+            </a:extLst>
+          </p:cNvPr>
+          <p:cNvSpPr txBox="1"/>
+          <p:nvPr/>
+        </p:nvSpPr>
+        <p:spPr>
+          <a:xfrm>
+            <a:off x="428862" y="4727211"/>
+            <a:ext cx="1930743" cy="369332"/>
+          </a:xfrm>
+          <a:prstGeom prst="rect">
+            <a:avLst/>
+          </a:prstGeom>
+          <a:noFill/>
+        </p:spPr>
+        <p:txBody>
+          <a:bodyPr wrap="square">
+            <a:spAutoFit/>
+          </a:bodyPr>
+          <a:lstStyle/>
+          <a:p>
+            <a:r>
+              <a:rPr lang="en-US" sz="1800" dirty="0" err="1"/>
+              <a:t>fastqc</a:t>
+            </a:r>
+            <a:r>
+              <a:rPr lang="en-US" sz="1800" dirty="0"/>
+              <a:t>/</a:t>
+            </a:r>
+            <a:r>
+              <a:rPr lang="en-US" sz="1800" dirty="0" err="1"/>
+              <a:t>meta.yml</a:t>
+            </a:r>
+            <a:r>
+              <a:rPr lang="en-US" sz="1800" dirty="0"/>
+              <a:t>:</a:t>
+            </a:r>
             <a:endParaRPr lang="en-US" dirty="0"/>
           </a:p>
-          <a:p>
-            <a:r>
-              <a:rPr lang="en-US" dirty="0"/>
-              <a:t>Building a toy pipeline by leveraging the </a:t>
-            </a:r>
-            <a:r>
-              <a:rPr lang="en-US" dirty="0" err="1"/>
-              <a:t>nf</a:t>
-            </a:r>
-            <a:r>
-              <a:rPr lang="en-US" dirty="0"/>
-              <a:t>-core facilities</a:t>
-            </a:r>
-          </a:p>
-          <a:p>
-            <a:pPr lvl="1"/>
-            <a:r>
-              <a:rPr lang="en-US" dirty="0"/>
-              <a:t>Environment setup </a:t>
-            </a:r>
-          </a:p>
-          <a:p>
-            <a:pPr lvl="1"/>
-            <a:r>
-              <a:rPr lang="en-US" dirty="0"/>
-              <a:t>Toy pipeline outline: from </a:t>
-            </a:r>
-            <a:r>
-              <a:rPr lang="en-US" dirty="0" err="1"/>
-              <a:t>FastQ</a:t>
-            </a:r>
-            <a:r>
-              <a:rPr lang="en-US" dirty="0"/>
-              <a:t> files -&gt; </a:t>
-            </a:r>
-            <a:r>
-              <a:rPr lang="en-US" dirty="0" err="1"/>
-              <a:t>FastQC</a:t>
-            </a:r>
-            <a:r>
-              <a:rPr lang="en-US" dirty="0"/>
-              <a:t>, </a:t>
-            </a:r>
-            <a:r>
-              <a:rPr lang="en-US" dirty="0" err="1"/>
-              <a:t>cutadat</a:t>
-            </a:r>
-            <a:r>
-              <a:rPr lang="en-US" dirty="0"/>
-              <a:t>, </a:t>
-            </a:r>
-            <a:r>
-              <a:rPr lang="en-US" dirty="0" err="1"/>
-              <a:t>MultiQC</a:t>
+        </p:txBody>
+      </p:sp>
+      <p:sp>
+        <p:nvSpPr>
+          <p:cNvPr id="15" name="TextBox 14">
+            <a:extLst>
+              <a:ext uri="{FF2B5EF4-FFF2-40B4-BE49-F238E27FC236}">
+                <a16:creationId xmlns:a16="http://schemas.microsoft.com/office/drawing/2014/main" id="{6EA51217-2D38-23A2-4885-B69DD4E5C0D1}"/>
+              </a:ext>
+            </a:extLst>
+          </p:cNvPr>
+          <p:cNvSpPr txBox="1"/>
+          <p:nvPr/>
+        </p:nvSpPr>
+        <p:spPr>
+          <a:xfrm>
+            <a:off x="321770" y="1372972"/>
+            <a:ext cx="1930743" cy="369332"/>
+          </a:xfrm>
+          <a:prstGeom prst="rect">
+            <a:avLst/>
+          </a:prstGeom>
+          <a:noFill/>
+        </p:spPr>
+        <p:txBody>
+          <a:bodyPr wrap="square">
+            <a:spAutoFit/>
+          </a:bodyPr>
+          <a:lstStyle/>
+          <a:p>
+            <a:r>
+              <a:rPr lang="en-US" sz="1800" dirty="0" err="1"/>
+              <a:t>fastqc</a:t>
+            </a:r>
+            <a:r>
+              <a:rPr lang="en-US" sz="1800" dirty="0"/>
+              <a:t>/</a:t>
+            </a:r>
+            <a:r>
+              <a:rPr lang="en-US" sz="1800" dirty="0" err="1"/>
+              <a:t>main.nf</a:t>
+            </a:r>
+            <a:r>
+              <a:rPr lang="en-US" sz="1800" dirty="0"/>
+              <a:t>:</a:t>
             </a:r>
             <a:endParaRPr lang="en-US" dirty="0"/>
           </a:p>
-          <a:p>
-            <a:pPr lvl="1"/>
-            <a:r>
-              <a:rPr lang="en-US" dirty="0"/>
-              <a:t>Practical tips of using the TEMPLATE and the “</a:t>
-            </a:r>
-            <a:r>
-              <a:rPr lang="en-US" dirty="0" err="1"/>
-              <a:t>nf</a:t>
-            </a:r>
-            <a:r>
-              <a:rPr lang="en-US" dirty="0"/>
-              <a:t>-core install” command</a:t>
-            </a:r>
-          </a:p>
-          <a:p>
-            <a:endParaRPr lang="en-US" dirty="0"/>
+        </p:txBody>
+      </p:sp>
+      <p:pic>
+        <p:nvPicPr>
+          <p:cNvPr id="16" name="Picture 15">
+            <a:extLst>
+              <a:ext uri="{FF2B5EF4-FFF2-40B4-BE49-F238E27FC236}">
+                <a16:creationId xmlns:a16="http://schemas.microsoft.com/office/drawing/2014/main" id="{63944784-0E35-504C-8A0F-0565DDB7ADC1}"/>
+              </a:ext>
+            </a:extLst>
+          </p:cNvPr>
+          <p:cNvPicPr>
+            <a:picLocks noChangeAspect="1"/>
+          </p:cNvPicPr>
+          <p:nvPr/>
+        </p:nvPicPr>
+        <p:blipFill>
+          <a:blip r:embed="rId6"/>
+          <a:stretch>
+            <a:fillRect/>
+          </a:stretch>
+        </p:blipFill>
+        <p:spPr>
+          <a:xfrm>
+            <a:off x="6425513" y="4300816"/>
+            <a:ext cx="4367082" cy="2222344"/>
+          </a:xfrm>
+          <a:prstGeom prst="rect">
+            <a:avLst/>
+          </a:prstGeom>
+        </p:spPr>
+      </p:pic>
+      <p:sp>
+        <p:nvSpPr>
+          <p:cNvPr id="17" name="TextBox 16">
+            <a:extLst>
+              <a:ext uri="{FF2B5EF4-FFF2-40B4-BE49-F238E27FC236}">
+                <a16:creationId xmlns:a16="http://schemas.microsoft.com/office/drawing/2014/main" id="{9F63DB95-3E32-7503-D36D-73A3E10D8D67}"/>
+              </a:ext>
+            </a:extLst>
+          </p:cNvPr>
+          <p:cNvSpPr txBox="1"/>
+          <p:nvPr/>
+        </p:nvSpPr>
+        <p:spPr>
+          <a:xfrm>
+            <a:off x="5256234" y="5586342"/>
+            <a:ext cx="1169279" cy="369332"/>
+          </a:xfrm>
+          <a:prstGeom prst="rect">
+            <a:avLst/>
+          </a:prstGeom>
+          <a:noFill/>
+        </p:spPr>
+        <p:txBody>
+          <a:bodyPr wrap="square">
+            <a:spAutoFit/>
+          </a:bodyPr>
+          <a:lstStyle/>
+          <a:p>
+            <a:r>
+              <a:rPr lang="en-US" sz="1800" dirty="0"/>
+              <a:t>Quic</a:t>
+            </a:r>
+            <a:r>
+              <a:rPr lang="en-US" dirty="0"/>
+              <a:t>k fix</a:t>
+            </a:r>
+          </a:p>
+        </p:txBody>
+      </p:sp>
+      <p:sp>
+        <p:nvSpPr>
+          <p:cNvPr id="18" name="Left Brace 17">
+            <a:extLst>
+              <a:ext uri="{FF2B5EF4-FFF2-40B4-BE49-F238E27FC236}">
+                <a16:creationId xmlns:a16="http://schemas.microsoft.com/office/drawing/2014/main" id="{A4D1600A-F793-D8B9-4D90-304D59B2A588}"/>
+              </a:ext>
+            </a:extLst>
+          </p:cNvPr>
+          <p:cNvSpPr/>
+          <p:nvPr/>
+        </p:nvSpPr>
+        <p:spPr>
+          <a:xfrm>
+            <a:off x="6891980" y="5413065"/>
+            <a:ext cx="574590" cy="740600"/>
+          </a:xfrm>
+          <a:prstGeom prst="leftBrace">
+            <a:avLst/>
+          </a:prstGeom>
+          <a:noFill/>
+          <a:ln>
+            <a:solidFill>
+              <a:srgbClr val="FF0000"/>
+            </a:solidFill>
+          </a:ln>
+        </p:spPr>
+        <p:style>
+          <a:lnRef idx="3">
+            <a:schemeClr val="accent2"/>
+          </a:lnRef>
+          <a:fillRef idx="0">
+            <a:schemeClr val="accent2"/>
+          </a:fillRef>
+          <a:effectRef idx="2">
+            <a:schemeClr val="accent2"/>
+          </a:effectRef>
+          <a:fontRef idx="minor">
+            <a:schemeClr val="tx1"/>
+          </a:fontRef>
+        </p:style>
+        <p:txBody>
+          <a:bodyPr rtlCol="0" anchor="ctr"/>
+          <a:lstStyle/>
+          <a:p>
+            <a:pPr algn="ctr"/>
+            <a:endParaRPr lang="en-US"/>
           </a:p>
         </p:txBody>
       </p:sp>
     </p:spTree>
     <p:extLst>
       <p:ext uri="{BB962C8B-B14F-4D97-AF65-F5344CB8AC3E}">
-        <p14:creationId xmlns:p14="http://schemas.microsoft.com/office/powerpoint/2010/main" val="4002813814"/>
+        <p14:creationId xmlns:p14="http://schemas.microsoft.com/office/powerpoint/2010/main" val="1369917002"/>
       </p:ext>
     </p:extLst>
   </p:cSld>
@@ -7965,7 +8875,7 @@
         <p:cNvPr id="1" name="">
           <a:extLst>
             <a:ext uri="{FF2B5EF4-FFF2-40B4-BE49-F238E27FC236}">
-              <a16:creationId xmlns:a16="http://schemas.microsoft.com/office/drawing/2014/main" id="{57FD5834-B78F-4A85-8DCE-0B0400D0F92E}"/>
+              <a16:creationId xmlns:a16="http://schemas.microsoft.com/office/drawing/2014/main" id="{6CCE50EF-B81C-F899-E507-8E02C15D82A6}"/>
             </a:ext>
           </a:extLst>
         </p:cNvPr>
@@ -7985,7 +8895,7 @@
           <p:cNvPr id="2" name="Title 1">
             <a:extLst>
               <a:ext uri="{FF2B5EF4-FFF2-40B4-BE49-F238E27FC236}">
-                <a16:creationId xmlns:a16="http://schemas.microsoft.com/office/drawing/2014/main" id="{01E7AFF6-C1EF-5E25-F1F3-AD4737E48D3C}"/>
+                <a16:creationId xmlns:a16="http://schemas.microsoft.com/office/drawing/2014/main" id="{6B42FAB9-5CC8-F933-F75D-8E1C09BB3216}"/>
               </a:ext>
             </a:extLst>
           </p:cNvPr>
@@ -8003,35 +8913,85 @@
           <a:p>
             <a:r>
               <a:rPr lang="en-US" dirty="0"/>
-              <a:t>Agenda</a:t>
-            </a:r>
-          </a:p>
-        </p:txBody>
-      </p:sp>
-      <p:sp>
-        <p:nvSpPr>
-          <p:cNvPr id="3" name="Content Placeholder 2">
-            <a:extLst>
-              <a:ext uri="{FF2B5EF4-FFF2-40B4-BE49-F238E27FC236}">
-                <a16:creationId xmlns:a16="http://schemas.microsoft.com/office/drawing/2014/main" id="{6D3650A7-47B1-2139-3640-3941854C2F86}"/>
-              </a:ext>
-            </a:extLst>
-          </p:cNvPr>
-          <p:cNvSpPr>
-            <a:spLocks noGrp="1"/>
-          </p:cNvSpPr>
-          <p:nvPr>
-            <p:ph idx="1"/>
-          </p:nvPr>
-        </p:nvSpPr>
-        <p:spPr/>
-        <p:txBody>
-          <a:bodyPr/>
-          <a:lstStyle/>
-          <a:p>
-            <a:r>
-              <a:rPr lang="en-US" dirty="0"/>
-              <a:t>Review of core </a:t>
+              <a:t>Step5: install needed modules (</a:t>
+            </a:r>
+            <a:r>
+              <a:rPr lang="en-US" b="1" dirty="0"/>
+              <a:t>CUTADAPT</a:t>
+            </a:r>
+            <a:r>
+              <a:rPr lang="en-US" dirty="0"/>
+              <a:t>)</a:t>
+            </a:r>
+          </a:p>
+        </p:txBody>
+      </p:sp>
+      <p:sp>
+        <p:nvSpPr>
+          <p:cNvPr id="4" name="TextBox 3">
+            <a:extLst>
+              <a:ext uri="{FF2B5EF4-FFF2-40B4-BE49-F238E27FC236}">
+                <a16:creationId xmlns:a16="http://schemas.microsoft.com/office/drawing/2014/main" id="{FEF76D07-819B-16C0-0BD6-DA4E06EEEFAA}"/>
+              </a:ext>
+            </a:extLst>
+          </p:cNvPr>
+          <p:cNvSpPr txBox="1"/>
+          <p:nvPr/>
+        </p:nvSpPr>
+        <p:spPr>
+          <a:xfrm>
+            <a:off x="0" y="2577147"/>
+            <a:ext cx="4534929" cy="2862322"/>
+          </a:xfrm>
+          <a:prstGeom prst="rect">
+            <a:avLst/>
+          </a:prstGeom>
+          <a:noFill/>
+        </p:spPr>
+        <p:txBody>
+          <a:bodyPr wrap="square">
+            <a:spAutoFit/>
+          </a:bodyPr>
+          <a:lstStyle/>
+          <a:p>
+            <a:pPr lvl="1"/>
+            <a:r>
+              <a:rPr lang="en-US" dirty="0"/>
+              <a:t>Command:</a:t>
+            </a:r>
+          </a:p>
+          <a:p>
+            <a:pPr marL="742950" lvl="1" indent="-285750">
+              <a:buFont typeface="Arial" panose="020B0604020202020204" pitchFamily="34" charset="0"/>
+              <a:buChar char="•"/>
+            </a:pPr>
+            <a:r>
+              <a:rPr lang="en-US" b="1" i="1" dirty="0" err="1"/>
+              <a:t>nf</a:t>
+            </a:r>
+            <a:r>
+              <a:rPr lang="en-US" b="1" i="1" dirty="0"/>
+              <a:t>-core modules install </a:t>
+            </a:r>
+            <a:r>
+              <a:rPr lang="en-US" b="1" i="1" dirty="0" err="1"/>
+              <a:t>cutadapt</a:t>
+            </a:r>
+            <a:endParaRPr lang="en-US" b="1" i="1" dirty="0"/>
+          </a:p>
+          <a:p>
+            <a:pPr lvl="1"/>
+            <a:endParaRPr lang="en-US" b="1" i="1" dirty="0"/>
+          </a:p>
+          <a:p>
+            <a:pPr lvl="1"/>
+            <a:r>
+              <a:rPr lang="en-US" b="1" dirty="0"/>
+              <a:t>CUTADAPT </a:t>
+            </a:r>
+            <a:r>
+              <a:rPr lang="en-US" dirty="0"/>
+              <a:t>will be installed at modules/</a:t>
             </a:r>
             <a:r>
               <a:rPr lang="en-US" dirty="0" err="1"/>
@@ -8039,103 +8999,84 @@
             </a:r>
             <a:r>
               <a:rPr lang="en-US" dirty="0"/>
-              <a:t>-core commands</a:t>
-            </a:r>
-          </a:p>
-          <a:p>
+              <a:t>-core/</a:t>
+            </a:r>
             <a:r>
               <a:rPr lang="en-US" dirty="0" err="1"/>
-              <a:t>nf</a:t>
-            </a:r>
-            <a:r>
-              <a:rPr lang="en-US" dirty="0"/>
-              <a:t>-core TEMPLATE architecture</a:t>
-            </a:r>
-          </a:p>
-          <a:p>
-            <a:endParaRPr lang="en-US" dirty="0"/>
-          </a:p>
-          <a:p>
-            <a:r>
-              <a:rPr lang="en-US" dirty="0"/>
-              <a:t>Building a toy pipeline by leveraging the </a:t>
-            </a:r>
-            <a:r>
-              <a:rPr lang="en-US" dirty="0" err="1"/>
-              <a:t>nf</a:t>
-            </a:r>
-            <a:r>
-              <a:rPr lang="en-US" dirty="0"/>
-              <a:t>-core facilities</a:t>
+              <a:t>cutadapt</a:t>
+            </a:r>
+            <a:r>
+              <a:rPr lang="en-US" dirty="0"/>
+              <a:t>/</a:t>
             </a:r>
           </a:p>
           <a:p>
             <a:pPr lvl="1"/>
-            <a:r>
-              <a:rPr lang="en-US" dirty="0"/>
-              <a:t>Environment setup </a:t>
-            </a:r>
+            <a:endParaRPr lang="en-US" b="1" dirty="0"/>
           </a:p>
           <a:p>
             <a:pPr lvl="1"/>
             <a:r>
-              <a:rPr lang="en-US" dirty="0"/>
-              <a:t>Toy pipeline outline: from </a:t>
-            </a:r>
-            <a:r>
-              <a:rPr lang="en-US" dirty="0" err="1"/>
-              <a:t>FastQ</a:t>
-            </a:r>
-            <a:r>
-              <a:rPr lang="en-US" dirty="0"/>
-              <a:t> files -&gt; </a:t>
-            </a:r>
-            <a:r>
-              <a:rPr lang="en-US" dirty="0" err="1"/>
-              <a:t>FastQC</a:t>
-            </a:r>
-            <a:r>
-              <a:rPr lang="en-US" dirty="0"/>
-              <a:t>, </a:t>
-            </a:r>
-            <a:r>
-              <a:rPr lang="en-US" dirty="0" err="1"/>
-              <a:t>cutadat</a:t>
-            </a:r>
-            <a:r>
-              <a:rPr lang="en-US" dirty="0"/>
-              <a:t>, </a:t>
-            </a:r>
-            <a:r>
-              <a:rPr lang="en-US" dirty="0" err="1"/>
-              <a:t>MultiQC</a:t>
-            </a:r>
-            <a:endParaRPr lang="en-US" dirty="0"/>
-          </a:p>
-          <a:p>
-            <a:pPr lvl="1"/>
-            <a:r>
-              <a:rPr lang="en-US" dirty="0"/>
-              <a:t>Practical tips of using the TEMPLATE and the “</a:t>
-            </a:r>
-            <a:r>
-              <a:rPr lang="en-US" dirty="0" err="1"/>
-              <a:t>nf</a:t>
-            </a:r>
-            <a:r>
-              <a:rPr lang="en-US" dirty="0"/>
-              <a:t>-core install” command</a:t>
-            </a:r>
-          </a:p>
-          <a:p>
-            <a:endParaRPr lang="en-US" dirty="0"/>
-          </a:p>
-        </p:txBody>
-      </p:sp>
+              <a:rPr lang="en-US" b="1" dirty="0"/>
+              <a:t>CUTADAPT</a:t>
+            </a:r>
+            <a:r>
+              <a:rPr lang="en-US" dirty="0"/>
+              <a:t> has the same input requirements as </a:t>
+            </a:r>
+            <a:r>
+              <a:rPr lang="en-US" b="1" dirty="0"/>
+              <a:t>FASTQC</a:t>
+            </a:r>
+            <a:r>
+              <a:rPr lang="en-US" dirty="0"/>
+              <a:t>, allowing us to seamlessly integrate it into the </a:t>
+            </a:r>
+            <a:r>
+              <a:rPr lang="en-US" b="1" dirty="0"/>
+              <a:t>PREPROCESS</a:t>
+            </a:r>
+            <a:r>
+              <a:rPr lang="en-US" dirty="0"/>
+              <a:t> pipeline</a:t>
+            </a:r>
+          </a:p>
+        </p:txBody>
+      </p:sp>
+      <p:pic>
+        <p:nvPicPr>
+          <p:cNvPr id="5" name="Picture 4">
+            <a:extLst>
+              <a:ext uri="{FF2B5EF4-FFF2-40B4-BE49-F238E27FC236}">
+                <a16:creationId xmlns:a16="http://schemas.microsoft.com/office/drawing/2014/main" id="{9DD60BE3-F599-059E-D348-8179438AE74B}"/>
+              </a:ext>
+            </a:extLst>
+          </p:cNvPr>
+          <p:cNvPicPr>
+            <a:picLocks noChangeAspect="1"/>
+          </p:cNvPicPr>
+          <p:nvPr/>
+        </p:nvPicPr>
+        <p:blipFill>
+          <a:blip r:embed="rId3"/>
+          <a:stretch>
+            <a:fillRect/>
+          </a:stretch>
+        </p:blipFill>
+        <p:spPr>
+          <a:xfrm>
+            <a:off x="4746952" y="1972383"/>
+            <a:ext cx="7113473" cy="4071849"/>
+          </a:xfrm>
+          <a:prstGeom prst="rect">
+            <a:avLst/>
+          </a:prstGeom>
+        </p:spPr>
+      </p:pic>
     </p:spTree>
     <p:extLst>
       <p:ext uri="{BB962C8B-B14F-4D97-AF65-F5344CB8AC3E}">
-        <p14:creationId xmlns:p14="http://schemas.microsoft.com/office/powerpoint/2010/main" val="1498186426"/>
+        <p14:creationId xmlns:p14="http://schemas.microsoft.com/office/powerpoint/2010/main" val="929299332"/>
       </p:ext>
     </p:extLst>
   </p:cSld>
@@ -8153,7 +9094,7 @@
         <p:cNvPr id="1" name="">
           <a:extLst>
             <a:ext uri="{FF2B5EF4-FFF2-40B4-BE49-F238E27FC236}">
-              <a16:creationId xmlns:a16="http://schemas.microsoft.com/office/drawing/2014/main" id="{FB8DDAD7-B96C-5FC3-E829-87606F0359B3}"/>
+              <a16:creationId xmlns:a16="http://schemas.microsoft.com/office/drawing/2014/main" id="{4A23F9C3-998E-42CE-6F56-64833DEBBF34}"/>
             </a:ext>
           </a:extLst>
         </p:cNvPr>
@@ -8173,7 +9114,7 @@
           <p:cNvPr id="2" name="Title 1">
             <a:extLst>
               <a:ext uri="{FF2B5EF4-FFF2-40B4-BE49-F238E27FC236}">
-                <a16:creationId xmlns:a16="http://schemas.microsoft.com/office/drawing/2014/main" id="{D54EB2EF-6A5C-BFC6-AE76-5959C96D5EB1}"/>
+                <a16:creationId xmlns:a16="http://schemas.microsoft.com/office/drawing/2014/main" id="{6DEF5F32-B07F-CB62-E4C4-F69C6D783DBB}"/>
               </a:ext>
             </a:extLst>
           </p:cNvPr>
@@ -8191,7 +9132,7 @@
           <a:p>
             <a:r>
               <a:rPr lang="en-US" dirty="0"/>
-              <a:t>Pipeline file structure</a:t>
+              <a:t>Step6: put back selected non-essential parts</a:t>
             </a:r>
           </a:p>
         </p:txBody>
@@ -8201,7 +9142,7 @@
           <p:cNvPr id="3" name="Content Placeholder 2">
             <a:extLst>
               <a:ext uri="{FF2B5EF4-FFF2-40B4-BE49-F238E27FC236}">
-                <a16:creationId xmlns:a16="http://schemas.microsoft.com/office/drawing/2014/main" id="{CD32AE86-4390-D69E-A982-8148EED43EB8}"/>
+                <a16:creationId xmlns:a16="http://schemas.microsoft.com/office/drawing/2014/main" id="{10B693F0-ACE2-58BD-5CC7-5DCAF817185A}"/>
               </a:ext>
             </a:extLst>
           </p:cNvPr>
@@ -8212,137 +9153,322 @@
             <p:ph idx="1"/>
           </p:nvPr>
         </p:nvSpPr>
-        <p:spPr/>
-        <p:txBody>
-          <a:bodyPr/>
-          <a:lstStyle/>
-          <a:p>
-            <a:r>
-              <a:rPr lang="en-US" dirty="0"/>
-              <a:t>https://</a:t>
-            </a:r>
-            <a:r>
-              <a:rPr lang="en-US" dirty="0" err="1"/>
-              <a:t>nf-co.re</a:t>
-            </a:r>
-            <a:r>
-              <a:rPr lang="en-US" dirty="0"/>
-              <a:t>/docs/contributing/pipelines/</a:t>
-            </a:r>
-            <a:r>
-              <a:rPr lang="en-US" dirty="0" err="1"/>
-              <a:t>pipeline_file_structure</a:t>
-            </a:r>
-            <a:endParaRPr lang="en-US" dirty="0"/>
-          </a:p>
-          <a:p>
-            <a:r>
-              <a:rPr lang="en-US" dirty="0"/>
-              <a:t>Review of core </a:t>
-            </a:r>
-            <a:r>
-              <a:rPr lang="en-US" dirty="0" err="1"/>
-              <a:t>nf</a:t>
-            </a:r>
-            <a:r>
-              <a:rPr lang="en-US" dirty="0"/>
-              <a:t>-core commands</a:t>
-            </a:r>
-          </a:p>
-          <a:p>
-            <a:r>
-              <a:rPr lang="en-US" dirty="0" err="1"/>
-              <a:t>nf</a:t>
-            </a:r>
-            <a:r>
-              <a:rPr lang="en-US" dirty="0"/>
-              <a:t>-core TEMPLATE architecture</a:t>
-            </a:r>
-          </a:p>
-          <a:p>
-            <a:endParaRPr lang="en-US" dirty="0"/>
-          </a:p>
-          <a:p>
-            <a:r>
-              <a:rPr lang="en-US" dirty="0"/>
-              <a:t>Building a toy pipeline by leveraging the </a:t>
-            </a:r>
-            <a:r>
-              <a:rPr lang="en-US" dirty="0" err="1"/>
-              <a:t>nf</a:t>
-            </a:r>
-            <a:r>
-              <a:rPr lang="en-US" dirty="0"/>
-              <a:t>-core facilities</a:t>
-            </a:r>
-          </a:p>
-          <a:p>
-            <a:pPr lvl="1"/>
-            <a:r>
-              <a:rPr lang="en-US" dirty="0"/>
-              <a:t>Environment setup </a:t>
-            </a:r>
-          </a:p>
-          <a:p>
-            <a:pPr lvl="1"/>
-            <a:r>
-              <a:rPr lang="en-US" dirty="0"/>
-              <a:t>Toy pipeline outline: from </a:t>
-            </a:r>
-            <a:r>
-              <a:rPr lang="en-US" dirty="0" err="1"/>
-              <a:t>FastQ</a:t>
-            </a:r>
-            <a:r>
-              <a:rPr lang="en-US" dirty="0"/>
-              <a:t> files -&gt; </a:t>
-            </a:r>
-            <a:r>
-              <a:rPr lang="en-US" dirty="0" err="1"/>
-              <a:t>FastQC</a:t>
-            </a:r>
-            <a:r>
-              <a:rPr lang="en-US" dirty="0"/>
-              <a:t>, </a:t>
-            </a:r>
-            <a:r>
-              <a:rPr lang="en-US" dirty="0" err="1"/>
-              <a:t>cutadat</a:t>
-            </a:r>
-            <a:r>
-              <a:rPr lang="en-US" dirty="0"/>
-              <a:t>, </a:t>
-            </a:r>
-            <a:r>
-              <a:rPr lang="en-US" dirty="0" err="1"/>
-              <a:t>MultiQC</a:t>
-            </a:r>
-            <a:endParaRPr lang="en-US" dirty="0"/>
-          </a:p>
-          <a:p>
-            <a:pPr lvl="1"/>
-            <a:r>
-              <a:rPr lang="en-US" dirty="0"/>
-              <a:t>Practical tips of using the TEMPLATE and the “</a:t>
-            </a:r>
-            <a:r>
-              <a:rPr lang="en-US" dirty="0" err="1"/>
-              <a:t>nf</a:t>
-            </a:r>
-            <a:r>
-              <a:rPr lang="en-US" dirty="0"/>
-              <a:t>-core install” command</a:t>
-            </a:r>
-          </a:p>
-          <a:p>
-            <a:endParaRPr lang="en-US" dirty="0"/>
+        <p:spPr>
+          <a:xfrm>
+            <a:off x="368791" y="2427048"/>
+            <a:ext cx="4166287" cy="1208520"/>
+          </a:xfrm>
+        </p:spPr>
+        <p:txBody>
+          <a:bodyPr>
+            <a:normAutofit fontScale="85000" lnSpcReduction="20000"/>
+          </a:bodyPr>
+          <a:lstStyle/>
+          <a:p>
+            <a:r>
+              <a:rPr lang="en-US" dirty="0"/>
+              <a:t>PIPELINE_INITIALISATION</a:t>
+            </a:r>
+          </a:p>
+          <a:p>
+            <a:r>
+              <a:rPr lang="en-US" dirty="0"/>
+              <a:t>TEST_PREPROCESS</a:t>
+            </a:r>
+          </a:p>
+          <a:p>
+            <a:r>
+              <a:rPr lang="en-US" dirty="0">
+                <a:solidFill>
+                  <a:schemeClr val="bg2">
+                    <a:lumMod val="75000"/>
+                  </a:schemeClr>
+                </a:solidFill>
+              </a:rPr>
+              <a:t>PIPELINE_COMPLETION</a:t>
+            </a:r>
+          </a:p>
+          <a:p>
+            <a:endParaRPr lang="en-US" dirty="0">
+              <a:solidFill>
+                <a:schemeClr val="bg2">
+                  <a:lumMod val="75000"/>
+                </a:schemeClr>
+              </a:solidFill>
+            </a:endParaRPr>
+          </a:p>
+          <a:p>
+            <a:endParaRPr lang="en-US" dirty="0">
+              <a:solidFill>
+                <a:schemeClr val="bg2">
+                  <a:lumMod val="75000"/>
+                </a:schemeClr>
+              </a:solidFill>
+            </a:endParaRPr>
+          </a:p>
+          <a:p>
+            <a:endParaRPr lang="en-US" dirty="0">
+              <a:solidFill>
+                <a:schemeClr val="bg2">
+                  <a:lumMod val="75000"/>
+                </a:schemeClr>
+              </a:solidFill>
+            </a:endParaRPr>
+          </a:p>
+        </p:txBody>
+      </p:sp>
+      <p:pic>
+        <p:nvPicPr>
+          <p:cNvPr id="6" name="Picture 5">
+            <a:extLst>
+              <a:ext uri="{FF2B5EF4-FFF2-40B4-BE49-F238E27FC236}">
+                <a16:creationId xmlns:a16="http://schemas.microsoft.com/office/drawing/2014/main" id="{267D2408-DFE4-EAC2-30DD-753BB974722D}"/>
+              </a:ext>
+            </a:extLst>
+          </p:cNvPr>
+          <p:cNvPicPr>
+            <a:picLocks noChangeAspect="1"/>
+          </p:cNvPicPr>
+          <p:nvPr/>
+        </p:nvPicPr>
+        <p:blipFill>
+          <a:blip r:embed="rId3"/>
+          <a:stretch>
+            <a:fillRect/>
+          </a:stretch>
+        </p:blipFill>
+        <p:spPr>
+          <a:xfrm>
+            <a:off x="5058680" y="1443553"/>
+            <a:ext cx="5771518" cy="5167312"/>
+          </a:xfrm>
+          <a:prstGeom prst="rect">
+            <a:avLst/>
+          </a:prstGeom>
+        </p:spPr>
+      </p:pic>
+      <p:sp>
+        <p:nvSpPr>
+          <p:cNvPr id="7" name="Content Placeholder 2">
+            <a:extLst>
+              <a:ext uri="{FF2B5EF4-FFF2-40B4-BE49-F238E27FC236}">
+                <a16:creationId xmlns:a16="http://schemas.microsoft.com/office/drawing/2014/main" id="{FE99A02F-ABE6-1E49-016B-8B6D269E7A8F}"/>
+              </a:ext>
+            </a:extLst>
+          </p:cNvPr>
+          <p:cNvSpPr txBox="1">
+            <a:spLocks/>
+          </p:cNvSpPr>
+          <p:nvPr/>
+        </p:nvSpPr>
+        <p:spPr>
+          <a:xfrm>
+            <a:off x="368791" y="4027209"/>
+            <a:ext cx="4400916" cy="1325563"/>
+          </a:xfrm>
+          <a:prstGeom prst="rect">
+            <a:avLst/>
+          </a:prstGeom>
+        </p:spPr>
+        <p:txBody>
+          <a:bodyPr vert="horz" lIns="91440" tIns="45720" rIns="91440" bIns="45720" rtlCol="0">
+            <a:noAutofit/>
+          </a:bodyPr>
+          <a:lstStyle>
+            <a:lvl1pPr marL="228600" indent="-228600" algn="l" defTabSz="914400" rtl="0" eaLnBrk="1" latinLnBrk="0" hangingPunct="1">
+              <a:lnSpc>
+                <a:spcPct val="90000"/>
+              </a:lnSpc>
+              <a:spcBef>
+                <a:spcPts val="1000"/>
+              </a:spcBef>
+              <a:buFont typeface="Arial" panose="020B0604020202020204" pitchFamily="34" charset="0"/>
+              <a:buChar char="•"/>
+              <a:defRPr sz="2800" kern="1200">
+                <a:solidFill>
+                  <a:schemeClr val="tx1"/>
+                </a:solidFill>
+                <a:latin typeface="+mn-lt"/>
+                <a:ea typeface="+mn-ea"/>
+                <a:cs typeface="+mn-cs"/>
+              </a:defRPr>
+            </a:lvl1pPr>
+            <a:lvl2pPr marL="685800" indent="-228600" algn="l" defTabSz="914400" rtl="0" eaLnBrk="1" latinLnBrk="0" hangingPunct="1">
+              <a:lnSpc>
+                <a:spcPct val="90000"/>
+              </a:lnSpc>
+              <a:spcBef>
+                <a:spcPts val="500"/>
+              </a:spcBef>
+              <a:buFont typeface="Arial" panose="020B0604020202020204" pitchFamily="34" charset="0"/>
+              <a:buChar char="•"/>
+              <a:defRPr sz="2400" kern="1200">
+                <a:solidFill>
+                  <a:schemeClr val="tx1"/>
+                </a:solidFill>
+                <a:latin typeface="+mn-lt"/>
+                <a:ea typeface="+mn-ea"/>
+                <a:cs typeface="+mn-cs"/>
+              </a:defRPr>
+            </a:lvl2pPr>
+            <a:lvl3pPr marL="1143000" indent="-228600" algn="l" defTabSz="914400" rtl="0" eaLnBrk="1" latinLnBrk="0" hangingPunct="1">
+              <a:lnSpc>
+                <a:spcPct val="90000"/>
+              </a:lnSpc>
+              <a:spcBef>
+                <a:spcPts val="500"/>
+              </a:spcBef>
+              <a:buFont typeface="Arial" panose="020B0604020202020204" pitchFamily="34" charset="0"/>
+              <a:buChar char="•"/>
+              <a:defRPr sz="2000" kern="1200">
+                <a:solidFill>
+                  <a:schemeClr val="tx1"/>
+                </a:solidFill>
+                <a:latin typeface="+mn-lt"/>
+                <a:ea typeface="+mn-ea"/>
+                <a:cs typeface="+mn-cs"/>
+              </a:defRPr>
+            </a:lvl3pPr>
+            <a:lvl4pPr marL="1600200" indent="-228600" algn="l" defTabSz="914400" rtl="0" eaLnBrk="1" latinLnBrk="0" hangingPunct="1">
+              <a:lnSpc>
+                <a:spcPct val="90000"/>
+              </a:lnSpc>
+              <a:spcBef>
+                <a:spcPts val="500"/>
+              </a:spcBef>
+              <a:buFont typeface="Arial" panose="020B0604020202020204" pitchFamily="34" charset="0"/>
+              <a:buChar char="•"/>
+              <a:defRPr sz="1800" kern="1200">
+                <a:solidFill>
+                  <a:schemeClr val="tx1"/>
+                </a:solidFill>
+                <a:latin typeface="+mn-lt"/>
+                <a:ea typeface="+mn-ea"/>
+                <a:cs typeface="+mn-cs"/>
+              </a:defRPr>
+            </a:lvl4pPr>
+            <a:lvl5pPr marL="2057400" indent="-228600" algn="l" defTabSz="914400" rtl="0" eaLnBrk="1" latinLnBrk="0" hangingPunct="1">
+              <a:lnSpc>
+                <a:spcPct val="90000"/>
+              </a:lnSpc>
+              <a:spcBef>
+                <a:spcPts val="500"/>
+              </a:spcBef>
+              <a:buFont typeface="Arial" panose="020B0604020202020204" pitchFamily="34" charset="0"/>
+              <a:buChar char="•"/>
+              <a:defRPr sz="1800" kern="1200">
+                <a:solidFill>
+                  <a:schemeClr val="tx1"/>
+                </a:solidFill>
+                <a:latin typeface="+mn-lt"/>
+                <a:ea typeface="+mn-ea"/>
+                <a:cs typeface="+mn-cs"/>
+              </a:defRPr>
+            </a:lvl5pPr>
+            <a:lvl6pPr marL="2514600" indent="-228600" algn="l" defTabSz="914400" rtl="0" eaLnBrk="1" latinLnBrk="0" hangingPunct="1">
+              <a:lnSpc>
+                <a:spcPct val="90000"/>
+              </a:lnSpc>
+              <a:spcBef>
+                <a:spcPts val="500"/>
+              </a:spcBef>
+              <a:buFont typeface="Arial" panose="020B0604020202020204" pitchFamily="34" charset="0"/>
+              <a:buChar char="•"/>
+              <a:defRPr sz="1800" kern="1200">
+                <a:solidFill>
+                  <a:schemeClr val="tx1"/>
+                </a:solidFill>
+                <a:latin typeface="+mn-lt"/>
+                <a:ea typeface="+mn-ea"/>
+                <a:cs typeface="+mn-cs"/>
+              </a:defRPr>
+            </a:lvl6pPr>
+            <a:lvl7pPr marL="2971800" indent="-228600" algn="l" defTabSz="914400" rtl="0" eaLnBrk="1" latinLnBrk="0" hangingPunct="1">
+              <a:lnSpc>
+                <a:spcPct val="90000"/>
+              </a:lnSpc>
+              <a:spcBef>
+                <a:spcPts val="500"/>
+              </a:spcBef>
+              <a:buFont typeface="Arial" panose="020B0604020202020204" pitchFamily="34" charset="0"/>
+              <a:buChar char="•"/>
+              <a:defRPr sz="1800" kern="1200">
+                <a:solidFill>
+                  <a:schemeClr val="tx1"/>
+                </a:solidFill>
+                <a:latin typeface="+mn-lt"/>
+                <a:ea typeface="+mn-ea"/>
+                <a:cs typeface="+mn-cs"/>
+              </a:defRPr>
+            </a:lvl7pPr>
+            <a:lvl8pPr marL="3429000" indent="-228600" algn="l" defTabSz="914400" rtl="0" eaLnBrk="1" latinLnBrk="0" hangingPunct="1">
+              <a:lnSpc>
+                <a:spcPct val="90000"/>
+              </a:lnSpc>
+              <a:spcBef>
+                <a:spcPts val="500"/>
+              </a:spcBef>
+              <a:buFont typeface="Arial" panose="020B0604020202020204" pitchFamily="34" charset="0"/>
+              <a:buChar char="•"/>
+              <a:defRPr sz="1800" kern="1200">
+                <a:solidFill>
+                  <a:schemeClr val="tx1"/>
+                </a:solidFill>
+                <a:latin typeface="+mn-lt"/>
+                <a:ea typeface="+mn-ea"/>
+                <a:cs typeface="+mn-cs"/>
+              </a:defRPr>
+            </a:lvl8pPr>
+            <a:lvl9pPr marL="3886200" indent="-228600" algn="l" defTabSz="914400" rtl="0" eaLnBrk="1" latinLnBrk="0" hangingPunct="1">
+              <a:lnSpc>
+                <a:spcPct val="90000"/>
+              </a:lnSpc>
+              <a:spcBef>
+                <a:spcPts val="500"/>
+              </a:spcBef>
+              <a:buFont typeface="Arial" panose="020B0604020202020204" pitchFamily="34" charset="0"/>
+              <a:buChar char="•"/>
+              <a:defRPr sz="1800" kern="1200">
+                <a:solidFill>
+                  <a:schemeClr val="tx1"/>
+                </a:solidFill>
+                <a:latin typeface="+mn-lt"/>
+                <a:ea typeface="+mn-ea"/>
+                <a:cs typeface="+mn-cs"/>
+              </a:defRPr>
+            </a:lvl9pPr>
+          </a:lstStyle>
+          <a:p>
+            <a:pPr marL="0" indent="0">
+              <a:buNone/>
+            </a:pPr>
+            <a:r>
+              <a:rPr lang="en-US" sz="1800" dirty="0"/>
+              <a:t>Including </a:t>
+            </a:r>
+            <a:r>
+              <a:rPr lang="en-US" sz="1800" b="1" dirty="0"/>
+              <a:t>PIPELINE_INITIALISATION </a:t>
+            </a:r>
+            <a:r>
+              <a:rPr lang="en-US" sz="1800" dirty="0"/>
+              <a:t>is highly recommended, as it takes a sample sheet (</a:t>
+            </a:r>
+            <a:r>
+              <a:rPr lang="en-US" sz="1800" b="1" i="1" dirty="0" err="1"/>
+              <a:t>params.input</a:t>
+            </a:r>
+            <a:r>
+              <a:rPr lang="en-US" sz="1800" dirty="0"/>
+              <a:t>) as input and performs parameter validation, largely enhancing the pipeline's robustness.</a:t>
+            </a:r>
           </a:p>
         </p:txBody>
       </p:sp>
     </p:spTree>
     <p:extLst>
       <p:ext uri="{BB962C8B-B14F-4D97-AF65-F5344CB8AC3E}">
-        <p14:creationId xmlns:p14="http://schemas.microsoft.com/office/powerpoint/2010/main" val="233904223"/>
+        <p14:creationId xmlns:p14="http://schemas.microsoft.com/office/powerpoint/2010/main" val="3678244690"/>
       </p:ext>
     </p:extLst>
   </p:cSld>
@@ -8563,6 +9689,1086 @@
 </p:sld>
 </file>
 
+<file path=ppt/slides/slide20.xml><?xml version="1.0" encoding="utf-8"?>
+<p:sld xmlns:a="http://schemas.openxmlformats.org/drawingml/2006/main" xmlns:r="http://schemas.openxmlformats.org/officeDocument/2006/relationships" xmlns:p="http://schemas.openxmlformats.org/presentationml/2006/main">
+  <p:cSld>
+    <p:spTree>
+      <p:nvGrpSpPr>
+        <p:cNvPr id="1" name="">
+          <a:extLst>
+            <a:ext uri="{FF2B5EF4-FFF2-40B4-BE49-F238E27FC236}">
+              <a16:creationId xmlns:a16="http://schemas.microsoft.com/office/drawing/2014/main" id="{D487C1D3-E4A1-B3E3-A432-E16C44D8703E}"/>
+            </a:ext>
+          </a:extLst>
+        </p:cNvPr>
+        <p:cNvGrpSpPr/>
+        <p:nvPr/>
+      </p:nvGrpSpPr>
+      <p:grpSpPr>
+        <a:xfrm>
+          <a:off x="0" y="0"/>
+          <a:ext cx="0" cy="0"/>
+          <a:chOff x="0" y="0"/>
+          <a:chExt cx="0" cy="0"/>
+        </a:xfrm>
+      </p:grpSpPr>
+      <p:sp>
+        <p:nvSpPr>
+          <p:cNvPr id="2" name="Title 1">
+            <a:extLst>
+              <a:ext uri="{FF2B5EF4-FFF2-40B4-BE49-F238E27FC236}">
+                <a16:creationId xmlns:a16="http://schemas.microsoft.com/office/drawing/2014/main" id="{DC213CE1-31B2-494B-5132-46749551A88A}"/>
+              </a:ext>
+            </a:extLst>
+          </p:cNvPr>
+          <p:cNvSpPr>
+            <a:spLocks noGrp="1"/>
+          </p:cNvSpPr>
+          <p:nvPr>
+            <p:ph type="title"/>
+          </p:nvPr>
+        </p:nvSpPr>
+        <p:spPr/>
+        <p:txBody>
+          <a:bodyPr/>
+          <a:lstStyle/>
+          <a:p>
+            <a:r>
+              <a:rPr lang="en-US" dirty="0"/>
+              <a:t>PIPELINE_INITIALISATION functions</a:t>
+            </a:r>
+          </a:p>
+        </p:txBody>
+      </p:sp>
+      <p:sp>
+        <p:nvSpPr>
+          <p:cNvPr id="5" name="TextBox 4">
+            <a:extLst>
+              <a:ext uri="{FF2B5EF4-FFF2-40B4-BE49-F238E27FC236}">
+                <a16:creationId xmlns:a16="http://schemas.microsoft.com/office/drawing/2014/main" id="{712DC2A5-CD99-DCA4-B515-E3F850B7F3D9}"/>
+              </a:ext>
+            </a:extLst>
+          </p:cNvPr>
+          <p:cNvSpPr txBox="1"/>
+          <p:nvPr/>
+        </p:nvSpPr>
+        <p:spPr>
+          <a:xfrm>
+            <a:off x="8058665" y="1998357"/>
+            <a:ext cx="3816177" cy="646331"/>
+          </a:xfrm>
+          <a:prstGeom prst="rect">
+            <a:avLst/>
+          </a:prstGeom>
+          <a:noFill/>
+        </p:spPr>
+        <p:txBody>
+          <a:bodyPr wrap="square">
+            <a:spAutoFit/>
+          </a:bodyPr>
+          <a:lstStyle/>
+          <a:p>
+            <a:pPr marL="800100" lvl="1" indent="-342900">
+              <a:buAutoNum type="arabicPeriod"/>
+            </a:pPr>
+            <a:r>
+              <a:rPr lang="en-US" sz="1800" dirty="0"/>
+              <a:t>Basic checks: version, </a:t>
+            </a:r>
+            <a:r>
+              <a:rPr lang="en-US" sz="1800" dirty="0" err="1"/>
+              <a:t>conda</a:t>
+            </a:r>
+            <a:r>
+              <a:rPr lang="en-US" sz="1800" dirty="0"/>
+              <a:t> env, etc.</a:t>
+            </a:r>
+          </a:p>
+        </p:txBody>
+      </p:sp>
+      <p:pic>
+        <p:nvPicPr>
+          <p:cNvPr id="10" name="Picture 9">
+            <a:extLst>
+              <a:ext uri="{FF2B5EF4-FFF2-40B4-BE49-F238E27FC236}">
+                <a16:creationId xmlns:a16="http://schemas.microsoft.com/office/drawing/2014/main" id="{916FC8EF-6B63-1F49-DA7A-D2568BCED2C0}"/>
+              </a:ext>
+            </a:extLst>
+          </p:cNvPr>
+          <p:cNvPicPr>
+            <a:picLocks noChangeAspect="1"/>
+          </p:cNvPicPr>
+          <p:nvPr/>
+        </p:nvPicPr>
+        <p:blipFill>
+          <a:blip r:embed="rId3"/>
+          <a:stretch>
+            <a:fillRect/>
+          </a:stretch>
+        </p:blipFill>
+        <p:spPr>
+          <a:xfrm>
+            <a:off x="183291" y="1690688"/>
+            <a:ext cx="7661673" cy="4438263"/>
+          </a:xfrm>
+          <a:prstGeom prst="rect">
+            <a:avLst/>
+          </a:prstGeom>
+        </p:spPr>
+      </p:pic>
+      <p:sp>
+        <p:nvSpPr>
+          <p:cNvPr id="12" name="Right Brace 11">
+            <a:extLst>
+              <a:ext uri="{FF2B5EF4-FFF2-40B4-BE49-F238E27FC236}">
+                <a16:creationId xmlns:a16="http://schemas.microsoft.com/office/drawing/2014/main" id="{1E0E0063-3425-B5F2-DA85-9940DBE715A3}"/>
+              </a:ext>
+            </a:extLst>
+          </p:cNvPr>
+          <p:cNvSpPr/>
+          <p:nvPr/>
+        </p:nvSpPr>
+        <p:spPr>
+          <a:xfrm>
+            <a:off x="8058665" y="1841157"/>
+            <a:ext cx="368641" cy="877672"/>
+          </a:xfrm>
+          <a:prstGeom prst="rightBrace">
+            <a:avLst/>
+          </a:prstGeom>
+          <a:ln w="38100">
+            <a:solidFill>
+              <a:srgbClr val="FF0000"/>
+            </a:solidFill>
+          </a:ln>
+        </p:spPr>
+        <p:style>
+          <a:lnRef idx="2">
+            <a:schemeClr val="accent1"/>
+          </a:lnRef>
+          <a:fillRef idx="0">
+            <a:schemeClr val="accent1"/>
+          </a:fillRef>
+          <a:effectRef idx="1">
+            <a:schemeClr val="accent1"/>
+          </a:effectRef>
+          <a:fontRef idx="minor">
+            <a:schemeClr val="tx1"/>
+          </a:fontRef>
+        </p:style>
+        <p:txBody>
+          <a:bodyPr rtlCol="0" anchor="ctr"/>
+          <a:lstStyle/>
+          <a:p>
+            <a:pPr algn="ctr"/>
+            <a:endParaRPr lang="en-US"/>
+          </a:p>
+        </p:txBody>
+      </p:sp>
+      <p:sp>
+        <p:nvSpPr>
+          <p:cNvPr id="13" name="TextBox 12">
+            <a:extLst>
+              <a:ext uri="{FF2B5EF4-FFF2-40B4-BE49-F238E27FC236}">
+                <a16:creationId xmlns:a16="http://schemas.microsoft.com/office/drawing/2014/main" id="{5D2A7B59-B9F1-9DCA-EE44-CE22F77431B3}"/>
+              </a:ext>
+            </a:extLst>
+          </p:cNvPr>
+          <p:cNvSpPr txBox="1"/>
+          <p:nvPr/>
+        </p:nvSpPr>
+        <p:spPr>
+          <a:xfrm>
+            <a:off x="8058664" y="2659787"/>
+            <a:ext cx="3816177" cy="2277547"/>
+          </a:xfrm>
+          <a:prstGeom prst="rect">
+            <a:avLst/>
+          </a:prstGeom>
+          <a:noFill/>
+        </p:spPr>
+        <p:txBody>
+          <a:bodyPr wrap="square">
+            <a:spAutoFit/>
+          </a:bodyPr>
+          <a:lstStyle/>
+          <a:p>
+            <a:pPr lvl="1"/>
+            <a:endParaRPr lang="en-US" sz="1800" dirty="0"/>
+          </a:p>
+          <a:p>
+            <a:pPr marL="800100" lvl="1" indent="-342900">
+              <a:buAutoNum type="arabicPeriod" startAt="2"/>
+            </a:pPr>
+            <a:r>
+              <a:rPr lang="en-US" sz="1800" dirty="0"/>
+              <a:t>Parameter validation: </a:t>
+            </a:r>
+            <a:r>
+              <a:rPr lang="en-US" dirty="0"/>
+              <a:t>against “</a:t>
+            </a:r>
+            <a:r>
+              <a:rPr lang="en-US" b="1" i="1" dirty="0" err="1"/>
+              <a:t>nextflow_schema.json</a:t>
+            </a:r>
+            <a:r>
+              <a:rPr lang="en-US" i="1" dirty="0"/>
+              <a:t>”</a:t>
+            </a:r>
+          </a:p>
+          <a:p>
+            <a:pPr marL="1257300" lvl="2" indent="-342900">
+              <a:buFont typeface="Arial" panose="020B0604020202020204" pitchFamily="34" charset="0"/>
+              <a:buChar char="•"/>
+            </a:pPr>
+            <a:r>
+              <a:rPr lang="en-US" sz="1400" dirty="0"/>
+              <a:t>input type, format, etc.</a:t>
+            </a:r>
+          </a:p>
+          <a:p>
+            <a:pPr marL="1257300" lvl="2" indent="-342900">
+              <a:buFont typeface="Arial" panose="020B0604020202020204" pitchFamily="34" charset="0"/>
+              <a:buChar char="•"/>
+            </a:pPr>
+            <a:r>
+              <a:rPr lang="en-US" sz="1400" i="1" dirty="0" err="1"/>
+              <a:t>nextflow_schema.json</a:t>
+            </a:r>
+            <a:r>
+              <a:rPr lang="en-US" sz="1400" i="1" dirty="0"/>
+              <a:t> can be created using “</a:t>
+            </a:r>
+            <a:r>
+              <a:rPr lang="en-US" sz="1400" b="1" i="1" dirty="0" err="1">
+                <a:solidFill>
+                  <a:srgbClr val="212529"/>
+                </a:solidFill>
+                <a:effectLst/>
+                <a:latin typeface="Inter Variable"/>
+              </a:rPr>
+              <a:t>nf</a:t>
+            </a:r>
+            <a:r>
+              <a:rPr lang="en-US" sz="1400" b="1" i="1" dirty="0">
+                <a:solidFill>
+                  <a:srgbClr val="212529"/>
+                </a:solidFill>
+                <a:effectLst/>
+                <a:latin typeface="Inter Variable"/>
+              </a:rPr>
+              <a:t>-core pipelines schema build</a:t>
+            </a:r>
+            <a:r>
+              <a:rPr lang="en-US" sz="1400" i="1" dirty="0"/>
+              <a:t>” </a:t>
+            </a:r>
+            <a:r>
+              <a:rPr lang="en-US" sz="1400" dirty="0"/>
+              <a:t>that scans the </a:t>
+            </a:r>
+            <a:r>
+              <a:rPr lang="en-US" sz="1400" dirty="0" err="1"/>
+              <a:t>nextflow.config</a:t>
+            </a:r>
+            <a:r>
+              <a:rPr lang="en-US" sz="1400" dirty="0"/>
+              <a:t> file</a:t>
+            </a:r>
+          </a:p>
+        </p:txBody>
+      </p:sp>
+      <p:sp>
+        <p:nvSpPr>
+          <p:cNvPr id="14" name="Right Brace 13">
+            <a:extLst>
+              <a:ext uri="{FF2B5EF4-FFF2-40B4-BE49-F238E27FC236}">
+                <a16:creationId xmlns:a16="http://schemas.microsoft.com/office/drawing/2014/main" id="{F5F06EBE-0CB7-262D-0F5B-CA7A16389332}"/>
+              </a:ext>
+            </a:extLst>
+          </p:cNvPr>
+          <p:cNvSpPr/>
+          <p:nvPr/>
+        </p:nvSpPr>
+        <p:spPr>
+          <a:xfrm>
+            <a:off x="8058665" y="3101546"/>
+            <a:ext cx="368641" cy="1470454"/>
+          </a:xfrm>
+          <a:prstGeom prst="rightBrace">
+            <a:avLst>
+              <a:gd name="adj1" fmla="val 0"/>
+              <a:gd name="adj2" fmla="val 44142"/>
+            </a:avLst>
+          </a:prstGeom>
+          <a:ln w="38100">
+            <a:solidFill>
+              <a:srgbClr val="FF0000"/>
+            </a:solidFill>
+          </a:ln>
+        </p:spPr>
+        <p:style>
+          <a:lnRef idx="2">
+            <a:schemeClr val="accent1"/>
+          </a:lnRef>
+          <a:fillRef idx="0">
+            <a:schemeClr val="accent1"/>
+          </a:fillRef>
+          <a:effectRef idx="1">
+            <a:schemeClr val="accent1"/>
+          </a:effectRef>
+          <a:fontRef idx="minor">
+            <a:schemeClr val="tx1"/>
+          </a:fontRef>
+        </p:style>
+        <p:txBody>
+          <a:bodyPr rtlCol="0" anchor="ctr"/>
+          <a:lstStyle/>
+          <a:p>
+            <a:pPr algn="ctr"/>
+            <a:endParaRPr lang="en-US"/>
+          </a:p>
+        </p:txBody>
+      </p:sp>
+      <p:sp>
+        <p:nvSpPr>
+          <p:cNvPr id="15" name="TextBox 14">
+            <a:extLst>
+              <a:ext uri="{FF2B5EF4-FFF2-40B4-BE49-F238E27FC236}">
+                <a16:creationId xmlns:a16="http://schemas.microsoft.com/office/drawing/2014/main" id="{226F0B87-404E-42D1-6CE6-A10F32922780}"/>
+              </a:ext>
+            </a:extLst>
+          </p:cNvPr>
+          <p:cNvSpPr txBox="1"/>
+          <p:nvPr/>
+        </p:nvSpPr>
+        <p:spPr>
+          <a:xfrm>
+            <a:off x="8058664" y="4979431"/>
+            <a:ext cx="3972696" cy="923330"/>
+          </a:xfrm>
+          <a:prstGeom prst="rect">
+            <a:avLst/>
+          </a:prstGeom>
+          <a:noFill/>
+        </p:spPr>
+        <p:txBody>
+          <a:bodyPr wrap="square">
+            <a:spAutoFit/>
+          </a:bodyPr>
+          <a:lstStyle/>
+          <a:p>
+            <a:pPr lvl="1"/>
+            <a:endParaRPr lang="en-US" sz="1800" dirty="0"/>
+          </a:p>
+          <a:p>
+            <a:pPr lvl="1"/>
+            <a:r>
+              <a:rPr lang="en-US" dirty="0"/>
+              <a:t>3</a:t>
+            </a:r>
+            <a:r>
+              <a:rPr lang="en-US" sz="1800" dirty="0"/>
+              <a:t>.	Parameter validation: </a:t>
+            </a:r>
+            <a:r>
+              <a:rPr lang="en-US" dirty="0"/>
+              <a:t>CLI positional argument format</a:t>
+            </a:r>
+            <a:endParaRPr lang="en-US" i="1" dirty="0"/>
+          </a:p>
+        </p:txBody>
+      </p:sp>
+      <p:sp>
+        <p:nvSpPr>
+          <p:cNvPr id="16" name="Right Brace 15">
+            <a:extLst>
+              <a:ext uri="{FF2B5EF4-FFF2-40B4-BE49-F238E27FC236}">
+                <a16:creationId xmlns:a16="http://schemas.microsoft.com/office/drawing/2014/main" id="{7A5287B3-985F-3012-AA8A-B9C2B47270CC}"/>
+              </a:ext>
+            </a:extLst>
+          </p:cNvPr>
+          <p:cNvSpPr/>
+          <p:nvPr/>
+        </p:nvSpPr>
+        <p:spPr>
+          <a:xfrm>
+            <a:off x="8058665" y="5050484"/>
+            <a:ext cx="368641" cy="923330"/>
+          </a:xfrm>
+          <a:prstGeom prst="rightBrace">
+            <a:avLst>
+              <a:gd name="adj1" fmla="val 0"/>
+              <a:gd name="adj2" fmla="val 44142"/>
+            </a:avLst>
+          </a:prstGeom>
+          <a:ln w="38100">
+            <a:solidFill>
+              <a:srgbClr val="FF0000"/>
+            </a:solidFill>
+          </a:ln>
+        </p:spPr>
+        <p:style>
+          <a:lnRef idx="2">
+            <a:schemeClr val="accent1"/>
+          </a:lnRef>
+          <a:fillRef idx="0">
+            <a:schemeClr val="accent1"/>
+          </a:fillRef>
+          <a:effectRef idx="1">
+            <a:schemeClr val="accent1"/>
+          </a:effectRef>
+          <a:fontRef idx="minor">
+            <a:schemeClr val="tx1"/>
+          </a:fontRef>
+        </p:style>
+        <p:txBody>
+          <a:bodyPr rtlCol="0" anchor="ctr"/>
+          <a:lstStyle/>
+          <a:p>
+            <a:pPr algn="ctr"/>
+            <a:endParaRPr lang="en-US"/>
+          </a:p>
+        </p:txBody>
+      </p:sp>
+    </p:spTree>
+    <p:extLst>
+      <p:ext uri="{BB962C8B-B14F-4D97-AF65-F5344CB8AC3E}">
+        <p14:creationId xmlns:p14="http://schemas.microsoft.com/office/powerpoint/2010/main" val="1887803722"/>
+      </p:ext>
+    </p:extLst>
+  </p:cSld>
+  <p:clrMapOvr>
+    <a:masterClrMapping/>
+  </p:clrMapOvr>
+</p:sld>
+</file>
+
+<file path=ppt/slides/slide21.xml><?xml version="1.0" encoding="utf-8"?>
+<p:sld xmlns:a="http://schemas.openxmlformats.org/drawingml/2006/main" xmlns:r="http://schemas.openxmlformats.org/officeDocument/2006/relationships" xmlns:p="http://schemas.openxmlformats.org/presentationml/2006/main">
+  <p:cSld>
+    <p:spTree>
+      <p:nvGrpSpPr>
+        <p:cNvPr id="1" name="">
+          <a:extLst>
+            <a:ext uri="{FF2B5EF4-FFF2-40B4-BE49-F238E27FC236}">
+              <a16:creationId xmlns:a16="http://schemas.microsoft.com/office/drawing/2014/main" id="{B0A03B25-42E3-6FFE-3DB2-C4A166768AB7}"/>
+            </a:ext>
+          </a:extLst>
+        </p:cNvPr>
+        <p:cNvGrpSpPr/>
+        <p:nvPr/>
+      </p:nvGrpSpPr>
+      <p:grpSpPr>
+        <a:xfrm>
+          <a:off x="0" y="0"/>
+          <a:ext cx="0" cy="0"/>
+          <a:chOff x="0" y="0"/>
+          <a:chExt cx="0" cy="0"/>
+        </a:xfrm>
+      </p:grpSpPr>
+      <p:sp>
+        <p:nvSpPr>
+          <p:cNvPr id="2" name="Title 1">
+            <a:extLst>
+              <a:ext uri="{FF2B5EF4-FFF2-40B4-BE49-F238E27FC236}">
+                <a16:creationId xmlns:a16="http://schemas.microsoft.com/office/drawing/2014/main" id="{4CE95A2E-96CB-7737-F053-88F7650C113B}"/>
+              </a:ext>
+            </a:extLst>
+          </p:cNvPr>
+          <p:cNvSpPr>
+            <a:spLocks noGrp="1"/>
+          </p:cNvSpPr>
+          <p:nvPr>
+            <p:ph type="title"/>
+          </p:nvPr>
+        </p:nvSpPr>
+        <p:spPr/>
+        <p:txBody>
+          <a:bodyPr/>
+          <a:lstStyle/>
+          <a:p>
+            <a:r>
+              <a:rPr lang="en-US" dirty="0"/>
+              <a:t>PIPELINE_INITIALISATION functions, Cont’d</a:t>
+            </a:r>
+          </a:p>
+        </p:txBody>
+      </p:sp>
+      <p:sp>
+        <p:nvSpPr>
+          <p:cNvPr id="12" name="Right Brace 11">
+            <a:extLst>
+              <a:ext uri="{FF2B5EF4-FFF2-40B4-BE49-F238E27FC236}">
+                <a16:creationId xmlns:a16="http://schemas.microsoft.com/office/drawing/2014/main" id="{699C6558-F9D9-33A9-BDE9-B8C5163A5C5F}"/>
+              </a:ext>
+            </a:extLst>
+          </p:cNvPr>
+          <p:cNvSpPr/>
+          <p:nvPr/>
+        </p:nvSpPr>
+        <p:spPr>
+          <a:xfrm>
+            <a:off x="6971271" y="1653274"/>
+            <a:ext cx="368641" cy="877672"/>
+          </a:xfrm>
+          <a:prstGeom prst="rightBrace">
+            <a:avLst/>
+          </a:prstGeom>
+          <a:ln w="38100">
+            <a:solidFill>
+              <a:srgbClr val="FF0000"/>
+            </a:solidFill>
+          </a:ln>
+        </p:spPr>
+        <p:style>
+          <a:lnRef idx="2">
+            <a:schemeClr val="accent1"/>
+          </a:lnRef>
+          <a:fillRef idx="0">
+            <a:schemeClr val="accent1"/>
+          </a:fillRef>
+          <a:effectRef idx="1">
+            <a:schemeClr val="accent1"/>
+          </a:effectRef>
+          <a:fontRef idx="minor">
+            <a:schemeClr val="tx1"/>
+          </a:fontRef>
+        </p:style>
+        <p:txBody>
+          <a:bodyPr rtlCol="0" anchor="ctr"/>
+          <a:lstStyle/>
+          <a:p>
+            <a:pPr algn="ctr"/>
+            <a:endParaRPr lang="en-US"/>
+          </a:p>
+        </p:txBody>
+      </p:sp>
+      <p:sp>
+        <p:nvSpPr>
+          <p:cNvPr id="14" name="Right Brace 13">
+            <a:extLst>
+              <a:ext uri="{FF2B5EF4-FFF2-40B4-BE49-F238E27FC236}">
+                <a16:creationId xmlns:a16="http://schemas.microsoft.com/office/drawing/2014/main" id="{5781CF06-33D5-598C-2229-484E94AF4D91}"/>
+              </a:ext>
+            </a:extLst>
+          </p:cNvPr>
+          <p:cNvSpPr/>
+          <p:nvPr/>
+        </p:nvSpPr>
+        <p:spPr>
+          <a:xfrm>
+            <a:off x="6971271" y="2693772"/>
+            <a:ext cx="368641" cy="3470677"/>
+          </a:xfrm>
+          <a:prstGeom prst="rightBrace">
+            <a:avLst>
+              <a:gd name="adj1" fmla="val 0"/>
+              <a:gd name="adj2" fmla="val 44142"/>
+            </a:avLst>
+          </a:prstGeom>
+          <a:ln w="38100">
+            <a:solidFill>
+              <a:srgbClr val="FF0000"/>
+            </a:solidFill>
+          </a:ln>
+        </p:spPr>
+        <p:style>
+          <a:lnRef idx="2">
+            <a:schemeClr val="accent1"/>
+          </a:lnRef>
+          <a:fillRef idx="0">
+            <a:schemeClr val="accent1"/>
+          </a:fillRef>
+          <a:effectRef idx="1">
+            <a:schemeClr val="accent1"/>
+          </a:effectRef>
+          <a:fontRef idx="minor">
+            <a:schemeClr val="tx1"/>
+          </a:fontRef>
+        </p:style>
+        <p:txBody>
+          <a:bodyPr rtlCol="0" anchor="ctr"/>
+          <a:lstStyle/>
+          <a:p>
+            <a:pPr algn="ctr"/>
+            <a:endParaRPr lang="en-US" dirty="0"/>
+          </a:p>
+        </p:txBody>
+      </p:sp>
+      <p:pic>
+        <p:nvPicPr>
+          <p:cNvPr id="3" name="Picture 2">
+            <a:extLst>
+              <a:ext uri="{FF2B5EF4-FFF2-40B4-BE49-F238E27FC236}">
+                <a16:creationId xmlns:a16="http://schemas.microsoft.com/office/drawing/2014/main" id="{A0A1B943-8B9A-A92A-5CEA-06229590E64C}"/>
+              </a:ext>
+            </a:extLst>
+          </p:cNvPr>
+          <p:cNvPicPr>
+            <a:picLocks noChangeAspect="1"/>
+          </p:cNvPicPr>
+          <p:nvPr/>
+        </p:nvPicPr>
+        <p:blipFill>
+          <a:blip r:embed="rId3"/>
+          <a:stretch>
+            <a:fillRect/>
+          </a:stretch>
+        </p:blipFill>
+        <p:spPr>
+          <a:xfrm>
+            <a:off x="418070" y="1690688"/>
+            <a:ext cx="6355784" cy="4473762"/>
+          </a:xfrm>
+          <a:prstGeom prst="rect">
+            <a:avLst/>
+          </a:prstGeom>
+        </p:spPr>
+      </p:pic>
+      <p:sp>
+        <p:nvSpPr>
+          <p:cNvPr id="4" name="TextBox 3">
+            <a:extLst>
+              <a:ext uri="{FF2B5EF4-FFF2-40B4-BE49-F238E27FC236}">
+                <a16:creationId xmlns:a16="http://schemas.microsoft.com/office/drawing/2014/main" id="{E256FD5E-2415-4CEB-FD2E-12772A698E51}"/>
+              </a:ext>
+            </a:extLst>
+          </p:cNvPr>
+          <p:cNvSpPr txBox="1"/>
+          <p:nvPr/>
+        </p:nvSpPr>
+        <p:spPr>
+          <a:xfrm>
+            <a:off x="7155591" y="1667924"/>
+            <a:ext cx="4837376" cy="1138773"/>
+          </a:xfrm>
+          <a:prstGeom prst="rect">
+            <a:avLst/>
+          </a:prstGeom>
+          <a:noFill/>
+        </p:spPr>
+        <p:txBody>
+          <a:bodyPr wrap="square">
+            <a:spAutoFit/>
+          </a:bodyPr>
+          <a:lstStyle/>
+          <a:p>
+            <a:pPr lvl="1"/>
+            <a:endParaRPr lang="en-US" sz="1800" dirty="0"/>
+          </a:p>
+          <a:p>
+            <a:pPr marL="800100" lvl="1" indent="-342900">
+              <a:buAutoNum type="arabicPeriod" startAt="4"/>
+            </a:pPr>
+            <a:r>
+              <a:rPr lang="en-US" sz="1800" dirty="0"/>
+              <a:t>Parameter validation: custom</a:t>
+            </a:r>
+          </a:p>
+          <a:p>
+            <a:pPr marL="1257300" lvl="2" indent="-342900">
+              <a:buFont typeface="Arial" panose="020B0604020202020204" pitchFamily="34" charset="0"/>
+              <a:buChar char="•"/>
+            </a:pPr>
+            <a:r>
+              <a:rPr lang="en-US" sz="1600" dirty="0"/>
+              <a:t>Beyond those that are defined in the </a:t>
+            </a:r>
+            <a:r>
+              <a:rPr lang="en-US" sz="1600" b="1" dirty="0" err="1"/>
+              <a:t>nextflow_schema.json</a:t>
+            </a:r>
+            <a:r>
+              <a:rPr lang="en-US" sz="1600" b="1" dirty="0"/>
+              <a:t> </a:t>
+            </a:r>
+            <a:r>
+              <a:rPr lang="en-US" sz="1600" dirty="0"/>
+              <a:t>file</a:t>
+            </a:r>
+          </a:p>
+        </p:txBody>
+      </p:sp>
+      <p:sp>
+        <p:nvSpPr>
+          <p:cNvPr id="7" name="TextBox 6">
+            <a:extLst>
+              <a:ext uri="{FF2B5EF4-FFF2-40B4-BE49-F238E27FC236}">
+                <a16:creationId xmlns:a16="http://schemas.microsoft.com/office/drawing/2014/main" id="{246E98F7-3893-869F-419F-9A17CDD6EBC0}"/>
+              </a:ext>
+            </a:extLst>
+          </p:cNvPr>
+          <p:cNvSpPr txBox="1"/>
+          <p:nvPr/>
+        </p:nvSpPr>
+        <p:spPr>
+          <a:xfrm>
+            <a:off x="7155591" y="4003889"/>
+            <a:ext cx="4382529" cy="646331"/>
+          </a:xfrm>
+          <a:prstGeom prst="rect">
+            <a:avLst/>
+          </a:prstGeom>
+          <a:noFill/>
+        </p:spPr>
+        <p:txBody>
+          <a:bodyPr wrap="square">
+            <a:spAutoFit/>
+          </a:bodyPr>
+          <a:lstStyle/>
+          <a:p>
+            <a:pPr lvl="1"/>
+            <a:r>
+              <a:rPr lang="en-US" sz="1800" dirty="0"/>
+              <a:t>5.	Create input channel given input sample sheet</a:t>
+            </a:r>
+          </a:p>
+        </p:txBody>
+      </p:sp>
+      <p:sp>
+        <p:nvSpPr>
+          <p:cNvPr id="17" name="TextBox 16">
+            <a:extLst>
+              <a:ext uri="{FF2B5EF4-FFF2-40B4-BE49-F238E27FC236}">
+                <a16:creationId xmlns:a16="http://schemas.microsoft.com/office/drawing/2014/main" id="{60870A3E-04A3-C760-DAB3-6557A4563931}"/>
+              </a:ext>
+            </a:extLst>
+          </p:cNvPr>
+          <p:cNvSpPr txBox="1"/>
+          <p:nvPr/>
+        </p:nvSpPr>
+        <p:spPr>
+          <a:xfrm>
+            <a:off x="7811531" y="4738168"/>
+            <a:ext cx="3962399" cy="1384995"/>
+          </a:xfrm>
+          <a:prstGeom prst="rect">
+            <a:avLst/>
+          </a:prstGeom>
+          <a:noFill/>
+        </p:spPr>
+        <p:txBody>
+          <a:bodyPr wrap="square">
+            <a:spAutoFit/>
+          </a:bodyPr>
+          <a:lstStyle/>
+          <a:p>
+            <a:pPr lvl="1"/>
+            <a:r>
+              <a:rPr lang="en-US" sz="1400" dirty="0"/>
+              <a:t>Additional sanity checks have been implemented for the sample sheet validation. The older TEMPLATE used a subworkflow with Python scripts for this purpose, while the current version utilizes a Groovy function.</a:t>
+            </a:r>
+          </a:p>
+        </p:txBody>
+      </p:sp>
+      <p:cxnSp>
+        <p:nvCxnSpPr>
+          <p:cNvPr id="18" name="Straight Arrow Connector 17">
+            <a:extLst>
+              <a:ext uri="{FF2B5EF4-FFF2-40B4-BE49-F238E27FC236}">
+                <a16:creationId xmlns:a16="http://schemas.microsoft.com/office/drawing/2014/main" id="{C6505523-B8C5-1359-1F32-7540D2EF1EEB}"/>
+              </a:ext>
+            </a:extLst>
+          </p:cNvPr>
+          <p:cNvCxnSpPr>
+            <a:cxnSpLocks/>
+          </p:cNvCxnSpPr>
+          <p:nvPr/>
+        </p:nvCxnSpPr>
+        <p:spPr>
+          <a:xfrm flipH="1" flipV="1">
+            <a:off x="3595962" y="5032447"/>
+            <a:ext cx="4681139" cy="398218"/>
+          </a:xfrm>
+          <a:prstGeom prst="straightConnector1">
+            <a:avLst/>
+          </a:prstGeom>
+          <a:ln w="57150">
+            <a:solidFill>
+              <a:srgbClr val="FF0000"/>
+            </a:solidFill>
+            <a:tailEnd type="triangle"/>
+          </a:ln>
+        </p:spPr>
+        <p:style>
+          <a:lnRef idx="3">
+            <a:schemeClr val="accent2"/>
+          </a:lnRef>
+          <a:fillRef idx="0">
+            <a:schemeClr val="accent2"/>
+          </a:fillRef>
+          <a:effectRef idx="2">
+            <a:schemeClr val="accent2"/>
+          </a:effectRef>
+          <a:fontRef idx="minor">
+            <a:schemeClr val="tx1"/>
+          </a:fontRef>
+        </p:style>
+      </p:cxnSp>
+      <p:sp>
+        <p:nvSpPr>
+          <p:cNvPr id="21" name="TextBox 20">
+            <a:extLst>
+              <a:ext uri="{FF2B5EF4-FFF2-40B4-BE49-F238E27FC236}">
+                <a16:creationId xmlns:a16="http://schemas.microsoft.com/office/drawing/2014/main" id="{78AF2447-48F0-7E7C-0635-B71D20ED3517}"/>
+              </a:ext>
+            </a:extLst>
+          </p:cNvPr>
+          <p:cNvSpPr txBox="1"/>
+          <p:nvPr/>
+        </p:nvSpPr>
+        <p:spPr>
+          <a:xfrm>
+            <a:off x="7537329" y="3079210"/>
+            <a:ext cx="4128507" cy="1015663"/>
+          </a:xfrm>
+          <a:prstGeom prst="rect">
+            <a:avLst/>
+          </a:prstGeom>
+          <a:noFill/>
+        </p:spPr>
+        <p:txBody>
+          <a:bodyPr wrap="square">
+            <a:spAutoFit/>
+          </a:bodyPr>
+          <a:lstStyle/>
+          <a:p>
+            <a:r>
+              <a:rPr lang="en-US" sz="1400" dirty="0"/>
+              <a:t>More on </a:t>
+            </a:r>
+            <a:r>
+              <a:rPr lang="en-US" sz="1400" dirty="0" err="1"/>
+              <a:t>Channel.fromSamplesheet</a:t>
+            </a:r>
+            <a:r>
+              <a:rPr lang="en-US" sz="1400" dirty="0"/>
+              <a:t>() function (validation plugin):</a:t>
+            </a:r>
+          </a:p>
+          <a:p>
+            <a:r>
+              <a:rPr lang="en-US" sz="1400" dirty="0">
+                <a:hlinkClick r:id="rId4"/>
+              </a:rPr>
+              <a:t>https://nf-co.re/events/2023/bytesize_nf_validation</a:t>
+            </a:r>
+            <a:endParaRPr lang="en-US" sz="1400" dirty="0"/>
+          </a:p>
+          <a:p>
+            <a:endParaRPr lang="en-US" dirty="0"/>
+          </a:p>
+        </p:txBody>
+      </p:sp>
+      <p:cxnSp>
+        <p:nvCxnSpPr>
+          <p:cNvPr id="22" name="Straight Arrow Connector 21">
+            <a:extLst>
+              <a:ext uri="{FF2B5EF4-FFF2-40B4-BE49-F238E27FC236}">
+                <a16:creationId xmlns:a16="http://schemas.microsoft.com/office/drawing/2014/main" id="{A307BDD7-6F4B-5561-9AAD-7C70B727A14D}"/>
+              </a:ext>
+            </a:extLst>
+          </p:cNvPr>
+          <p:cNvCxnSpPr>
+            <a:cxnSpLocks/>
+          </p:cNvCxnSpPr>
+          <p:nvPr/>
+        </p:nvCxnSpPr>
+        <p:spPr>
+          <a:xfrm flipH="1" flipV="1">
+            <a:off x="3188677" y="3268750"/>
+            <a:ext cx="4348652" cy="82150"/>
+          </a:xfrm>
+          <a:prstGeom prst="straightConnector1">
+            <a:avLst/>
+          </a:prstGeom>
+          <a:ln w="57150">
+            <a:solidFill>
+              <a:srgbClr val="FF0000"/>
+            </a:solidFill>
+            <a:tailEnd type="triangle"/>
+          </a:ln>
+        </p:spPr>
+        <p:style>
+          <a:lnRef idx="3">
+            <a:schemeClr val="accent2"/>
+          </a:lnRef>
+          <a:fillRef idx="0">
+            <a:schemeClr val="accent2"/>
+          </a:fillRef>
+          <a:effectRef idx="2">
+            <a:schemeClr val="accent2"/>
+          </a:effectRef>
+          <a:fontRef idx="minor">
+            <a:schemeClr val="tx1"/>
+          </a:fontRef>
+        </p:style>
+      </p:cxnSp>
+    </p:spTree>
+    <p:extLst>
+      <p:ext uri="{BB962C8B-B14F-4D97-AF65-F5344CB8AC3E}">
+        <p14:creationId xmlns:p14="http://schemas.microsoft.com/office/powerpoint/2010/main" val="1830129973"/>
+      </p:ext>
+    </p:extLst>
+  </p:cSld>
+  <p:clrMapOvr>
+    <a:masterClrMapping/>
+  </p:clrMapOvr>
+</p:sld>
+</file>
+
+<file path=ppt/slides/slide22.xml><?xml version="1.0" encoding="utf-8"?>
+<p:sld xmlns:a="http://schemas.openxmlformats.org/drawingml/2006/main" xmlns:r="http://schemas.openxmlformats.org/officeDocument/2006/relationships" xmlns:p="http://schemas.openxmlformats.org/presentationml/2006/main">
+  <p:cSld>
+    <p:spTree>
+      <p:nvGrpSpPr>
+        <p:cNvPr id="1" name="">
+          <a:extLst>
+            <a:ext uri="{FF2B5EF4-FFF2-40B4-BE49-F238E27FC236}">
+              <a16:creationId xmlns:a16="http://schemas.microsoft.com/office/drawing/2014/main" id="{57FD5834-B78F-4A85-8DCE-0B0400D0F92E}"/>
+            </a:ext>
+          </a:extLst>
+        </p:cNvPr>
+        <p:cNvGrpSpPr/>
+        <p:nvPr/>
+      </p:nvGrpSpPr>
+      <p:grpSpPr>
+        <a:xfrm>
+          <a:off x="0" y="0"/>
+          <a:ext cx="0" cy="0"/>
+          <a:chOff x="0" y="0"/>
+          <a:chExt cx="0" cy="0"/>
+        </a:xfrm>
+      </p:grpSpPr>
+      <p:sp>
+        <p:nvSpPr>
+          <p:cNvPr id="2" name="Title 1">
+            <a:extLst>
+              <a:ext uri="{FF2B5EF4-FFF2-40B4-BE49-F238E27FC236}">
+                <a16:creationId xmlns:a16="http://schemas.microsoft.com/office/drawing/2014/main" id="{01E7AFF6-C1EF-5E25-F1F3-AD4737E48D3C}"/>
+              </a:ext>
+            </a:extLst>
+          </p:cNvPr>
+          <p:cNvSpPr>
+            <a:spLocks noGrp="1"/>
+          </p:cNvSpPr>
+          <p:nvPr>
+            <p:ph type="title"/>
+          </p:nvPr>
+        </p:nvSpPr>
+        <p:spPr/>
+        <p:txBody>
+          <a:bodyPr/>
+          <a:lstStyle/>
+          <a:p>
+            <a:r>
+              <a:rPr lang="en-US" dirty="0"/>
+              <a:t>Summary</a:t>
+            </a:r>
+          </a:p>
+        </p:txBody>
+      </p:sp>
+      <p:sp>
+        <p:nvSpPr>
+          <p:cNvPr id="3" name="Content Placeholder 2">
+            <a:extLst>
+              <a:ext uri="{FF2B5EF4-FFF2-40B4-BE49-F238E27FC236}">
+                <a16:creationId xmlns:a16="http://schemas.microsoft.com/office/drawing/2014/main" id="{6D3650A7-47B1-2139-3640-3941854C2F86}"/>
+              </a:ext>
+            </a:extLst>
+          </p:cNvPr>
+          <p:cNvSpPr>
+            <a:spLocks noGrp="1"/>
+          </p:cNvSpPr>
+          <p:nvPr>
+            <p:ph idx="1"/>
+          </p:nvPr>
+        </p:nvSpPr>
+        <p:spPr/>
+        <p:txBody>
+          <a:bodyPr/>
+          <a:lstStyle/>
+          <a:p>
+            <a:r>
+              <a:rPr lang="en-US" dirty="0"/>
+              <a:t>A minimal Nextflow pipeline should contain at least two files:</a:t>
+            </a:r>
+          </a:p>
+          <a:p>
+            <a:pPr lvl="1"/>
+            <a:r>
+              <a:rPr lang="en-US" dirty="0" err="1"/>
+              <a:t>main.nf</a:t>
+            </a:r>
+            <a:endParaRPr lang="en-US" dirty="0"/>
+          </a:p>
+          <a:p>
+            <a:pPr lvl="1"/>
+            <a:r>
+              <a:rPr lang="en-US" dirty="0" err="1"/>
+              <a:t>nextflow.config</a:t>
+            </a:r>
+            <a:endParaRPr lang="en-US" dirty="0"/>
+          </a:p>
+          <a:p>
+            <a:endParaRPr lang="en-US" dirty="0"/>
+          </a:p>
+          <a:p>
+            <a:r>
+              <a:rPr lang="en-US" dirty="0"/>
+              <a:t>It is recommended to leverage the </a:t>
+            </a:r>
+            <a:r>
+              <a:rPr lang="en-US" dirty="0" err="1"/>
+              <a:t>nf</a:t>
+            </a:r>
+            <a:r>
+              <a:rPr lang="en-US" dirty="0"/>
+              <a:t>-core base TEMPLATE</a:t>
+            </a:r>
+          </a:p>
+          <a:p>
+            <a:pPr lvl="1"/>
+            <a:r>
+              <a:rPr lang="en-US" dirty="0"/>
+              <a:t>The TEMPLATE is getting bulky over time, comment out non-essential part as you develop the core logic of your pipeline</a:t>
+            </a:r>
+          </a:p>
+          <a:p>
+            <a:pPr lvl="1"/>
+            <a:r>
+              <a:rPr lang="en-US" dirty="0"/>
+              <a:t>Add back at least </a:t>
+            </a:r>
+          </a:p>
+          <a:p>
+            <a:pPr lvl="1"/>
+            <a:endParaRPr lang="en-US" dirty="0"/>
+          </a:p>
+          <a:p>
+            <a:pPr lvl="1"/>
+            <a:r>
+              <a:rPr lang="en-US" dirty="0"/>
+              <a:t>Always use the latest TEMPLATE from the community!</a:t>
+            </a:r>
+          </a:p>
+        </p:txBody>
+      </p:sp>
+    </p:spTree>
+    <p:extLst>
+      <p:ext uri="{BB962C8B-B14F-4D97-AF65-F5344CB8AC3E}">
+        <p14:creationId xmlns:p14="http://schemas.microsoft.com/office/powerpoint/2010/main" val="1498186426"/>
+      </p:ext>
+    </p:extLst>
+  </p:cSld>
+  <p:clrMapOvr>
+    <a:masterClrMapping/>
+  </p:clrMapOvr>
+</p:sld>
+</file>
+
 <file path=ppt/slides/slide3.xml><?xml version="1.0" encoding="utf-8"?>
 <p:sld xmlns:a="http://schemas.openxmlformats.org/drawingml/2006/main" xmlns:r="http://schemas.openxmlformats.org/officeDocument/2006/relationships" xmlns:p="http://schemas.openxmlformats.org/presentationml/2006/main">
   <p:cSld>
@@ -8631,7 +10837,7 @@
           <a:p>
             <a:r>
               <a:rPr lang="en-US" dirty="0"/>
-              <a:t>Review of the core </a:t>
+              <a:t>Revisit the core </a:t>
             </a:r>
             <a:r>
               <a:rPr lang="en-US" dirty="0" err="1"/>
@@ -8645,15 +10851,7 @@
           <a:p>
             <a:r>
               <a:rPr lang="en-US" dirty="0"/>
-              <a:t>The </a:t>
-            </a:r>
-            <a:r>
-              <a:rPr lang="en-US" dirty="0" err="1"/>
-              <a:t>nf</a:t>
-            </a:r>
-            <a:r>
-              <a:rPr lang="en-US" dirty="0"/>
-              <a:t>-core TEMPLATE architecture</a:t>
+              <a:t>The TEMPLATE architecture</a:t>
             </a:r>
           </a:p>
           <a:p>
@@ -8668,7 +10866,7 @@
                   </a:schemeClr>
                 </a:solidFill>
               </a:rPr>
-              <a:t>Building a toy pipeline by leveraging the </a:t>
+              <a:t>Build a toy pipeline by leveraging the </a:t>
             </a:r>
             <a:r>
               <a:rPr lang="en-US" dirty="0" err="1">
@@ -8795,6 +10993,32 @@
             </a:endParaRPr>
           </a:p>
           <a:p>
+            <a:pPr lvl="2"/>
+            <a:r>
+              <a:rPr lang="en-US" dirty="0">
+                <a:solidFill>
+                  <a:schemeClr val="bg2">
+                    <a:lumMod val="75000"/>
+                  </a:schemeClr>
+                </a:solidFill>
+              </a:rPr>
+              <a:t>if written manually</a:t>
+            </a:r>
+          </a:p>
+          <a:p>
+            <a:pPr lvl="2"/>
+            <a:r>
+              <a:rPr lang="en-US" dirty="0">
+                <a:solidFill>
+                  <a:schemeClr val="bg2">
+                    <a:lumMod val="75000"/>
+                  </a:schemeClr>
+                </a:solidFill>
+              </a:rPr>
+              <a:t>if written by using the TEMPLATE</a:t>
+            </a:r>
+          </a:p>
+          <a:p>
             <a:pPr lvl="1"/>
             <a:r>
               <a:rPr lang="en-US" dirty="0">
@@ -8807,7 +11031,7 @@
               <a:t>Practical tips of using the TEMPLATE and the “</a:t>
             </a:r>
             <a:r>
-              <a:rPr lang="en-US" dirty="0" err="1">
+              <a:rPr lang="en-US" b="1" i="1" dirty="0" err="1">
                 <a:solidFill>
                   <a:schemeClr val="bg2">
                     <a:lumMod val="75000"/>
@@ -8817,6 +11041,16 @@
               <a:t>nf</a:t>
             </a:r>
             <a:r>
+              <a:rPr lang="en-US" b="1" i="1" dirty="0">
+                <a:solidFill>
+                  <a:schemeClr val="bg2">
+                    <a:lumMod val="75000"/>
+                  </a:schemeClr>
+                </a:solidFill>
+              </a:rPr>
+              <a:t>-core install</a:t>
+            </a:r>
+            <a:r>
               <a:rPr lang="en-US" dirty="0">
                 <a:solidFill>
                   <a:schemeClr val="bg2">
@@ -8824,7 +11058,7 @@
                   </a:schemeClr>
                 </a:solidFill>
               </a:rPr>
-              <a:t>-core install” command</a:t>
+              <a:t>” command</a:t>
             </a:r>
           </a:p>
           <a:p>
@@ -9470,7 +11704,7 @@
                   </a:schemeClr>
                 </a:solidFill>
               </a:rPr>
-              <a:t>Review of the core </a:t>
+              <a:t>Revisit the core </a:t>
             </a:r>
             <a:r>
               <a:rPr lang="en-US" dirty="0" err="1">
@@ -9495,16 +11729,6 @@
           </a:p>
           <a:p>
             <a:r>
-              <a:rPr lang="en-US" dirty="0" err="1">
-                <a:solidFill>
-                  <a:schemeClr val="bg2">
-                    <a:lumMod val="75000"/>
-                  </a:schemeClr>
-                </a:solidFill>
-              </a:rPr>
-              <a:t>nf</a:t>
-            </a:r>
-            <a:r>
               <a:rPr lang="en-US" dirty="0">
                 <a:solidFill>
                   <a:schemeClr val="bg2">
@@ -9512,7 +11736,7 @@
                   </a:schemeClr>
                 </a:solidFill>
               </a:rPr>
-              <a:t>-core TEMPLATE architecture</a:t>
+              <a:t>The TEMPLATE architecture</a:t>
             </a:r>
           </a:p>
           <a:p>
@@ -9521,7 +11745,7 @@
           <a:p>
             <a:r>
               <a:rPr lang="en-US" dirty="0"/>
-              <a:t>Building a toy pipeline by leveraging the </a:t>
+              <a:t>Build a toy pipeline by leveraging the </a:t>
             </a:r>
             <a:r>
               <a:rPr lang="en-US" dirty="0" err="1"/>

--- a/nfcore_template.pptx
+++ b/nfcore_template.pptx
@@ -9155,7 +9155,7 @@
         </p:nvSpPr>
         <p:spPr>
           <a:xfrm>
-            <a:off x="368791" y="2427048"/>
+            <a:off x="368791" y="1747114"/>
             <a:ext cx="4166287" cy="1208520"/>
           </a:xfrm>
         </p:spPr>
@@ -9263,7 +9263,7 @@
         </p:nvSpPr>
         <p:spPr>
           <a:xfrm>
-            <a:off x="368791" y="4027209"/>
+            <a:off x="368791" y="3239585"/>
             <a:ext cx="4400916" cy="1325563"/>
           </a:xfrm>
           <a:prstGeom prst="rect">
@@ -9465,6 +9465,108 @@
           </a:p>
         </p:txBody>
       </p:sp>
+      <p:sp>
+        <p:nvSpPr>
+          <p:cNvPr id="9" name="TextBox 8">
+            <a:extLst>
+              <a:ext uri="{FF2B5EF4-FFF2-40B4-BE49-F238E27FC236}">
+                <a16:creationId xmlns:a16="http://schemas.microsoft.com/office/drawing/2014/main" id="{60CCF223-370D-C2E5-5A01-E0BB168FB974}"/>
+              </a:ext>
+            </a:extLst>
+          </p:cNvPr>
+          <p:cNvSpPr txBox="1"/>
+          <p:nvPr/>
+        </p:nvSpPr>
+        <p:spPr>
+          <a:xfrm>
+            <a:off x="368791" y="5025387"/>
+            <a:ext cx="4593861" cy="1354217"/>
+          </a:xfrm>
+          <a:prstGeom prst="rect">
+            <a:avLst/>
+          </a:prstGeom>
+          <a:noFill/>
+        </p:spPr>
+        <p:txBody>
+          <a:bodyPr wrap="square">
+            <a:spAutoFit/>
+          </a:bodyPr>
+          <a:lstStyle/>
+          <a:p>
+            <a:r>
+              <a:rPr lang="en-US" dirty="0"/>
+              <a:t>Command:</a:t>
+            </a:r>
+          </a:p>
+          <a:p>
+            <a:r>
+              <a:rPr lang="en-US" sz="1600" b="1" i="1" dirty="0" err="1"/>
+              <a:t>nextflow</a:t>
+            </a:r>
+            <a:r>
+              <a:rPr lang="en-US" sz="1600" b="1" i="1" dirty="0"/>
+              <a:t> run </a:t>
+            </a:r>
+            <a:r>
+              <a:rPr lang="en-US" sz="1600" b="1" i="1" dirty="0" err="1"/>
+              <a:t>main.nf</a:t>
+            </a:r>
+            <a:r>
+              <a:rPr lang="en-US" sz="1600" b="1" i="1" dirty="0"/>
+              <a:t> -profile </a:t>
+            </a:r>
+            <a:r>
+              <a:rPr lang="en-US" sz="1600" b="1" i="1" dirty="0" err="1"/>
+              <a:t>docker,arm</a:t>
+            </a:r>
+            <a:r>
+              <a:rPr lang="en-US" sz="1600" b="1" i="1" dirty="0"/>
+              <a:t> </a:t>
+            </a:r>
+            <a:r>
+              <a:rPr lang="en-US" sz="1600" b="1" i="1" dirty="0">
+                <a:highlight>
+                  <a:srgbClr val="FFFF00"/>
+                </a:highlight>
+              </a:rPr>
+              <a:t>--input assets/</a:t>
+            </a:r>
+            <a:r>
+              <a:rPr lang="en-US" sz="1600" b="1" i="1" dirty="0" err="1">
+                <a:highlight>
+                  <a:srgbClr val="FFFF00"/>
+                </a:highlight>
+              </a:rPr>
+              <a:t>samplesheet.csv</a:t>
+            </a:r>
+            <a:endParaRPr lang="en-US" sz="1600" b="1" i="1" dirty="0">
+              <a:highlight>
+                <a:srgbClr val="FFFF00"/>
+              </a:highlight>
+            </a:endParaRPr>
+          </a:p>
+          <a:p>
+            <a:endParaRPr lang="en-US" sz="1600" b="1" i="1" dirty="0">
+              <a:highlight>
+                <a:srgbClr val="FFFF00"/>
+              </a:highlight>
+            </a:endParaRPr>
+          </a:p>
+          <a:p>
+            <a:r>
+              <a:rPr lang="en-US" sz="1600" dirty="0"/>
+              <a:t>Download example: </a:t>
+            </a:r>
+            <a:r>
+              <a:rPr lang="en-US" sz="1600" dirty="0">
+                <a:hlinkClick r:id="rId4"/>
+              </a:rPr>
+              <a:t>samplesheet.csv</a:t>
+            </a:r>
+            <a:endParaRPr lang="en-US" sz="1600" dirty="0"/>
+          </a:p>
+        </p:txBody>
+      </p:sp>
     </p:spTree>
     <p:extLst>
       <p:ext uri="{BB962C8B-B14F-4D97-AF65-F5344CB8AC3E}">
@@ -10688,7 +10790,9 @@
         </p:nvSpPr>
         <p:spPr/>
         <p:txBody>
-          <a:bodyPr/>
+          <a:bodyPr>
+            <a:normAutofit lnSpcReduction="10000"/>
+          </a:bodyPr>
           <a:lstStyle/>
           <a:p>
             <a:r>
@@ -10733,14 +10837,22 @@
             <a:pPr lvl="1"/>
             <a:r>
               <a:rPr lang="en-US" dirty="0"/>
-              <a:t>The TEMPLATE is getting bulky over time, comment out non-essential part as you develop the core logic of your pipeline</a:t>
+              <a:t>The TEMPLATE is getting bulky over time, comment out non-essential parts as you develop the core logic of your pipeline</a:t>
             </a:r>
           </a:p>
           <a:p>
             <a:pPr lvl="1"/>
             <a:r>
               <a:rPr lang="en-US" dirty="0"/>
-              <a:t>Add back at least </a:t>
+              <a:t>Put back the </a:t>
+            </a:r>
+            <a:r>
+              <a:rPr lang="en-US" b="1" dirty="0"/>
+              <a:t>PIPELINE_INITIALISATION </a:t>
+            </a:r>
+            <a:r>
+              <a:rPr lang="en-US" dirty="0"/>
+              <a:t>will make the pipeline more robust</a:t>
             </a:r>
           </a:p>
           <a:p>
